--- a/Разработка cайта для магазина роллов и суши.pptx
+++ b/Разработка cайта для магазина роллов и суши.pptx
@@ -10,15 +10,8 @@
     <p:sldId id="258" r:id="rId4"/>
     <p:sldId id="259" r:id="rId5"/>
     <p:sldId id="269" r:id="rId6"/>
-    <p:sldId id="266" r:id="rId7"/>
-    <p:sldId id="265" r:id="rId8"/>
-    <p:sldId id="267" r:id="rId9"/>
-    <p:sldId id="268" r:id="rId10"/>
-    <p:sldId id="264" r:id="rId11"/>
-    <p:sldId id="262" r:id="rId12"/>
-    <p:sldId id="260" r:id="rId13"/>
-    <p:sldId id="261" r:id="rId14"/>
-    <p:sldId id="263" r:id="rId15"/>
+    <p:sldId id="265" r:id="rId7"/>
+    <p:sldId id="267" r:id="rId8"/>
   </p:sldIdLst>
   <p:sldSz cx="12192000" cy="6858000"/>
   <p:notesSz cx="6858000" cy="9144000"/>
@@ -117,6 +110,11 @@
       </a:defRPr>
     </a:lvl9pPr>
   </p:defaultTextStyle>
+  <p:extLst>
+    <p:ext uri="{EFAFB233-063F-42B5-8137-9DF3F51BA10A}">
+      <p15:sldGuideLst xmlns:p15="http://schemas.microsoft.com/office/powerpoint/2012/main"/>
+    </p:ext>
+  </p:extLst>
 </p:presentation>
 </file>
 
@@ -267,7 +265,7 @@
           <a:p>
             <a:fld id="{F7BFCE7A-43A2-4EF4-86AC-1369E0CE8FED}" type="datetimeFigureOut">
               <a:rPr lang="ru-RU" smtClean="0"/>
-              <a:t>24.11.2021</a:t>
+              <a:t>26.11.2021</a:t>
             </a:fld>
             <a:endParaRPr lang="ru-RU"/>
           </a:p>
@@ -465,7 +463,7 @@
           <a:p>
             <a:fld id="{F7BFCE7A-43A2-4EF4-86AC-1369E0CE8FED}" type="datetimeFigureOut">
               <a:rPr lang="ru-RU" smtClean="0"/>
-              <a:t>24.11.2021</a:t>
+              <a:t>26.11.2021</a:t>
             </a:fld>
             <a:endParaRPr lang="ru-RU"/>
           </a:p>
@@ -673,7 +671,7 @@
           <a:p>
             <a:fld id="{F7BFCE7A-43A2-4EF4-86AC-1369E0CE8FED}" type="datetimeFigureOut">
               <a:rPr lang="ru-RU" smtClean="0"/>
-              <a:t>24.11.2021</a:t>
+              <a:t>26.11.2021</a:t>
             </a:fld>
             <a:endParaRPr lang="ru-RU"/>
           </a:p>
@@ -871,7 +869,7 @@
           <a:p>
             <a:fld id="{F7BFCE7A-43A2-4EF4-86AC-1369E0CE8FED}" type="datetimeFigureOut">
               <a:rPr lang="ru-RU" smtClean="0"/>
-              <a:t>24.11.2021</a:t>
+              <a:t>26.11.2021</a:t>
             </a:fld>
             <a:endParaRPr lang="ru-RU"/>
           </a:p>
@@ -1146,7 +1144,7 @@
           <a:p>
             <a:fld id="{F7BFCE7A-43A2-4EF4-86AC-1369E0CE8FED}" type="datetimeFigureOut">
               <a:rPr lang="ru-RU" smtClean="0"/>
-              <a:t>24.11.2021</a:t>
+              <a:t>26.11.2021</a:t>
             </a:fld>
             <a:endParaRPr lang="ru-RU"/>
           </a:p>
@@ -1411,7 +1409,7 @@
           <a:p>
             <a:fld id="{F7BFCE7A-43A2-4EF4-86AC-1369E0CE8FED}" type="datetimeFigureOut">
               <a:rPr lang="ru-RU" smtClean="0"/>
-              <a:t>24.11.2021</a:t>
+              <a:t>26.11.2021</a:t>
             </a:fld>
             <a:endParaRPr lang="ru-RU"/>
           </a:p>
@@ -1823,7 +1821,7 @@
           <a:p>
             <a:fld id="{F7BFCE7A-43A2-4EF4-86AC-1369E0CE8FED}" type="datetimeFigureOut">
               <a:rPr lang="ru-RU" smtClean="0"/>
-              <a:t>24.11.2021</a:t>
+              <a:t>26.11.2021</a:t>
             </a:fld>
             <a:endParaRPr lang="ru-RU"/>
           </a:p>
@@ -1964,7 +1962,7 @@
           <a:p>
             <a:fld id="{F7BFCE7A-43A2-4EF4-86AC-1369E0CE8FED}" type="datetimeFigureOut">
               <a:rPr lang="ru-RU" smtClean="0"/>
-              <a:t>24.11.2021</a:t>
+              <a:t>26.11.2021</a:t>
             </a:fld>
             <a:endParaRPr lang="ru-RU"/>
           </a:p>
@@ -2077,7 +2075,7 @@
           <a:p>
             <a:fld id="{F7BFCE7A-43A2-4EF4-86AC-1369E0CE8FED}" type="datetimeFigureOut">
               <a:rPr lang="ru-RU" smtClean="0"/>
-              <a:t>24.11.2021</a:t>
+              <a:t>26.11.2021</a:t>
             </a:fld>
             <a:endParaRPr lang="ru-RU"/>
           </a:p>
@@ -2388,7 +2386,7 @@
           <a:p>
             <a:fld id="{F7BFCE7A-43A2-4EF4-86AC-1369E0CE8FED}" type="datetimeFigureOut">
               <a:rPr lang="ru-RU" smtClean="0"/>
-              <a:t>24.11.2021</a:t>
+              <a:t>26.11.2021</a:t>
             </a:fld>
             <a:endParaRPr lang="ru-RU"/>
           </a:p>
@@ -2676,7 +2674,7 @@
           <a:p>
             <a:fld id="{F7BFCE7A-43A2-4EF4-86AC-1369E0CE8FED}" type="datetimeFigureOut">
               <a:rPr lang="ru-RU" smtClean="0"/>
-              <a:t>24.11.2021</a:t>
+              <a:t>26.11.2021</a:t>
             </a:fld>
             <a:endParaRPr lang="ru-RU"/>
           </a:p>
@@ -2917,7 +2915,7 @@
           <a:p>
             <a:fld id="{F7BFCE7A-43A2-4EF4-86AC-1369E0CE8FED}" type="datetimeFigureOut">
               <a:rPr lang="ru-RU" smtClean="0"/>
-              <a:t>24.11.2021</a:t>
+              <a:t>26.11.2021</a:t>
             </a:fld>
             <a:endParaRPr lang="ru-RU"/>
           </a:p>
@@ -3453,2626 +3451,6 @@
 </p:sld>
 </file>
 
-<file path=ppt/slides/slide10.xml><?xml version="1.0" encoding="utf-8"?>
-<p:sld xmlns:a="http://schemas.openxmlformats.org/drawingml/2006/main" xmlns:r="http://schemas.openxmlformats.org/officeDocument/2006/relationships" xmlns:p="http://schemas.openxmlformats.org/presentationml/2006/main">
-  <p:cSld>
-    <p:spTree>
-      <p:nvGrpSpPr>
-        <p:cNvPr id="1" name=""/>
-        <p:cNvGrpSpPr/>
-        <p:nvPr/>
-      </p:nvGrpSpPr>
-      <p:grpSpPr>
-        <a:xfrm>
-          <a:off x="0" y="0"/>
-          <a:ext cx="0" cy="0"/>
-          <a:chOff x="0" y="0"/>
-          <a:chExt cx="0" cy="0"/>
-        </a:xfrm>
-      </p:grpSpPr>
-      <p:sp>
-        <p:nvSpPr>
-          <p:cNvPr id="2" name="Заголовок 1">
-            <a:extLst>
-              <a:ext uri="{FF2B5EF4-FFF2-40B4-BE49-F238E27FC236}">
-                <a16:creationId xmlns:a16="http://schemas.microsoft.com/office/drawing/2014/main" id="{A5E470A9-7F3A-4219-BC6A-C6A9DAEE267B}"/>
-              </a:ext>
-            </a:extLst>
-          </p:cNvPr>
-          <p:cNvSpPr>
-            <a:spLocks noGrp="1"/>
-          </p:cNvSpPr>
-          <p:nvPr>
-            <p:ph type="title"/>
-          </p:nvPr>
-        </p:nvSpPr>
-        <p:spPr>
-          <a:xfrm>
-            <a:off x="810985" y="171451"/>
-            <a:ext cx="10570029" cy="650875"/>
-          </a:xfrm>
-        </p:spPr>
-        <p:txBody>
-          <a:bodyPr>
-            <a:normAutofit fontScale="90000"/>
-          </a:bodyPr>
-          <a:lstStyle/>
-          <a:p>
-            <a:pPr algn="ctr"/>
-            <a:r>
-              <a:rPr lang="ru-RU" dirty="0"/>
-              <a:t>Стек технологий</a:t>
-            </a:r>
-          </a:p>
-        </p:txBody>
-      </p:sp>
-      <p:sp>
-        <p:nvSpPr>
-          <p:cNvPr id="3" name="Объект 2">
-            <a:extLst>
-              <a:ext uri="{FF2B5EF4-FFF2-40B4-BE49-F238E27FC236}">
-                <a16:creationId xmlns:a16="http://schemas.microsoft.com/office/drawing/2014/main" id="{882CB824-C634-4F6E-A99F-D1DB4291393E}"/>
-              </a:ext>
-            </a:extLst>
-          </p:cNvPr>
-          <p:cNvSpPr>
-            <a:spLocks noGrp="1"/>
-          </p:cNvSpPr>
-          <p:nvPr>
-            <p:ph idx="1"/>
-          </p:nvPr>
-        </p:nvSpPr>
-        <p:spPr>
-          <a:xfrm>
-            <a:off x="252128" y="991166"/>
-            <a:ext cx="4588215" cy="5431063"/>
-          </a:xfrm>
-        </p:spPr>
-        <p:txBody>
-          <a:bodyPr>
-            <a:normAutofit/>
-          </a:bodyPr>
-          <a:lstStyle/>
-          <a:p>
-            <a:r>
-              <a:rPr lang="en-US" dirty="0"/>
-              <a:t>Java</a:t>
-            </a:r>
-            <a:endParaRPr lang="ru-RU" dirty="0"/>
-          </a:p>
-          <a:p>
-            <a:r>
-              <a:rPr lang="en-US" dirty="0"/>
-              <a:t>JavaScript </a:t>
-            </a:r>
-            <a:r>
-              <a:rPr lang="ru-RU" dirty="0"/>
-              <a:t>и </a:t>
-            </a:r>
-            <a:r>
-              <a:rPr lang="en-US" dirty="0"/>
-              <a:t>HTML </a:t>
-            </a:r>
-            <a:endParaRPr lang="ru-RU" dirty="0"/>
-          </a:p>
-          <a:p>
-            <a:r>
-              <a:rPr lang="en-US" dirty="0"/>
-              <a:t>IntelliJ IDEA</a:t>
-            </a:r>
-            <a:endParaRPr lang="ru-RU" dirty="0"/>
-          </a:p>
-          <a:p>
-            <a:r>
-              <a:rPr lang="en-US" dirty="0"/>
-              <a:t>PostgreSQL </a:t>
-            </a:r>
-            <a:r>
-              <a:rPr lang="ru-RU" dirty="0"/>
-              <a:t>и </a:t>
-            </a:r>
-            <a:r>
-              <a:rPr lang="en-US" dirty="0"/>
-              <a:t>H2</a:t>
-            </a:r>
-            <a:endParaRPr lang="ru-RU" dirty="0"/>
-          </a:p>
-          <a:p>
-            <a:r>
-              <a:rPr lang="ru-RU" dirty="0" err="1"/>
-              <a:t>Maven</a:t>
-            </a:r>
-            <a:endParaRPr lang="en-US" dirty="0"/>
-          </a:p>
-          <a:p>
-            <a:r>
-              <a:rPr lang="en-US" dirty="0"/>
-              <a:t>Lombok</a:t>
-            </a:r>
-            <a:endParaRPr lang="ru-RU" dirty="0"/>
-          </a:p>
-          <a:p>
-            <a:r>
-              <a:rPr lang="en-US" dirty="0" err="1"/>
-              <a:t>Thymeleaf</a:t>
-            </a:r>
-            <a:endParaRPr lang="ru-RU" dirty="0"/>
-          </a:p>
-          <a:p>
-            <a:r>
-              <a:rPr lang="ru-RU" dirty="0" err="1"/>
-              <a:t>Tomcat</a:t>
-            </a:r>
-            <a:endParaRPr lang="ru-RU" dirty="0"/>
-          </a:p>
-          <a:p>
-            <a:r>
-              <a:rPr lang="en-US" dirty="0"/>
-              <a:t>Hibernate</a:t>
-            </a:r>
-            <a:endParaRPr lang="ru-RU" dirty="0"/>
-          </a:p>
-          <a:p>
-            <a:endParaRPr lang="ru-RU" dirty="0"/>
-          </a:p>
-        </p:txBody>
-      </p:sp>
-      <p:sp>
-        <p:nvSpPr>
-          <p:cNvPr id="4" name="Объект 2">
-            <a:extLst>
-              <a:ext uri="{FF2B5EF4-FFF2-40B4-BE49-F238E27FC236}">
-                <a16:creationId xmlns:a16="http://schemas.microsoft.com/office/drawing/2014/main" id="{2419ED4A-17D7-4649-A435-404A1671F78A}"/>
-              </a:ext>
-            </a:extLst>
-          </p:cNvPr>
-          <p:cNvSpPr txBox="1">
-            <a:spLocks/>
-          </p:cNvSpPr>
-          <p:nvPr/>
-        </p:nvSpPr>
-        <p:spPr>
-          <a:xfrm>
-            <a:off x="5978781" y="1064979"/>
-            <a:ext cx="5459073" cy="5431063"/>
-          </a:xfrm>
-          <a:prstGeom prst="rect">
-            <a:avLst/>
-          </a:prstGeom>
-        </p:spPr>
-        <p:txBody>
-          <a:bodyPr vert="horz" lIns="91440" tIns="45720" rIns="91440" bIns="45720" rtlCol="0">
-            <a:normAutofit/>
-          </a:bodyPr>
-          <a:lstStyle>
-            <a:lvl1pPr marL="228600" indent="-228600" algn="l" defTabSz="914400" rtl="0" eaLnBrk="1" latinLnBrk="0" hangingPunct="1">
-              <a:lnSpc>
-                <a:spcPct val="90000"/>
-              </a:lnSpc>
-              <a:spcBef>
-                <a:spcPts val="1000"/>
-              </a:spcBef>
-              <a:buFont typeface="Arial" panose="020B0604020202020204" pitchFamily="34" charset="0"/>
-              <a:buChar char="•"/>
-              <a:defRPr sz="2800" kern="1200">
-                <a:solidFill>
-                  <a:schemeClr val="tx1"/>
-                </a:solidFill>
-                <a:latin typeface="+mn-lt"/>
-                <a:ea typeface="+mn-ea"/>
-                <a:cs typeface="+mn-cs"/>
-              </a:defRPr>
-            </a:lvl1pPr>
-            <a:lvl2pPr marL="685800" indent="-228600" algn="l" defTabSz="914400" rtl="0" eaLnBrk="1" latinLnBrk="0" hangingPunct="1">
-              <a:lnSpc>
-                <a:spcPct val="90000"/>
-              </a:lnSpc>
-              <a:spcBef>
-                <a:spcPts val="500"/>
-              </a:spcBef>
-              <a:buFont typeface="Arial" panose="020B0604020202020204" pitchFamily="34" charset="0"/>
-              <a:buChar char="•"/>
-              <a:defRPr sz="2400" kern="1200">
-                <a:solidFill>
-                  <a:schemeClr val="tx1"/>
-                </a:solidFill>
-                <a:latin typeface="+mn-lt"/>
-                <a:ea typeface="+mn-ea"/>
-                <a:cs typeface="+mn-cs"/>
-              </a:defRPr>
-            </a:lvl2pPr>
-            <a:lvl3pPr marL="1143000" indent="-228600" algn="l" defTabSz="914400" rtl="0" eaLnBrk="1" latinLnBrk="0" hangingPunct="1">
-              <a:lnSpc>
-                <a:spcPct val="90000"/>
-              </a:lnSpc>
-              <a:spcBef>
-                <a:spcPts val="500"/>
-              </a:spcBef>
-              <a:buFont typeface="Arial" panose="020B0604020202020204" pitchFamily="34" charset="0"/>
-              <a:buChar char="•"/>
-              <a:defRPr sz="2000" kern="1200">
-                <a:solidFill>
-                  <a:schemeClr val="tx1"/>
-                </a:solidFill>
-                <a:latin typeface="+mn-lt"/>
-                <a:ea typeface="+mn-ea"/>
-                <a:cs typeface="+mn-cs"/>
-              </a:defRPr>
-            </a:lvl3pPr>
-            <a:lvl4pPr marL="1600200" indent="-228600" algn="l" defTabSz="914400" rtl="0" eaLnBrk="1" latinLnBrk="0" hangingPunct="1">
-              <a:lnSpc>
-                <a:spcPct val="90000"/>
-              </a:lnSpc>
-              <a:spcBef>
-                <a:spcPts val="500"/>
-              </a:spcBef>
-              <a:buFont typeface="Arial" panose="020B0604020202020204" pitchFamily="34" charset="0"/>
-              <a:buChar char="•"/>
-              <a:defRPr sz="1800" kern="1200">
-                <a:solidFill>
-                  <a:schemeClr val="tx1"/>
-                </a:solidFill>
-                <a:latin typeface="+mn-lt"/>
-                <a:ea typeface="+mn-ea"/>
-                <a:cs typeface="+mn-cs"/>
-              </a:defRPr>
-            </a:lvl4pPr>
-            <a:lvl5pPr marL="2057400" indent="-228600" algn="l" defTabSz="914400" rtl="0" eaLnBrk="1" latinLnBrk="0" hangingPunct="1">
-              <a:lnSpc>
-                <a:spcPct val="90000"/>
-              </a:lnSpc>
-              <a:spcBef>
-                <a:spcPts val="500"/>
-              </a:spcBef>
-              <a:buFont typeface="Arial" panose="020B0604020202020204" pitchFamily="34" charset="0"/>
-              <a:buChar char="•"/>
-              <a:defRPr sz="1800" kern="1200">
-                <a:solidFill>
-                  <a:schemeClr val="tx1"/>
-                </a:solidFill>
-                <a:latin typeface="+mn-lt"/>
-                <a:ea typeface="+mn-ea"/>
-                <a:cs typeface="+mn-cs"/>
-              </a:defRPr>
-            </a:lvl5pPr>
-            <a:lvl6pPr marL="2514600" indent="-228600" algn="l" defTabSz="914400" rtl="0" eaLnBrk="1" latinLnBrk="0" hangingPunct="1">
-              <a:lnSpc>
-                <a:spcPct val="90000"/>
-              </a:lnSpc>
-              <a:spcBef>
-                <a:spcPts val="500"/>
-              </a:spcBef>
-              <a:buFont typeface="Arial" panose="020B0604020202020204" pitchFamily="34" charset="0"/>
-              <a:buChar char="•"/>
-              <a:defRPr sz="1800" kern="1200">
-                <a:solidFill>
-                  <a:schemeClr val="tx1"/>
-                </a:solidFill>
-                <a:latin typeface="+mn-lt"/>
-                <a:ea typeface="+mn-ea"/>
-                <a:cs typeface="+mn-cs"/>
-              </a:defRPr>
-            </a:lvl6pPr>
-            <a:lvl7pPr marL="2971800" indent="-228600" algn="l" defTabSz="914400" rtl="0" eaLnBrk="1" latinLnBrk="0" hangingPunct="1">
-              <a:lnSpc>
-                <a:spcPct val="90000"/>
-              </a:lnSpc>
-              <a:spcBef>
-                <a:spcPts val="500"/>
-              </a:spcBef>
-              <a:buFont typeface="Arial" panose="020B0604020202020204" pitchFamily="34" charset="0"/>
-              <a:buChar char="•"/>
-              <a:defRPr sz="1800" kern="1200">
-                <a:solidFill>
-                  <a:schemeClr val="tx1"/>
-                </a:solidFill>
-                <a:latin typeface="+mn-lt"/>
-                <a:ea typeface="+mn-ea"/>
-                <a:cs typeface="+mn-cs"/>
-              </a:defRPr>
-            </a:lvl7pPr>
-            <a:lvl8pPr marL="3429000" indent="-228600" algn="l" defTabSz="914400" rtl="0" eaLnBrk="1" latinLnBrk="0" hangingPunct="1">
-              <a:lnSpc>
-                <a:spcPct val="90000"/>
-              </a:lnSpc>
-              <a:spcBef>
-                <a:spcPts val="500"/>
-              </a:spcBef>
-              <a:buFont typeface="Arial" panose="020B0604020202020204" pitchFamily="34" charset="0"/>
-              <a:buChar char="•"/>
-              <a:defRPr sz="1800" kern="1200">
-                <a:solidFill>
-                  <a:schemeClr val="tx1"/>
-                </a:solidFill>
-                <a:latin typeface="+mn-lt"/>
-                <a:ea typeface="+mn-ea"/>
-                <a:cs typeface="+mn-cs"/>
-              </a:defRPr>
-            </a:lvl8pPr>
-            <a:lvl9pPr marL="3886200" indent="-228600" algn="l" defTabSz="914400" rtl="0" eaLnBrk="1" latinLnBrk="0" hangingPunct="1">
-              <a:lnSpc>
-                <a:spcPct val="90000"/>
-              </a:lnSpc>
-              <a:spcBef>
-                <a:spcPts val="500"/>
-              </a:spcBef>
-              <a:buFont typeface="Arial" panose="020B0604020202020204" pitchFamily="34" charset="0"/>
-              <a:buChar char="•"/>
-              <a:defRPr sz="1800" kern="1200">
-                <a:solidFill>
-                  <a:schemeClr val="tx1"/>
-                </a:solidFill>
-                <a:latin typeface="+mn-lt"/>
-                <a:ea typeface="+mn-ea"/>
-                <a:cs typeface="+mn-cs"/>
-              </a:defRPr>
-            </a:lvl9pPr>
-          </a:lstStyle>
-          <a:p>
-            <a:r>
-              <a:rPr lang="en-US" dirty="0"/>
-              <a:t>Spring Boot</a:t>
-            </a:r>
-          </a:p>
-          <a:p>
-            <a:r>
-              <a:rPr lang="en-US" dirty="0"/>
-              <a:t>Spring Data JPA</a:t>
-            </a:r>
-          </a:p>
-          <a:p>
-            <a:r>
-              <a:rPr lang="ru-RU" dirty="0"/>
-              <a:t>Spring Security</a:t>
-            </a:r>
-            <a:endParaRPr lang="en-US" dirty="0"/>
-          </a:p>
-          <a:p>
-            <a:r>
-              <a:rPr lang="ru-RU" dirty="0"/>
-              <a:t>Spring Web Services</a:t>
-            </a:r>
-            <a:endParaRPr lang="en-US" dirty="0"/>
-          </a:p>
-          <a:p>
-            <a:r>
-              <a:rPr lang="en-US" dirty="0"/>
-              <a:t>Spring MVC</a:t>
-            </a:r>
-          </a:p>
-          <a:p>
-            <a:r>
-              <a:rPr lang="en-US" dirty="0"/>
-              <a:t>Spring Integration</a:t>
-            </a:r>
-            <a:endParaRPr lang="ru-RU" dirty="0"/>
-          </a:p>
-          <a:p>
-            <a:r>
-              <a:rPr lang="en-US" dirty="0"/>
-              <a:t>Flyway</a:t>
-            </a:r>
-            <a:endParaRPr lang="ru-RU" dirty="0"/>
-          </a:p>
-          <a:p>
-            <a:r>
-              <a:rPr lang="en-US" dirty="0" err="1"/>
-              <a:t>Mapstruct</a:t>
-            </a:r>
-            <a:endParaRPr lang="ru-RU" dirty="0"/>
-          </a:p>
-          <a:p>
-            <a:r>
-              <a:rPr lang="en-US" dirty="0" err="1"/>
-              <a:t>Webjars</a:t>
-            </a:r>
-            <a:endParaRPr lang="ru-RU" dirty="0"/>
-          </a:p>
-          <a:p>
-            <a:endParaRPr lang="ru-RU" dirty="0"/>
-          </a:p>
-        </p:txBody>
-      </p:sp>
-    </p:spTree>
-    <p:extLst>
-      <p:ext uri="{BB962C8B-B14F-4D97-AF65-F5344CB8AC3E}">
-        <p14:creationId xmlns:p14="http://schemas.microsoft.com/office/powerpoint/2010/main" val="1043205617"/>
-      </p:ext>
-    </p:extLst>
-  </p:cSld>
-  <p:clrMapOvr>
-    <a:masterClrMapping/>
-  </p:clrMapOvr>
-</p:sld>
-</file>
-
-<file path=ppt/slides/slide11.xml><?xml version="1.0" encoding="utf-8"?>
-<p:sld xmlns:a="http://schemas.openxmlformats.org/drawingml/2006/main" xmlns:r="http://schemas.openxmlformats.org/officeDocument/2006/relationships" xmlns:p="http://schemas.openxmlformats.org/presentationml/2006/main">
-  <p:cSld>
-    <p:spTree>
-      <p:nvGrpSpPr>
-        <p:cNvPr id="1" name=""/>
-        <p:cNvGrpSpPr/>
-        <p:nvPr/>
-      </p:nvGrpSpPr>
-      <p:grpSpPr>
-        <a:xfrm>
-          <a:off x="0" y="0"/>
-          <a:ext cx="0" cy="0"/>
-          <a:chOff x="0" y="0"/>
-          <a:chExt cx="0" cy="0"/>
-        </a:xfrm>
-      </p:grpSpPr>
-      <p:sp>
-        <p:nvSpPr>
-          <p:cNvPr id="2" name="Заголовок 1">
-            <a:extLst>
-              <a:ext uri="{FF2B5EF4-FFF2-40B4-BE49-F238E27FC236}">
-                <a16:creationId xmlns:a16="http://schemas.microsoft.com/office/drawing/2014/main" id="{A5E470A9-7F3A-4219-BC6A-C6A9DAEE267B}"/>
-              </a:ext>
-            </a:extLst>
-          </p:cNvPr>
-          <p:cNvSpPr>
-            <a:spLocks noGrp="1"/>
-          </p:cNvSpPr>
-          <p:nvPr>
-            <p:ph type="title"/>
-          </p:nvPr>
-        </p:nvSpPr>
-        <p:spPr/>
-        <p:txBody>
-          <a:bodyPr/>
-          <a:lstStyle/>
-          <a:p>
-            <a:r>
-              <a:rPr lang="ru-RU" dirty="0"/>
-              <a:t>Стек технологий</a:t>
-            </a:r>
-          </a:p>
-        </p:txBody>
-      </p:sp>
-      <p:sp>
-        <p:nvSpPr>
-          <p:cNvPr id="3" name="Объект 2">
-            <a:extLst>
-              <a:ext uri="{FF2B5EF4-FFF2-40B4-BE49-F238E27FC236}">
-                <a16:creationId xmlns:a16="http://schemas.microsoft.com/office/drawing/2014/main" id="{882CB824-C634-4F6E-A99F-D1DB4291393E}"/>
-              </a:ext>
-            </a:extLst>
-          </p:cNvPr>
-          <p:cNvSpPr>
-            <a:spLocks noGrp="1"/>
-          </p:cNvSpPr>
-          <p:nvPr>
-            <p:ph idx="1"/>
-          </p:nvPr>
-        </p:nvSpPr>
-        <p:spPr>
-          <a:xfrm>
-            <a:off x="138112" y="1253330"/>
-            <a:ext cx="10515600" cy="5433219"/>
-          </a:xfrm>
-        </p:spPr>
-        <p:txBody>
-          <a:bodyPr>
-            <a:normAutofit fontScale="55000" lnSpcReduction="20000"/>
-          </a:bodyPr>
-          <a:lstStyle/>
-          <a:p>
-            <a:r>
-              <a:rPr lang="en-US" dirty="0"/>
-              <a:t>Java 8 </a:t>
-            </a:r>
-            <a:r>
-              <a:rPr lang="ru-RU" dirty="0"/>
-              <a:t>– </a:t>
-            </a:r>
-            <a:r>
-              <a:rPr lang="en-US" dirty="0"/>
-              <a:t>Backend</a:t>
-            </a:r>
-            <a:endParaRPr lang="ru-RU" dirty="0"/>
-          </a:p>
-          <a:p>
-            <a:r>
-              <a:rPr lang="en-US" dirty="0"/>
-              <a:t>JavaScript </a:t>
-            </a:r>
-            <a:r>
-              <a:rPr lang="ru-RU" dirty="0"/>
-              <a:t>и </a:t>
-            </a:r>
-            <a:r>
-              <a:rPr lang="en-US" dirty="0"/>
-              <a:t>HTML </a:t>
-            </a:r>
-            <a:r>
-              <a:rPr lang="ru-RU" dirty="0"/>
-              <a:t>– </a:t>
-            </a:r>
-            <a:r>
-              <a:rPr lang="en-US" dirty="0"/>
-              <a:t>Frontend</a:t>
-            </a:r>
-            <a:endParaRPr lang="ru-RU" dirty="0"/>
-          </a:p>
-          <a:p>
-            <a:r>
-              <a:rPr lang="en-US" dirty="0"/>
-              <a:t>IntelliJ IDEA </a:t>
-            </a:r>
-            <a:r>
-              <a:rPr lang="ru-RU" dirty="0"/>
-              <a:t>– среда разработки</a:t>
-            </a:r>
-          </a:p>
-          <a:p>
-            <a:r>
-              <a:rPr lang="en-US" dirty="0"/>
-              <a:t>PostgreSQL </a:t>
-            </a:r>
-            <a:r>
-              <a:rPr lang="ru-RU" dirty="0"/>
-              <a:t>и </a:t>
-            </a:r>
-            <a:r>
-              <a:rPr lang="en-US" dirty="0"/>
-              <a:t>H2 </a:t>
-            </a:r>
-            <a:r>
-              <a:rPr lang="ru-RU" dirty="0"/>
-              <a:t>– базы данных</a:t>
-            </a:r>
-            <a:endParaRPr lang="en-US" dirty="0"/>
-          </a:p>
-          <a:p>
-            <a:r>
-              <a:rPr lang="ru-RU" dirty="0" err="1"/>
-              <a:t>Maven</a:t>
-            </a:r>
-            <a:r>
-              <a:rPr lang="ru-RU" dirty="0"/>
-              <a:t> – автоматизация сборки проекта</a:t>
-            </a:r>
-            <a:endParaRPr lang="en-US" dirty="0"/>
-          </a:p>
-          <a:p>
-            <a:r>
-              <a:rPr lang="en-US" dirty="0"/>
-              <a:t>Spring Boot </a:t>
-            </a:r>
-            <a:r>
-              <a:rPr lang="ru-RU" dirty="0"/>
-              <a:t>– автоматизация рутинных действий по созданию и ускорению работы </a:t>
-            </a:r>
-            <a:r>
-              <a:rPr lang="en-US" dirty="0"/>
-              <a:t>Spring-</a:t>
-            </a:r>
-            <a:r>
-              <a:rPr lang="ru-RU" dirty="0"/>
-              <a:t>приложений</a:t>
-            </a:r>
-            <a:endParaRPr lang="en-US" dirty="0"/>
-          </a:p>
-          <a:p>
-            <a:r>
-              <a:rPr lang="en-US" dirty="0"/>
-              <a:t>Spring Data JPA</a:t>
-            </a:r>
-            <a:r>
-              <a:rPr lang="ru-RU" dirty="0"/>
-              <a:t> </a:t>
-            </a:r>
-            <a:r>
-              <a:rPr lang="en-US" dirty="0"/>
-              <a:t>+ Hibernate </a:t>
-            </a:r>
-            <a:r>
-              <a:rPr lang="ru-RU" dirty="0"/>
-              <a:t>– для сохранения и получения данных из реляционной БД</a:t>
-            </a:r>
-            <a:endParaRPr lang="en-US" dirty="0"/>
-          </a:p>
-          <a:p>
-            <a:r>
-              <a:rPr lang="ru-RU" dirty="0"/>
-              <a:t>Spring Security</a:t>
-            </a:r>
-            <a:r>
-              <a:rPr lang="en-US" dirty="0"/>
-              <a:t> </a:t>
-            </a:r>
-            <a:r>
-              <a:rPr lang="ru-RU" dirty="0"/>
-              <a:t>–  аутентификация и авторизация, а также другие возможности обеспечения безопасности</a:t>
-            </a:r>
-            <a:endParaRPr lang="en-US" dirty="0"/>
-          </a:p>
-          <a:p>
-            <a:r>
-              <a:rPr lang="ru-RU" dirty="0"/>
-              <a:t>Spring Web Services</a:t>
-            </a:r>
-            <a:r>
-              <a:rPr lang="en-US" dirty="0"/>
-              <a:t> </a:t>
-            </a:r>
-            <a:r>
-              <a:rPr lang="ru-RU" dirty="0"/>
-              <a:t>– создание управляемых документами веб-сервисов</a:t>
-            </a:r>
-            <a:endParaRPr lang="en-US" dirty="0"/>
-          </a:p>
-          <a:p>
-            <a:r>
-              <a:rPr lang="en-US" dirty="0"/>
-              <a:t>Spring MVC</a:t>
-            </a:r>
-            <a:r>
-              <a:rPr lang="ru-RU" dirty="0"/>
-              <a:t> – создание </a:t>
-            </a:r>
-            <a:r>
-              <a:rPr lang="ru-RU" dirty="0" err="1"/>
-              <a:t>web</a:t>
-            </a:r>
-            <a:r>
-              <a:rPr lang="ru-RU" dirty="0"/>
-              <a:t>, включая </a:t>
-            </a:r>
-            <a:r>
-              <a:rPr lang="ru-RU" dirty="0" err="1"/>
-              <a:t>RESTful</a:t>
-            </a:r>
-            <a:endParaRPr lang="en-US" dirty="0"/>
-          </a:p>
-          <a:p>
-            <a:r>
-              <a:rPr lang="en-US" dirty="0"/>
-              <a:t>Spring Integration</a:t>
-            </a:r>
-            <a:r>
-              <a:rPr lang="ru-RU" dirty="0"/>
-              <a:t> –</a:t>
-            </a:r>
-            <a:r>
-              <a:rPr lang="en-US" dirty="0"/>
-              <a:t> </a:t>
-            </a:r>
-            <a:r>
-              <a:rPr lang="ru-RU" dirty="0"/>
-              <a:t>обмен сообщениями между </a:t>
-            </a:r>
-            <a:r>
-              <a:rPr lang="en-US" dirty="0"/>
-              <a:t>Spring-</a:t>
-            </a:r>
-            <a:r>
-              <a:rPr lang="ru-RU" dirty="0"/>
-              <a:t>приложениями</a:t>
-            </a:r>
-          </a:p>
-          <a:p>
-            <a:r>
-              <a:rPr lang="en-US" dirty="0"/>
-              <a:t>Lombok </a:t>
-            </a:r>
-            <a:r>
-              <a:rPr lang="ru-RU" dirty="0"/>
-              <a:t>– плагин для генерации стандартного кода</a:t>
-            </a:r>
-          </a:p>
-          <a:p>
-            <a:r>
-              <a:rPr lang="en-US" dirty="0" err="1"/>
-              <a:t>Thymeleaf</a:t>
-            </a:r>
-            <a:r>
-              <a:rPr lang="en-US" dirty="0"/>
-              <a:t> </a:t>
-            </a:r>
-            <a:r>
-              <a:rPr lang="ru-RU" dirty="0"/>
-              <a:t>– </a:t>
-            </a:r>
-            <a:r>
-              <a:rPr lang="ru-RU" dirty="0" err="1"/>
-              <a:t>шаблонизатор</a:t>
-            </a:r>
-            <a:r>
-              <a:rPr lang="ru-RU" dirty="0"/>
-              <a:t> </a:t>
-            </a:r>
-            <a:r>
-              <a:rPr lang="en-US" dirty="0"/>
-              <a:t>html </a:t>
-            </a:r>
-            <a:r>
-              <a:rPr lang="ru-RU" dirty="0"/>
-              <a:t>страниц</a:t>
-            </a:r>
-          </a:p>
-          <a:p>
-            <a:r>
-              <a:rPr lang="ru-RU" dirty="0" err="1"/>
-              <a:t>Tomcat</a:t>
-            </a:r>
-            <a:r>
-              <a:rPr lang="ru-RU" dirty="0"/>
-              <a:t> – веб-сервер</a:t>
-            </a:r>
-          </a:p>
-          <a:p>
-            <a:r>
-              <a:rPr lang="en-US" dirty="0"/>
-              <a:t>Flyway</a:t>
-            </a:r>
-            <a:r>
-              <a:rPr lang="ru-RU" dirty="0"/>
-              <a:t> </a:t>
-            </a:r>
-            <a:r>
-              <a:rPr lang="en-US" dirty="0"/>
-              <a:t>– </a:t>
-            </a:r>
-            <a:r>
-              <a:rPr lang="ru-RU" dirty="0"/>
-              <a:t>контроль версий БД</a:t>
-            </a:r>
-          </a:p>
-          <a:p>
-            <a:r>
-              <a:rPr lang="en-US" dirty="0" err="1"/>
-              <a:t>Mapstruct</a:t>
-            </a:r>
-            <a:r>
-              <a:rPr lang="ru-RU" dirty="0"/>
-              <a:t> </a:t>
-            </a:r>
-            <a:r>
-              <a:rPr lang="en-US" dirty="0"/>
-              <a:t>– </a:t>
-            </a:r>
-            <a:r>
-              <a:rPr lang="ru-RU" dirty="0"/>
-              <a:t>обширный картограф для </a:t>
-            </a:r>
-            <a:r>
-              <a:rPr lang="en-US" dirty="0"/>
-              <a:t>Java-</a:t>
-            </a:r>
-            <a:r>
-              <a:rPr lang="ru-RU" dirty="0"/>
-              <a:t>компонентов для сопоставления объектов</a:t>
-            </a:r>
-          </a:p>
-          <a:p>
-            <a:r>
-              <a:rPr lang="en-US" dirty="0" err="1"/>
-              <a:t>Webjars</a:t>
-            </a:r>
-            <a:r>
-              <a:rPr lang="ru-RU" dirty="0"/>
-              <a:t> </a:t>
-            </a:r>
-            <a:r>
-              <a:rPr lang="en-US" dirty="0"/>
-              <a:t>–</a:t>
-            </a:r>
-            <a:r>
-              <a:rPr lang="ru-RU" dirty="0"/>
-              <a:t> добавления </a:t>
-            </a:r>
-            <a:r>
-              <a:rPr lang="en-US" dirty="0" err="1"/>
-              <a:t>javascript</a:t>
-            </a:r>
-            <a:r>
-              <a:rPr lang="en-US" dirty="0"/>
-              <a:t> </a:t>
-            </a:r>
-            <a:r>
-              <a:rPr lang="ru-RU" dirty="0"/>
-              <a:t>библиотек</a:t>
-            </a:r>
-          </a:p>
-          <a:p>
-            <a:endParaRPr lang="ru-RU" dirty="0"/>
-          </a:p>
-          <a:p>
-            <a:endParaRPr lang="ru-RU" dirty="0"/>
-          </a:p>
-        </p:txBody>
-      </p:sp>
-    </p:spTree>
-    <p:extLst>
-      <p:ext uri="{BB962C8B-B14F-4D97-AF65-F5344CB8AC3E}">
-        <p14:creationId xmlns:p14="http://schemas.microsoft.com/office/powerpoint/2010/main" val="3595668760"/>
-      </p:ext>
-    </p:extLst>
-  </p:cSld>
-  <p:clrMapOvr>
-    <a:masterClrMapping/>
-  </p:clrMapOvr>
-</p:sld>
-</file>
-
-<file path=ppt/slides/slide12.xml><?xml version="1.0" encoding="utf-8"?>
-<p:sld xmlns:a="http://schemas.openxmlformats.org/drawingml/2006/main" xmlns:r="http://schemas.openxmlformats.org/officeDocument/2006/relationships" xmlns:p="http://schemas.openxmlformats.org/presentationml/2006/main">
-  <p:cSld>
-    <p:spTree>
-      <p:nvGrpSpPr>
-        <p:cNvPr id="1" name=""/>
-        <p:cNvGrpSpPr/>
-        <p:nvPr/>
-      </p:nvGrpSpPr>
-      <p:grpSpPr>
-        <a:xfrm>
-          <a:off x="0" y="0"/>
-          <a:ext cx="0" cy="0"/>
-          <a:chOff x="0" y="0"/>
-          <a:chExt cx="0" cy="0"/>
-        </a:xfrm>
-      </p:grpSpPr>
-      <p:sp>
-        <p:nvSpPr>
-          <p:cNvPr id="2" name="Заголовок 1">
-            <a:extLst>
-              <a:ext uri="{FF2B5EF4-FFF2-40B4-BE49-F238E27FC236}">
-                <a16:creationId xmlns:a16="http://schemas.microsoft.com/office/drawing/2014/main" id="{769227ED-644A-4823-964A-94989ECC9DBF}"/>
-              </a:ext>
-            </a:extLst>
-          </p:cNvPr>
-          <p:cNvSpPr>
-            <a:spLocks noGrp="1"/>
-          </p:cNvSpPr>
-          <p:nvPr>
-            <p:ph type="title"/>
-          </p:nvPr>
-        </p:nvSpPr>
-        <p:spPr>
-          <a:xfrm>
-            <a:off x="639418" y="105258"/>
-            <a:ext cx="10515600" cy="106777"/>
-          </a:xfrm>
-        </p:spPr>
-        <p:txBody>
-          <a:bodyPr>
-            <a:normAutofit fontScale="90000"/>
-          </a:bodyPr>
-          <a:lstStyle/>
-          <a:p>
-            <a:r>
-              <a:rPr lang="ru-RU" dirty="0"/>
-              <a:t>Стек технологий</a:t>
-            </a:r>
-          </a:p>
-        </p:txBody>
-      </p:sp>
-      <p:sp>
-        <p:nvSpPr>
-          <p:cNvPr id="3" name="Объект 2">
-            <a:extLst>
-              <a:ext uri="{FF2B5EF4-FFF2-40B4-BE49-F238E27FC236}">
-                <a16:creationId xmlns:a16="http://schemas.microsoft.com/office/drawing/2014/main" id="{8A4FD324-9845-422A-96C8-115C622E7642}"/>
-              </a:ext>
-            </a:extLst>
-          </p:cNvPr>
-          <p:cNvSpPr>
-            <a:spLocks noGrp="1"/>
-          </p:cNvSpPr>
-          <p:nvPr>
-            <p:ph idx="1"/>
-          </p:nvPr>
-        </p:nvSpPr>
-        <p:spPr>
-          <a:xfrm>
-            <a:off x="304800" y="569844"/>
-            <a:ext cx="11049000" cy="6288156"/>
-          </a:xfrm>
-        </p:spPr>
-        <p:txBody>
-          <a:bodyPr>
-            <a:normAutofit fontScale="25000" lnSpcReduction="20000"/>
-          </a:bodyPr>
-          <a:lstStyle/>
-          <a:p>
-            <a:r>
-              <a:rPr lang="en-US" dirty="0"/>
-              <a:t>Backend Java 8</a:t>
-            </a:r>
-          </a:p>
-          <a:p>
-            <a:r>
-              <a:rPr lang="en-US" dirty="0"/>
-              <a:t>Frontend JavaScript </a:t>
-            </a:r>
-            <a:r>
-              <a:rPr lang="ru-RU" dirty="0"/>
-              <a:t>и </a:t>
-            </a:r>
-            <a:r>
-              <a:rPr lang="en-US" dirty="0"/>
-              <a:t>HTML</a:t>
-            </a:r>
-          </a:p>
-          <a:p>
-            <a:r>
-              <a:rPr lang="ru-RU" dirty="0"/>
-              <a:t>База данных </a:t>
-            </a:r>
-            <a:r>
-              <a:rPr lang="en-US" dirty="0"/>
-              <a:t>PostgreSQL</a:t>
-            </a:r>
-          </a:p>
-          <a:p>
-            <a:r>
-              <a:rPr lang="ru-RU" dirty="0">
-                <a:solidFill>
-                  <a:srgbClr val="202124"/>
-                </a:solidFill>
-                <a:latin typeface="Google Sans"/>
-              </a:rPr>
-              <a:t>Среда разработки </a:t>
-            </a:r>
-            <a:r>
-              <a:rPr lang="en-US" b="0" i="0" dirty="0">
-                <a:solidFill>
-                  <a:srgbClr val="202124"/>
-                </a:solidFill>
-                <a:effectLst/>
-                <a:latin typeface="Google Sans"/>
-              </a:rPr>
-              <a:t>IntelliJ IDEA</a:t>
-            </a:r>
-            <a:endParaRPr lang="ru-RU" b="0" i="0" dirty="0">
-              <a:solidFill>
-                <a:srgbClr val="202124"/>
-              </a:solidFill>
-              <a:effectLst/>
-              <a:latin typeface="Google Sans"/>
-            </a:endParaRPr>
-          </a:p>
-          <a:p>
-            <a:r>
-              <a:rPr lang="en-US" dirty="0">
-                <a:solidFill>
-                  <a:srgbClr val="202124"/>
-                </a:solidFill>
-                <a:latin typeface="Google Sans"/>
-              </a:rPr>
-              <a:t>Lombok</a:t>
-            </a:r>
-            <a:endParaRPr lang="ru-RU" dirty="0">
-              <a:solidFill>
-                <a:srgbClr val="202124"/>
-              </a:solidFill>
-              <a:latin typeface="Google Sans"/>
-            </a:endParaRPr>
-          </a:p>
-          <a:p>
-            <a:r>
-              <a:rPr lang="ru-RU" dirty="0" err="1">
-                <a:solidFill>
-                  <a:srgbClr val="202124"/>
-                </a:solidFill>
-                <a:latin typeface="Google Sans"/>
-              </a:rPr>
-              <a:t>Шаблонизатор</a:t>
-            </a:r>
-            <a:r>
-              <a:rPr lang="ru-RU" dirty="0">
-                <a:solidFill>
-                  <a:srgbClr val="202124"/>
-                </a:solidFill>
-                <a:latin typeface="Google Sans"/>
-              </a:rPr>
-              <a:t> </a:t>
-            </a:r>
-            <a:r>
-              <a:rPr lang="en-US" dirty="0" err="1">
-                <a:solidFill>
-                  <a:srgbClr val="202124"/>
-                </a:solidFill>
-                <a:latin typeface="Google Sans"/>
-              </a:rPr>
-              <a:t>Thymeleaf</a:t>
-            </a:r>
-            <a:endParaRPr lang="en-US" dirty="0">
-              <a:solidFill>
-                <a:srgbClr val="202124"/>
-              </a:solidFill>
-              <a:latin typeface="Google Sans"/>
-            </a:endParaRPr>
-          </a:p>
-          <a:p>
-            <a:endParaRPr lang="ru-RU" dirty="0">
-              <a:solidFill>
-                <a:srgbClr val="202124"/>
-              </a:solidFill>
-              <a:latin typeface="Google Sans"/>
-            </a:endParaRPr>
-          </a:p>
-          <a:p>
-            <a:r>
-              <a:rPr lang="en-US" dirty="0" err="1">
-                <a:solidFill>
-                  <a:srgbClr val="202124"/>
-                </a:solidFill>
-                <a:latin typeface="Google Sans"/>
-              </a:rPr>
-              <a:t>org.springframework.integration</a:t>
-            </a:r>
-            <a:r>
-              <a:rPr lang="ru-RU" dirty="0">
-                <a:solidFill>
-                  <a:srgbClr val="202124"/>
-                </a:solidFill>
-                <a:latin typeface="Google Sans"/>
-              </a:rPr>
-              <a:t> обмен сообщениями между </a:t>
-            </a:r>
-            <a:r>
-              <a:rPr lang="en-US" dirty="0">
-                <a:solidFill>
-                  <a:srgbClr val="202124"/>
-                </a:solidFill>
-                <a:latin typeface="Google Sans"/>
-              </a:rPr>
-              <a:t>Spring-</a:t>
-            </a:r>
-            <a:r>
-              <a:rPr lang="ru-RU" dirty="0">
-                <a:solidFill>
-                  <a:srgbClr val="202124"/>
-                </a:solidFill>
-                <a:latin typeface="Google Sans"/>
-              </a:rPr>
-              <a:t>приложениями</a:t>
-            </a:r>
-          </a:p>
-          <a:p>
-            <a:r>
-              <a:rPr lang="en-US" dirty="0" err="1">
-                <a:solidFill>
-                  <a:srgbClr val="202124"/>
-                </a:solidFill>
-                <a:latin typeface="Google Sans"/>
-              </a:rPr>
-              <a:t>org.springframework.boot</a:t>
-            </a:r>
-            <a:r>
-              <a:rPr lang="ru-RU" dirty="0">
-                <a:solidFill>
-                  <a:srgbClr val="202124"/>
-                </a:solidFill>
-                <a:latin typeface="Google Sans"/>
-              </a:rPr>
-              <a:t> – стандартные рутинные действия по созданию и ускорению работы </a:t>
-            </a:r>
-            <a:r>
-              <a:rPr lang="en-US" dirty="0">
-                <a:solidFill>
-                  <a:srgbClr val="202124"/>
-                </a:solidFill>
-                <a:latin typeface="Google Sans"/>
-              </a:rPr>
-              <a:t>Spring-</a:t>
-            </a:r>
-            <a:r>
-              <a:rPr lang="ru-RU" dirty="0">
-                <a:solidFill>
-                  <a:srgbClr val="202124"/>
-                </a:solidFill>
-                <a:latin typeface="Google Sans"/>
-              </a:rPr>
-              <a:t>приложений</a:t>
-            </a:r>
-          </a:p>
-          <a:p>
-            <a:pPr marL="0" indent="0">
-              <a:buNone/>
-            </a:pPr>
-            <a:r>
-              <a:rPr lang="en-US" dirty="0">
-                <a:solidFill>
-                  <a:srgbClr val="202124"/>
-                </a:solidFill>
-                <a:latin typeface="Google Sans"/>
-              </a:rPr>
-              <a:t>spring-boot-maven-plugin</a:t>
-            </a:r>
-            <a:r>
-              <a:rPr lang="ru-RU" dirty="0">
-                <a:solidFill>
-                  <a:srgbClr val="202124"/>
-                </a:solidFill>
-                <a:latin typeface="Google Sans"/>
-              </a:rPr>
-              <a:t> </a:t>
-            </a:r>
-            <a:r>
-              <a:rPr lang="ru-RU" b="0" i="0" dirty="0">
-                <a:solidFill>
-                  <a:srgbClr val="333333"/>
-                </a:solidFill>
-                <a:effectLst/>
-                <a:latin typeface="Helvetica" panose="020B0604020202020204" pitchFamily="34" charset="0"/>
-              </a:rPr>
-              <a:t>обеспечивает поддержку Spring </a:t>
-            </a:r>
-            <a:r>
-              <a:rPr lang="en-US" b="0" i="0" dirty="0">
-                <a:solidFill>
-                  <a:srgbClr val="333333"/>
-                </a:solidFill>
-                <a:effectLst/>
-                <a:latin typeface="Helvetica" panose="020B0604020202020204" pitchFamily="34" charset="0"/>
-              </a:rPr>
-              <a:t>Boot</a:t>
-            </a:r>
-            <a:r>
-              <a:rPr lang="ru-RU" b="0" i="0" dirty="0">
-                <a:solidFill>
-                  <a:srgbClr val="333333"/>
-                </a:solidFill>
-                <a:effectLst/>
-                <a:latin typeface="Helvetica" panose="020B0604020202020204" pitchFamily="34" charset="0"/>
-              </a:rPr>
-              <a:t> в </a:t>
-            </a:r>
-            <a:r>
-              <a:rPr lang="ru-RU" b="0" i="0" dirty="0" err="1">
-                <a:solidFill>
-                  <a:srgbClr val="333333"/>
-                </a:solidFill>
-                <a:effectLst/>
-                <a:latin typeface="Helvetica" panose="020B0604020202020204" pitchFamily="34" charset="0"/>
-              </a:rPr>
-              <a:t>Maven</a:t>
-            </a:r>
-            <a:endParaRPr lang="ru-RU" dirty="0">
-              <a:solidFill>
-                <a:srgbClr val="202124"/>
-              </a:solidFill>
-              <a:latin typeface="Google Sans"/>
-            </a:endParaRPr>
-          </a:p>
-          <a:p>
-            <a:pPr marL="0" indent="0">
-              <a:buNone/>
-            </a:pPr>
-            <a:r>
-              <a:rPr lang="en-US" dirty="0">
-                <a:solidFill>
-                  <a:srgbClr val="202124"/>
-                </a:solidFill>
-                <a:latin typeface="Google Sans"/>
-              </a:rPr>
-              <a:t>spring-boot-starter-data-</a:t>
-            </a:r>
-            <a:r>
-              <a:rPr lang="en-US" dirty="0" err="1">
-                <a:solidFill>
-                  <a:srgbClr val="202124"/>
-                </a:solidFill>
-                <a:latin typeface="Google Sans"/>
-              </a:rPr>
-              <a:t>jpa</a:t>
-            </a:r>
-            <a:r>
-              <a:rPr lang="ru-RU" dirty="0">
-                <a:solidFill>
-                  <a:srgbClr val="202124"/>
-                </a:solidFill>
-                <a:latin typeface="Google Sans"/>
-              </a:rPr>
-              <a:t> </a:t>
-            </a:r>
-            <a:r>
-              <a:rPr lang="en-US" b="0" i="0" dirty="0">
-                <a:solidFill>
-                  <a:srgbClr val="606060"/>
-                </a:solidFill>
-                <a:effectLst/>
-                <a:latin typeface="Verdana" panose="020B0604030504040204" pitchFamily="34" charset="0"/>
-              </a:rPr>
-              <a:t>Starter </a:t>
-            </a:r>
-            <a:r>
-              <a:rPr lang="ru-RU" b="0" i="0" dirty="0">
-                <a:solidFill>
-                  <a:srgbClr val="606060"/>
-                </a:solidFill>
-                <a:effectLst/>
-                <a:latin typeface="Verdana" panose="020B0604030504040204" pitchFamily="34" charset="0"/>
-              </a:rPr>
-              <a:t>для использования </a:t>
-            </a:r>
-            <a:r>
-              <a:rPr lang="en-US" b="0" i="0" dirty="0">
-                <a:solidFill>
-                  <a:srgbClr val="606060"/>
-                </a:solidFill>
-                <a:effectLst/>
-                <a:latin typeface="Verdana" panose="020B0604030504040204" pitchFamily="34" charset="0"/>
-              </a:rPr>
-              <a:t>Spring Data JPA </a:t>
-            </a:r>
-            <a:r>
-              <a:rPr lang="ru-RU" b="0" i="0" dirty="0">
-                <a:solidFill>
-                  <a:srgbClr val="606060"/>
-                </a:solidFill>
-                <a:effectLst/>
-                <a:latin typeface="Verdana" panose="020B0604030504040204" pitchFamily="34" charset="0"/>
-              </a:rPr>
-              <a:t>с </a:t>
-            </a:r>
-            <a:r>
-              <a:rPr lang="en-US" b="0" i="0" dirty="0">
-                <a:solidFill>
-                  <a:srgbClr val="606060"/>
-                </a:solidFill>
-                <a:effectLst/>
-                <a:latin typeface="Verdana" panose="020B0604030504040204" pitchFamily="34" charset="0"/>
-              </a:rPr>
-              <a:t>Hibernate</a:t>
-            </a:r>
-            <a:endParaRPr lang="ru-RU" dirty="0">
-              <a:solidFill>
-                <a:srgbClr val="202124"/>
-              </a:solidFill>
-              <a:latin typeface="Google Sans"/>
-            </a:endParaRPr>
-          </a:p>
-          <a:p>
-            <a:pPr marL="0" indent="0">
-              <a:buNone/>
-            </a:pPr>
-            <a:r>
-              <a:rPr lang="en-US" dirty="0">
-                <a:solidFill>
-                  <a:srgbClr val="202124"/>
-                </a:solidFill>
-                <a:latin typeface="Google Sans"/>
-              </a:rPr>
-              <a:t>spring-boot-starter-security</a:t>
-            </a:r>
-            <a:r>
-              <a:rPr lang="ru-RU" dirty="0">
-                <a:solidFill>
-                  <a:srgbClr val="202124"/>
-                </a:solidFill>
-                <a:latin typeface="Google Sans"/>
-              </a:rPr>
-              <a:t> </a:t>
-            </a:r>
-            <a:r>
-              <a:rPr lang="ru-RU" b="0" i="0" dirty="0" err="1">
-                <a:solidFill>
-                  <a:srgbClr val="606060"/>
-                </a:solidFill>
-                <a:effectLst/>
-                <a:latin typeface="Verdana" panose="020B0604030504040204" pitchFamily="34" charset="0"/>
-              </a:rPr>
-              <a:t>Starter</a:t>
-            </a:r>
-            <a:r>
-              <a:rPr lang="ru-RU" b="0" i="0" dirty="0">
-                <a:solidFill>
-                  <a:srgbClr val="606060"/>
-                </a:solidFill>
-                <a:effectLst/>
-                <a:latin typeface="Verdana" panose="020B0604030504040204" pitchFamily="34" charset="0"/>
-              </a:rPr>
-              <a:t> для использования Spring Security</a:t>
-            </a:r>
-            <a:endParaRPr lang="ru-RU" dirty="0">
-              <a:solidFill>
-                <a:srgbClr val="202124"/>
-              </a:solidFill>
-              <a:latin typeface="Google Sans"/>
-            </a:endParaRPr>
-          </a:p>
-          <a:p>
-            <a:pPr marL="0" indent="0">
-              <a:buNone/>
-            </a:pPr>
-            <a:r>
-              <a:rPr lang="en-US" dirty="0">
-                <a:solidFill>
-                  <a:srgbClr val="202124"/>
-                </a:solidFill>
-                <a:latin typeface="Google Sans"/>
-              </a:rPr>
-              <a:t>spring-boot-starter-</a:t>
-            </a:r>
-            <a:r>
-              <a:rPr lang="en-US" dirty="0" err="1">
-                <a:solidFill>
-                  <a:srgbClr val="202124"/>
-                </a:solidFill>
-                <a:latin typeface="Google Sans"/>
-              </a:rPr>
-              <a:t>thymeleaf</a:t>
-            </a:r>
-            <a:r>
-              <a:rPr lang="ru-RU" dirty="0">
-                <a:solidFill>
-                  <a:srgbClr val="202124"/>
-                </a:solidFill>
-                <a:latin typeface="Google Sans"/>
-              </a:rPr>
-              <a:t> </a:t>
-            </a:r>
-            <a:r>
-              <a:rPr lang="ru-RU" b="0" i="0" dirty="0" err="1">
-                <a:solidFill>
-                  <a:srgbClr val="606060"/>
-                </a:solidFill>
-                <a:effectLst/>
-                <a:latin typeface="Verdana" panose="020B0604030504040204" pitchFamily="34" charset="0"/>
-              </a:rPr>
-              <a:t>Starter</a:t>
-            </a:r>
-            <a:r>
-              <a:rPr lang="ru-RU" b="0" i="0" dirty="0">
-                <a:solidFill>
-                  <a:srgbClr val="606060"/>
-                </a:solidFill>
-                <a:effectLst/>
-                <a:latin typeface="Verdana" panose="020B0604030504040204" pitchFamily="34" charset="0"/>
-              </a:rPr>
-              <a:t> для создания MVC </a:t>
-            </a:r>
-            <a:r>
-              <a:rPr lang="ru-RU" b="0" i="0" dirty="0" err="1">
-                <a:solidFill>
-                  <a:srgbClr val="606060"/>
-                </a:solidFill>
-                <a:effectLst/>
-                <a:latin typeface="Verdana" panose="020B0604030504040204" pitchFamily="34" charset="0"/>
-              </a:rPr>
-              <a:t>web</a:t>
-            </a:r>
-            <a:r>
-              <a:rPr lang="ru-RU" b="0" i="0" dirty="0">
-                <a:solidFill>
-                  <a:srgbClr val="606060"/>
-                </a:solidFill>
-                <a:effectLst/>
-                <a:latin typeface="Verdana" panose="020B0604030504040204" pitchFamily="34" charset="0"/>
-              </a:rPr>
-              <a:t> приложений, используя </a:t>
-            </a:r>
-            <a:r>
-              <a:rPr lang="ru-RU" b="0" i="0" dirty="0" err="1">
-                <a:solidFill>
-                  <a:srgbClr val="606060"/>
-                </a:solidFill>
-                <a:effectLst/>
-                <a:latin typeface="Verdana" panose="020B0604030504040204" pitchFamily="34" charset="0"/>
-              </a:rPr>
-              <a:t>Thymeleaf</a:t>
-            </a:r>
-            <a:r>
-              <a:rPr lang="ru-RU" b="0" i="0" dirty="0">
-                <a:solidFill>
-                  <a:srgbClr val="606060"/>
-                </a:solidFill>
-                <a:effectLst/>
-                <a:latin typeface="Verdana" panose="020B0604030504040204" pitchFamily="34" charset="0"/>
-              </a:rPr>
-              <a:t> </a:t>
-            </a:r>
-            <a:r>
-              <a:rPr lang="ru-RU" b="0" i="0" dirty="0" err="1">
-                <a:solidFill>
-                  <a:srgbClr val="606060"/>
-                </a:solidFill>
-                <a:effectLst/>
-                <a:latin typeface="Verdana" panose="020B0604030504040204" pitchFamily="34" charset="0"/>
-              </a:rPr>
-              <a:t>views</a:t>
-            </a:r>
-            <a:endParaRPr lang="ru-RU" dirty="0">
-              <a:solidFill>
-                <a:srgbClr val="202124"/>
-              </a:solidFill>
-              <a:latin typeface="Google Sans"/>
-            </a:endParaRPr>
-          </a:p>
-          <a:p>
-            <a:pPr marL="0" indent="0">
-              <a:buNone/>
-            </a:pPr>
-            <a:r>
-              <a:rPr lang="en-US" dirty="0">
-                <a:solidFill>
-                  <a:srgbClr val="202124"/>
-                </a:solidFill>
-                <a:latin typeface="Google Sans"/>
-              </a:rPr>
-              <a:t>spring-boot-starter-web-services</a:t>
-            </a:r>
-            <a:r>
-              <a:rPr lang="ru-RU" dirty="0">
-                <a:solidFill>
-                  <a:srgbClr val="202124"/>
-                </a:solidFill>
-                <a:latin typeface="Google Sans"/>
-              </a:rPr>
-              <a:t> </a:t>
-            </a:r>
-            <a:r>
-              <a:rPr lang="ru-RU" b="0" i="0" dirty="0" err="1">
-                <a:solidFill>
-                  <a:srgbClr val="606060"/>
-                </a:solidFill>
-                <a:effectLst/>
-                <a:latin typeface="Verdana" panose="020B0604030504040204" pitchFamily="34" charset="0"/>
-              </a:rPr>
-              <a:t>Starter</a:t>
-            </a:r>
-            <a:r>
-              <a:rPr lang="ru-RU" b="0" i="0" dirty="0">
-                <a:solidFill>
-                  <a:srgbClr val="606060"/>
-                </a:solidFill>
-                <a:effectLst/>
-                <a:latin typeface="Verdana" panose="020B0604030504040204" pitchFamily="34" charset="0"/>
-              </a:rPr>
-              <a:t> для использования Spring Web Services</a:t>
-            </a:r>
-            <a:endParaRPr lang="ru-RU" dirty="0">
-              <a:solidFill>
-                <a:srgbClr val="202124"/>
-              </a:solidFill>
-              <a:latin typeface="Google Sans"/>
-            </a:endParaRPr>
-          </a:p>
-          <a:p>
-            <a:pPr marL="0" indent="0">
-              <a:buNone/>
-            </a:pPr>
-            <a:r>
-              <a:rPr lang="en-US" dirty="0">
-                <a:solidFill>
-                  <a:srgbClr val="202124"/>
-                </a:solidFill>
-                <a:latin typeface="Google Sans"/>
-              </a:rPr>
-              <a:t>spring-boot-starter-web</a:t>
-            </a:r>
-            <a:r>
-              <a:rPr lang="ru-RU" dirty="0">
-                <a:solidFill>
-                  <a:srgbClr val="202124"/>
-                </a:solidFill>
-                <a:latin typeface="Google Sans"/>
-              </a:rPr>
-              <a:t> </a:t>
-            </a:r>
-            <a:r>
-              <a:rPr lang="ru-RU" b="0" i="0" dirty="0" err="1">
-                <a:solidFill>
-                  <a:srgbClr val="606060"/>
-                </a:solidFill>
-                <a:effectLst/>
-                <a:latin typeface="Verdana" panose="020B0604030504040204" pitchFamily="34" charset="0"/>
-              </a:rPr>
-              <a:t>Starter</a:t>
-            </a:r>
-            <a:r>
-              <a:rPr lang="ru-RU" b="0" i="0" dirty="0">
-                <a:solidFill>
-                  <a:srgbClr val="606060"/>
-                </a:solidFill>
-                <a:effectLst/>
-                <a:latin typeface="Verdana" panose="020B0604030504040204" pitchFamily="34" charset="0"/>
-              </a:rPr>
-              <a:t> для создания </a:t>
-            </a:r>
-            <a:r>
-              <a:rPr lang="ru-RU" b="0" i="0" dirty="0" err="1">
-                <a:solidFill>
-                  <a:srgbClr val="606060"/>
-                </a:solidFill>
-                <a:effectLst/>
-                <a:latin typeface="Verdana" panose="020B0604030504040204" pitchFamily="34" charset="0"/>
-              </a:rPr>
-              <a:t>web</a:t>
-            </a:r>
-            <a:r>
-              <a:rPr lang="ru-RU" b="0" i="0" dirty="0">
-                <a:solidFill>
-                  <a:srgbClr val="606060"/>
-                </a:solidFill>
-                <a:effectLst/>
-                <a:latin typeface="Verdana" panose="020B0604030504040204" pitchFamily="34" charset="0"/>
-              </a:rPr>
-              <a:t>, включая </a:t>
-            </a:r>
-            <a:r>
-              <a:rPr lang="ru-RU" b="0" i="0" dirty="0" err="1">
-                <a:solidFill>
-                  <a:srgbClr val="606060"/>
-                </a:solidFill>
-                <a:effectLst/>
-                <a:latin typeface="Verdana" panose="020B0604030504040204" pitchFamily="34" charset="0"/>
-              </a:rPr>
-              <a:t>RESTful</a:t>
-            </a:r>
-            <a:r>
-              <a:rPr lang="ru-RU" b="0" i="0" dirty="0">
-                <a:solidFill>
-                  <a:srgbClr val="606060"/>
-                </a:solidFill>
-                <a:effectLst/>
-                <a:latin typeface="Verdana" panose="020B0604030504040204" pitchFamily="34" charset="0"/>
-              </a:rPr>
-              <a:t>, приложений, используя Spring MVC. Использует </a:t>
-            </a:r>
-            <a:r>
-              <a:rPr lang="ru-RU" b="0" i="0" dirty="0" err="1">
-                <a:solidFill>
-                  <a:srgbClr val="606060"/>
-                </a:solidFill>
-                <a:effectLst/>
-                <a:latin typeface="Verdana" panose="020B0604030504040204" pitchFamily="34" charset="0"/>
-              </a:rPr>
-              <a:t>Tomcat</a:t>
-            </a:r>
-            <a:r>
-              <a:rPr lang="ru-RU" b="0" i="0" dirty="0">
-                <a:solidFill>
-                  <a:srgbClr val="606060"/>
-                </a:solidFill>
-                <a:effectLst/>
-                <a:latin typeface="Verdana" panose="020B0604030504040204" pitchFamily="34" charset="0"/>
-              </a:rPr>
-              <a:t> как встроенный контейнер по умолчанию</a:t>
-            </a:r>
-            <a:endParaRPr lang="ru-RU" dirty="0">
-              <a:solidFill>
-                <a:srgbClr val="202124"/>
-              </a:solidFill>
-              <a:latin typeface="Google Sans"/>
-            </a:endParaRPr>
-          </a:p>
-          <a:p>
-            <a:pPr marL="0" indent="0">
-              <a:buNone/>
-            </a:pPr>
-            <a:r>
-              <a:rPr lang="en-US" dirty="0">
-                <a:solidFill>
-                  <a:srgbClr val="202124"/>
-                </a:solidFill>
-                <a:latin typeface="Google Sans"/>
-              </a:rPr>
-              <a:t>spring-boot-</a:t>
-            </a:r>
-            <a:r>
-              <a:rPr lang="en-US" dirty="0" err="1">
-                <a:solidFill>
-                  <a:srgbClr val="202124"/>
-                </a:solidFill>
-                <a:latin typeface="Google Sans"/>
-              </a:rPr>
-              <a:t>devtools</a:t>
-            </a:r>
-            <a:r>
-              <a:rPr lang="ru-RU" dirty="0">
-                <a:solidFill>
-                  <a:srgbClr val="202124"/>
-                </a:solidFill>
-                <a:latin typeface="Google Sans"/>
-              </a:rPr>
-              <a:t> </a:t>
-            </a:r>
-            <a:r>
-              <a:rPr lang="ru-RU" b="0" i="0" dirty="0" err="1">
-                <a:solidFill>
-                  <a:srgbClr val="606060"/>
-                </a:solidFill>
-                <a:effectLst/>
-                <a:latin typeface="Verdana" panose="020B0604030504040204" pitchFamily="34" charset="0"/>
-              </a:rPr>
-              <a:t>Starter</a:t>
-            </a:r>
-            <a:r>
-              <a:rPr lang="ru-RU" b="0" i="0" dirty="0">
-                <a:solidFill>
-                  <a:srgbClr val="606060"/>
-                </a:solidFill>
-                <a:effectLst/>
-                <a:latin typeface="Verdana" panose="020B0604030504040204" pitchFamily="34" charset="0"/>
-              </a:rPr>
-              <a:t> </a:t>
-            </a:r>
-            <a:r>
-              <a:rPr lang="ru-RU" b="0" i="0" dirty="0">
-                <a:solidFill>
-                  <a:srgbClr val="333333"/>
-                </a:solidFill>
-                <a:effectLst/>
-                <a:latin typeface="YS Text"/>
-              </a:rPr>
-              <a:t>для быстрого перезапуска приложения в горячей JVM при обнаружении изменений в скомпилированном коде или шаблонах; более того освобождает от очистки </a:t>
-            </a:r>
-            <a:r>
-              <a:rPr lang="ru-RU" b="0" i="0" dirty="0" err="1">
-                <a:solidFill>
-                  <a:srgbClr val="333333"/>
-                </a:solidFill>
-                <a:effectLst/>
-                <a:latin typeface="YS Text"/>
-              </a:rPr>
-              <a:t>cache</a:t>
-            </a:r>
-            <a:r>
-              <a:rPr lang="ru-RU" b="0" i="0" dirty="0">
-                <a:solidFill>
-                  <a:srgbClr val="333333"/>
-                </a:solidFill>
-                <a:effectLst/>
-                <a:latin typeface="YS Text"/>
-              </a:rPr>
-              <a:t> у </a:t>
-            </a:r>
-            <a:r>
-              <a:rPr lang="ru-RU" b="0" i="0" dirty="0" err="1">
-                <a:solidFill>
-                  <a:srgbClr val="333333"/>
-                </a:solidFill>
-                <a:effectLst/>
-                <a:latin typeface="YS Text"/>
-              </a:rPr>
-              <a:t>Thymeleaf</a:t>
-            </a:r>
-            <a:r>
-              <a:rPr lang="ru-RU" b="0" i="0" dirty="0">
-                <a:solidFill>
-                  <a:srgbClr val="333333"/>
-                </a:solidFill>
-                <a:effectLst/>
-                <a:latin typeface="YS Text"/>
-              </a:rPr>
-              <a:t>, если выбранный движок включен в проект.</a:t>
-            </a:r>
-            <a:endParaRPr lang="ru-RU" dirty="0">
-              <a:solidFill>
-                <a:srgbClr val="202124"/>
-              </a:solidFill>
-              <a:latin typeface="Google Sans"/>
-            </a:endParaRPr>
-          </a:p>
-          <a:p>
-            <a:pPr marL="0" indent="0">
-              <a:buNone/>
-            </a:pPr>
-            <a:r>
-              <a:rPr lang="en-US" dirty="0">
-                <a:solidFill>
-                  <a:srgbClr val="202124"/>
-                </a:solidFill>
-                <a:latin typeface="Google Sans"/>
-              </a:rPr>
-              <a:t>spring-boot-starter-test</a:t>
-            </a:r>
-            <a:r>
-              <a:rPr lang="ru-RU" dirty="0">
-                <a:solidFill>
-                  <a:srgbClr val="202124"/>
-                </a:solidFill>
-                <a:latin typeface="Google Sans"/>
-              </a:rPr>
-              <a:t> </a:t>
-            </a:r>
-            <a:r>
-              <a:rPr lang="en-US" b="0" i="0" dirty="0">
-                <a:solidFill>
-                  <a:srgbClr val="606060"/>
-                </a:solidFill>
-                <a:effectLst/>
-                <a:latin typeface="Verdana" panose="020B0604030504040204" pitchFamily="34" charset="0"/>
-              </a:rPr>
-              <a:t>Starter </a:t>
-            </a:r>
-            <a:r>
-              <a:rPr lang="ru-RU" b="0" i="0" dirty="0">
-                <a:solidFill>
-                  <a:srgbClr val="606060"/>
-                </a:solidFill>
-                <a:effectLst/>
-                <a:latin typeface="Verdana" panose="020B0604030504040204" pitchFamily="34" charset="0"/>
-              </a:rPr>
-              <a:t>для тестирования </a:t>
-            </a:r>
-            <a:r>
-              <a:rPr lang="en-US" b="0" i="0" dirty="0">
-                <a:solidFill>
-                  <a:srgbClr val="606060"/>
-                </a:solidFill>
-                <a:effectLst/>
-                <a:latin typeface="Verdana" panose="020B0604030504040204" pitchFamily="34" charset="0"/>
-              </a:rPr>
-              <a:t>Spring Boot </a:t>
-            </a:r>
-            <a:r>
-              <a:rPr lang="ru-RU" b="0" i="0" dirty="0">
-                <a:solidFill>
-                  <a:srgbClr val="606060"/>
-                </a:solidFill>
-                <a:effectLst/>
-                <a:latin typeface="Verdana" panose="020B0604030504040204" pitchFamily="34" charset="0"/>
-              </a:rPr>
-              <a:t>приложений с библиотеками </a:t>
-            </a:r>
-            <a:r>
-              <a:rPr lang="en-US" b="0" i="0" dirty="0">
-                <a:solidFill>
-                  <a:srgbClr val="606060"/>
-                </a:solidFill>
-                <a:effectLst/>
-                <a:latin typeface="Verdana" panose="020B0604030504040204" pitchFamily="34" charset="0"/>
-              </a:rPr>
-              <a:t>JUnit, </a:t>
-            </a:r>
-            <a:r>
-              <a:rPr lang="en-US" b="0" i="0" dirty="0" err="1">
-                <a:solidFill>
-                  <a:srgbClr val="606060"/>
-                </a:solidFill>
-                <a:effectLst/>
-                <a:latin typeface="Verdana" panose="020B0604030504040204" pitchFamily="34" charset="0"/>
-              </a:rPr>
-              <a:t>Hamcrest</a:t>
-            </a:r>
-            <a:r>
-              <a:rPr lang="en-US" b="0" i="0" dirty="0">
-                <a:solidFill>
-                  <a:srgbClr val="606060"/>
-                </a:solidFill>
-                <a:effectLst/>
-                <a:latin typeface="Verdana" panose="020B0604030504040204" pitchFamily="34" charset="0"/>
-              </a:rPr>
-              <a:t> </a:t>
-            </a:r>
-            <a:r>
-              <a:rPr lang="ru-RU" b="0" i="0" dirty="0">
-                <a:solidFill>
-                  <a:srgbClr val="606060"/>
-                </a:solidFill>
-                <a:effectLst/>
-                <a:latin typeface="Verdana" panose="020B0604030504040204" pitchFamily="34" charset="0"/>
-              </a:rPr>
-              <a:t>и </a:t>
-            </a:r>
-            <a:r>
-              <a:rPr lang="en-US" b="0" i="0" dirty="0">
-                <a:solidFill>
-                  <a:srgbClr val="606060"/>
-                </a:solidFill>
-                <a:effectLst/>
-                <a:latin typeface="Verdana" panose="020B0604030504040204" pitchFamily="34" charset="0"/>
-              </a:rPr>
-              <a:t>Mockito</a:t>
-            </a:r>
-            <a:endParaRPr lang="ru-RU" dirty="0">
-              <a:solidFill>
-                <a:srgbClr val="202124"/>
-              </a:solidFill>
-              <a:latin typeface="Google Sans"/>
-            </a:endParaRPr>
-          </a:p>
-          <a:p>
-            <a:r>
-              <a:rPr lang="en-US" dirty="0">
-                <a:solidFill>
-                  <a:srgbClr val="202124"/>
-                </a:solidFill>
-                <a:latin typeface="Google Sans"/>
-              </a:rPr>
-              <a:t>com.h2database </a:t>
-            </a:r>
-            <a:r>
-              <a:rPr lang="ru-RU" dirty="0">
-                <a:solidFill>
-                  <a:srgbClr val="202124"/>
-                </a:solidFill>
-                <a:latin typeface="Google Sans"/>
-              </a:rPr>
-              <a:t>подключение БД </a:t>
-            </a:r>
-            <a:r>
-              <a:rPr lang="en-US" dirty="0">
-                <a:solidFill>
-                  <a:srgbClr val="202124"/>
-                </a:solidFill>
-                <a:latin typeface="Google Sans"/>
-              </a:rPr>
-              <a:t>H2</a:t>
-            </a:r>
-            <a:endParaRPr lang="ru-RU" dirty="0">
-              <a:solidFill>
-                <a:srgbClr val="202124"/>
-              </a:solidFill>
-              <a:latin typeface="Google Sans"/>
-            </a:endParaRPr>
-          </a:p>
-          <a:p>
-            <a:r>
-              <a:rPr lang="en-US" dirty="0">
-                <a:solidFill>
-                  <a:srgbClr val="202124"/>
-                </a:solidFill>
-                <a:latin typeface="Google Sans"/>
-              </a:rPr>
-              <a:t>Wsdl4j </a:t>
-            </a:r>
-            <a:r>
-              <a:rPr lang="ru-RU" b="0" i="0" dirty="0">
-                <a:solidFill>
-                  <a:srgbClr val="111111"/>
-                </a:solidFill>
-                <a:effectLst/>
-                <a:latin typeface="-apple-system"/>
-              </a:rPr>
-              <a:t>WSDL-схема предназначена для описания </a:t>
-            </a:r>
-            <a:r>
-              <a:rPr lang="ru-RU" b="0" i="0" dirty="0">
-                <a:solidFill>
-                  <a:srgbClr val="333333"/>
-                </a:solidFill>
-                <a:effectLst/>
-                <a:latin typeface="Fira Sans" panose="020B0604020202020204" pitchFamily="34" charset="0"/>
-              </a:rPr>
-              <a:t>SOAP Web-сервис</a:t>
-            </a:r>
-            <a:r>
-              <a:rPr lang="ru-RU" b="0" i="0" dirty="0">
-                <a:solidFill>
-                  <a:srgbClr val="111111"/>
-                </a:solidFill>
-                <a:effectLst/>
-                <a:latin typeface="-apple-system"/>
-              </a:rPr>
-              <a:t>а</a:t>
-            </a:r>
-            <a:endParaRPr lang="ru-RU" dirty="0">
-              <a:solidFill>
-                <a:srgbClr val="202124"/>
-              </a:solidFill>
-              <a:latin typeface="Google Sans"/>
-            </a:endParaRPr>
-          </a:p>
-          <a:p>
-            <a:r>
-              <a:rPr lang="en-US" dirty="0" err="1">
-                <a:solidFill>
-                  <a:srgbClr val="202124"/>
-                </a:solidFill>
-                <a:latin typeface="Google Sans"/>
-              </a:rPr>
-              <a:t>org.flywaydb</a:t>
-            </a:r>
-            <a:r>
-              <a:rPr lang="en-US" dirty="0">
-                <a:solidFill>
-                  <a:srgbClr val="202124"/>
-                </a:solidFill>
-                <a:latin typeface="Google Sans"/>
-              </a:rPr>
-              <a:t> – </a:t>
-            </a:r>
-            <a:r>
-              <a:rPr lang="ru-RU" dirty="0">
-                <a:solidFill>
-                  <a:srgbClr val="202124"/>
-                </a:solidFill>
-                <a:latin typeface="Google Sans"/>
-              </a:rPr>
-              <a:t>контроль версий БД</a:t>
-            </a:r>
-          </a:p>
-          <a:p>
-            <a:r>
-              <a:rPr lang="en-US" dirty="0" err="1">
-                <a:solidFill>
-                  <a:srgbClr val="202124"/>
-                </a:solidFill>
-                <a:latin typeface="Google Sans"/>
-              </a:rPr>
-              <a:t>org.thymeleaf.extras</a:t>
-            </a:r>
-            <a:endParaRPr lang="ru-RU" dirty="0">
-              <a:solidFill>
-                <a:srgbClr val="202124"/>
-              </a:solidFill>
-              <a:latin typeface="Google Sans"/>
-            </a:endParaRPr>
-          </a:p>
-          <a:p>
-            <a:r>
-              <a:rPr lang="en-US" dirty="0" err="1">
-                <a:solidFill>
-                  <a:srgbClr val="202124"/>
-                </a:solidFill>
-                <a:latin typeface="Google Sans"/>
-              </a:rPr>
-              <a:t>org.springframework.security</a:t>
-            </a:r>
-            <a:r>
-              <a:rPr lang="ru-RU" dirty="0">
-                <a:solidFill>
-                  <a:srgbClr val="202124"/>
-                </a:solidFill>
-                <a:latin typeface="Google Sans"/>
-              </a:rPr>
-              <a:t> </a:t>
-            </a:r>
-            <a:r>
-              <a:rPr lang="ru-RU" b="0" i="0" dirty="0" err="1">
-                <a:solidFill>
-                  <a:srgbClr val="111111"/>
-                </a:solidFill>
-                <a:effectLst/>
-                <a:latin typeface="-apple-system"/>
-              </a:rPr>
-              <a:t>framework</a:t>
-            </a:r>
-            <a:r>
-              <a:rPr lang="ru-RU" b="0" i="0" dirty="0">
-                <a:solidFill>
-                  <a:srgbClr val="111111"/>
-                </a:solidFill>
-                <a:effectLst/>
-                <a:latin typeface="-apple-system"/>
-              </a:rPr>
-              <a:t>, предоставляющий механизмы построения систем аутентификации и авторизации, а также другие возможности обеспечения безопасности для корпоративных приложений, созданных с помощью Spring Framework</a:t>
-            </a:r>
-            <a:endParaRPr lang="ru-RU" dirty="0">
-              <a:solidFill>
-                <a:srgbClr val="202124"/>
-              </a:solidFill>
-              <a:latin typeface="Google Sans"/>
-            </a:endParaRPr>
-          </a:p>
-          <a:p>
-            <a:r>
-              <a:rPr lang="en-US" dirty="0" err="1">
-                <a:solidFill>
-                  <a:srgbClr val="202124"/>
-                </a:solidFill>
-                <a:latin typeface="Google Sans"/>
-              </a:rPr>
-              <a:t>org.mapstruct</a:t>
-            </a:r>
-            <a:r>
-              <a:rPr lang="ru-RU" dirty="0">
-                <a:solidFill>
-                  <a:srgbClr val="202124"/>
-                </a:solidFill>
-                <a:latin typeface="Google Sans"/>
-              </a:rPr>
-              <a:t> </a:t>
-            </a:r>
-            <a:r>
-              <a:rPr lang="ru-RU" b="0" i="0" dirty="0">
-                <a:solidFill>
-                  <a:srgbClr val="000000"/>
-                </a:solidFill>
-                <a:effectLst/>
-                <a:latin typeface="Helvetica Neue"/>
-              </a:rPr>
-              <a:t>обширный картограф для </a:t>
-            </a:r>
-            <a:r>
-              <a:rPr lang="en-US" b="0" i="0" dirty="0">
-                <a:solidFill>
-                  <a:srgbClr val="000000"/>
-                </a:solidFill>
-                <a:effectLst/>
-                <a:latin typeface="Helvetica Neue"/>
-              </a:rPr>
-              <a:t>Java-</a:t>
-            </a:r>
-            <a:r>
-              <a:rPr lang="ru-RU" b="0" i="0" dirty="0">
-                <a:solidFill>
-                  <a:srgbClr val="000000"/>
-                </a:solidFill>
-                <a:effectLst/>
-                <a:latin typeface="Helvetica Neue"/>
-              </a:rPr>
-              <a:t>компонентов для сопоставления объектов</a:t>
-            </a:r>
-            <a:endParaRPr lang="ru-RU" dirty="0">
-              <a:solidFill>
-                <a:srgbClr val="202124"/>
-              </a:solidFill>
-              <a:latin typeface="Google Sans"/>
-            </a:endParaRPr>
-          </a:p>
-          <a:p>
-            <a:pPr marL="0" indent="0">
-              <a:buNone/>
-            </a:pPr>
-            <a:r>
-              <a:rPr lang="en-US" dirty="0" err="1">
-                <a:solidFill>
-                  <a:srgbClr val="202124"/>
-                </a:solidFill>
-                <a:latin typeface="Google Sans"/>
-              </a:rPr>
-              <a:t>mapstruct</a:t>
-            </a:r>
-            <a:endParaRPr lang="ru-RU" dirty="0">
-              <a:solidFill>
-                <a:srgbClr val="202124"/>
-              </a:solidFill>
-              <a:latin typeface="Google Sans"/>
-            </a:endParaRPr>
-          </a:p>
-          <a:p>
-            <a:pPr marL="0" indent="0">
-              <a:buNone/>
-            </a:pPr>
-            <a:r>
-              <a:rPr lang="en-US" dirty="0" err="1">
-                <a:solidFill>
-                  <a:srgbClr val="202124"/>
-                </a:solidFill>
-                <a:latin typeface="Google Sans"/>
-              </a:rPr>
-              <a:t>mapstruct</a:t>
-            </a:r>
-            <a:r>
-              <a:rPr lang="en-US" dirty="0">
-                <a:solidFill>
-                  <a:srgbClr val="202124"/>
-                </a:solidFill>
-                <a:latin typeface="Google Sans"/>
-              </a:rPr>
-              <a:t>-processor</a:t>
-            </a:r>
-            <a:r>
-              <a:rPr lang="ru-RU" dirty="0">
-                <a:solidFill>
-                  <a:srgbClr val="202124"/>
-                </a:solidFill>
-                <a:latin typeface="Google Sans"/>
-              </a:rPr>
-              <a:t> </a:t>
-            </a:r>
-            <a:r>
-              <a:rPr lang="ru-RU" b="0" i="0" dirty="0">
-                <a:solidFill>
-                  <a:srgbClr val="4F4F4F"/>
-                </a:solidFill>
-                <a:effectLst/>
-                <a:latin typeface="-apple-system"/>
-              </a:rPr>
-              <a:t>Процессор аннотаций, который автоматически генерирует реализацию преобразователя на основе аннотаций.</a:t>
-            </a:r>
-            <a:endParaRPr lang="ru-RU" dirty="0">
-              <a:solidFill>
-                <a:srgbClr val="202124"/>
-              </a:solidFill>
-              <a:latin typeface="Google Sans"/>
-            </a:endParaRPr>
-          </a:p>
-          <a:p>
-            <a:r>
-              <a:rPr lang="en-US" dirty="0" err="1">
-                <a:solidFill>
-                  <a:srgbClr val="202124"/>
-                </a:solidFill>
-                <a:latin typeface="Google Sans"/>
-              </a:rPr>
-              <a:t>org.webjars</a:t>
-            </a:r>
-            <a:r>
-              <a:rPr lang="ru-RU" dirty="0">
-                <a:solidFill>
-                  <a:srgbClr val="202124"/>
-                </a:solidFill>
-                <a:latin typeface="Google Sans"/>
-              </a:rPr>
-              <a:t> для добавления </a:t>
-            </a:r>
-            <a:r>
-              <a:rPr lang="en-US" b="0" i="0" dirty="0" err="1">
-                <a:solidFill>
-                  <a:srgbClr val="111111"/>
-                </a:solidFill>
-                <a:effectLst/>
-                <a:latin typeface="-apple-system"/>
-              </a:rPr>
-              <a:t>javascript</a:t>
-            </a:r>
-            <a:r>
-              <a:rPr lang="en-US" b="0" i="0" dirty="0">
-                <a:solidFill>
-                  <a:srgbClr val="111111"/>
-                </a:solidFill>
-                <a:effectLst/>
-                <a:latin typeface="-apple-system"/>
-              </a:rPr>
-              <a:t> </a:t>
-            </a:r>
-            <a:r>
-              <a:rPr lang="ru-RU" b="0" i="0" dirty="0">
-                <a:solidFill>
-                  <a:srgbClr val="111111"/>
-                </a:solidFill>
-                <a:effectLst/>
-                <a:latin typeface="-apple-system"/>
-              </a:rPr>
-              <a:t>библиотек</a:t>
-            </a:r>
-            <a:endParaRPr lang="ru-RU" dirty="0">
-              <a:solidFill>
-                <a:srgbClr val="202124"/>
-              </a:solidFill>
-              <a:latin typeface="Google Sans"/>
-            </a:endParaRPr>
-          </a:p>
-          <a:p>
-            <a:pPr marL="0" indent="0">
-              <a:buNone/>
-            </a:pPr>
-            <a:r>
-              <a:rPr lang="en-US" dirty="0" err="1">
-                <a:solidFill>
-                  <a:srgbClr val="202124"/>
-                </a:solidFill>
-                <a:latin typeface="Google Sans"/>
-              </a:rPr>
-              <a:t>sockjs</a:t>
-            </a:r>
-            <a:r>
-              <a:rPr lang="en-US" dirty="0">
-                <a:solidFill>
-                  <a:srgbClr val="202124"/>
-                </a:solidFill>
-                <a:latin typeface="Google Sans"/>
-              </a:rPr>
-              <a:t>-client</a:t>
-            </a:r>
-            <a:endParaRPr lang="ru-RU" dirty="0">
-              <a:solidFill>
-                <a:srgbClr val="202124"/>
-              </a:solidFill>
-              <a:latin typeface="Google Sans"/>
-            </a:endParaRPr>
-          </a:p>
-          <a:p>
-            <a:pPr marL="0" indent="0">
-              <a:buNone/>
-            </a:pPr>
-            <a:r>
-              <a:rPr lang="en-US" dirty="0">
-                <a:solidFill>
-                  <a:srgbClr val="202124"/>
-                </a:solidFill>
-                <a:latin typeface="Google Sans"/>
-              </a:rPr>
-              <a:t>stomp-</a:t>
-            </a:r>
-            <a:r>
-              <a:rPr lang="en-US" dirty="0" err="1">
-                <a:solidFill>
-                  <a:srgbClr val="202124"/>
-                </a:solidFill>
-                <a:latin typeface="Google Sans"/>
-              </a:rPr>
-              <a:t>websocket</a:t>
-            </a:r>
-            <a:endParaRPr lang="ru-RU" dirty="0">
-              <a:solidFill>
-                <a:srgbClr val="202124"/>
-              </a:solidFill>
-              <a:latin typeface="Google Sans"/>
-            </a:endParaRPr>
-          </a:p>
-          <a:p>
-            <a:pPr marL="0" indent="0">
-              <a:buNone/>
-            </a:pPr>
-            <a:r>
-              <a:rPr lang="en-US" dirty="0" err="1">
-                <a:solidFill>
-                  <a:srgbClr val="202124"/>
-                </a:solidFill>
-                <a:latin typeface="Google Sans"/>
-              </a:rPr>
-              <a:t>jquery</a:t>
-            </a:r>
-            <a:endParaRPr lang="ru-RU" dirty="0">
-              <a:solidFill>
-                <a:srgbClr val="202124"/>
-              </a:solidFill>
-              <a:latin typeface="Google Sans"/>
-            </a:endParaRPr>
-          </a:p>
-          <a:p>
-            <a:pPr marL="0" indent="0">
-              <a:buNone/>
-            </a:pPr>
-            <a:r>
-              <a:rPr lang="en-US" dirty="0" err="1">
-                <a:solidFill>
-                  <a:srgbClr val="202124"/>
-                </a:solidFill>
-                <a:latin typeface="Google Sans"/>
-              </a:rPr>
-              <a:t>webjars</a:t>
-            </a:r>
-            <a:r>
-              <a:rPr lang="en-US" dirty="0">
-                <a:solidFill>
-                  <a:srgbClr val="202124"/>
-                </a:solidFill>
-                <a:latin typeface="Google Sans"/>
-              </a:rPr>
-              <a:t>-locator</a:t>
-            </a:r>
-          </a:p>
-          <a:p>
-            <a:endParaRPr lang="ru-RU" dirty="0"/>
-          </a:p>
-        </p:txBody>
-      </p:sp>
-    </p:spTree>
-    <p:extLst>
-      <p:ext uri="{BB962C8B-B14F-4D97-AF65-F5344CB8AC3E}">
-        <p14:creationId xmlns:p14="http://schemas.microsoft.com/office/powerpoint/2010/main" val="1930626612"/>
-      </p:ext>
-    </p:extLst>
-  </p:cSld>
-  <p:clrMapOvr>
-    <a:masterClrMapping/>
-  </p:clrMapOvr>
-</p:sld>
-</file>
-
-<file path=ppt/slides/slide13.xml><?xml version="1.0" encoding="utf-8"?>
-<p:sld xmlns:a="http://schemas.openxmlformats.org/drawingml/2006/main" xmlns:r="http://schemas.openxmlformats.org/officeDocument/2006/relationships" xmlns:p="http://schemas.openxmlformats.org/presentationml/2006/main">
-  <p:cSld>
-    <p:spTree>
-      <p:nvGrpSpPr>
-        <p:cNvPr id="1" name=""/>
-        <p:cNvGrpSpPr/>
-        <p:nvPr/>
-      </p:nvGrpSpPr>
-      <p:grpSpPr>
-        <a:xfrm>
-          <a:off x="0" y="0"/>
-          <a:ext cx="0" cy="0"/>
-          <a:chOff x="0" y="0"/>
-          <a:chExt cx="0" cy="0"/>
-        </a:xfrm>
-      </p:grpSpPr>
-      <p:sp>
-        <p:nvSpPr>
-          <p:cNvPr id="2" name="Заголовок 1">
-            <a:extLst>
-              <a:ext uri="{FF2B5EF4-FFF2-40B4-BE49-F238E27FC236}">
-                <a16:creationId xmlns:a16="http://schemas.microsoft.com/office/drawing/2014/main" id="{E5F70F30-57D5-48E7-B75F-042FD31C973D}"/>
-              </a:ext>
-            </a:extLst>
-          </p:cNvPr>
-          <p:cNvSpPr>
-            <a:spLocks noGrp="1"/>
-          </p:cNvSpPr>
-          <p:nvPr>
-            <p:ph type="title"/>
-          </p:nvPr>
-        </p:nvSpPr>
-        <p:spPr/>
-        <p:txBody>
-          <a:bodyPr/>
-          <a:lstStyle/>
-          <a:p>
-            <a:endParaRPr lang="ru-RU"/>
-          </a:p>
-        </p:txBody>
-      </p:sp>
-      <p:sp>
-        <p:nvSpPr>
-          <p:cNvPr id="3" name="Объект 2">
-            <a:extLst>
-              <a:ext uri="{FF2B5EF4-FFF2-40B4-BE49-F238E27FC236}">
-                <a16:creationId xmlns:a16="http://schemas.microsoft.com/office/drawing/2014/main" id="{C8944B83-F70E-4C19-8772-10151EB504BE}"/>
-              </a:ext>
-            </a:extLst>
-          </p:cNvPr>
-          <p:cNvSpPr>
-            <a:spLocks noGrp="1"/>
-          </p:cNvSpPr>
-          <p:nvPr>
-            <p:ph idx="1"/>
-          </p:nvPr>
-        </p:nvSpPr>
-        <p:spPr/>
-        <p:txBody>
-          <a:bodyPr>
-            <a:normAutofit lnSpcReduction="10000"/>
-          </a:bodyPr>
-          <a:lstStyle/>
-          <a:p>
-            <a:r>
-              <a:rPr lang="en-US" b="0" i="1" dirty="0" err="1">
-                <a:solidFill>
-                  <a:srgbClr val="333333"/>
-                </a:solidFill>
-                <a:effectLst/>
-                <a:latin typeface="Roboto" panose="02000000000000000000" pitchFamily="2" charset="0"/>
-              </a:rPr>
-              <a:t>flyway_schema_history</a:t>
-            </a:r>
-            <a:r>
-              <a:rPr lang="ru-RU" b="0" i="1" dirty="0">
-                <a:solidFill>
-                  <a:srgbClr val="333333"/>
-                </a:solidFill>
-                <a:effectLst/>
-                <a:latin typeface="Roboto" panose="02000000000000000000" pitchFamily="2" charset="0"/>
-              </a:rPr>
-              <a:t> </a:t>
-            </a:r>
-            <a:r>
-              <a:rPr lang="ru-RU" b="0" i="0" dirty="0">
-                <a:solidFill>
-                  <a:srgbClr val="333333"/>
-                </a:solidFill>
-                <a:effectLst/>
-                <a:latin typeface="Roboto" panose="02000000000000000000" pitchFamily="2" charset="0"/>
-              </a:rPr>
-              <a:t>Эта таблица будет использоваться для отслеживания состояния базы данных, она хранит информацию о миграциях БД</a:t>
-            </a:r>
-          </a:p>
-          <a:p>
-            <a:endParaRPr lang="ru-RU" dirty="0">
-              <a:solidFill>
-                <a:srgbClr val="333333"/>
-              </a:solidFill>
-              <a:latin typeface="Roboto" panose="02000000000000000000" pitchFamily="2" charset="0"/>
-            </a:endParaRPr>
-          </a:p>
-          <a:p>
-            <a:r>
-              <a:rPr lang="ru-RU" b="0" i="1" dirty="0">
-                <a:solidFill>
-                  <a:srgbClr val="000000"/>
-                </a:solidFill>
-                <a:effectLst/>
-                <a:latin typeface="Helvetica Neue"/>
-              </a:rPr>
-              <a:t>Объекты передачи данных</a:t>
-            </a:r>
-            <a:r>
-              <a:rPr lang="ru-RU" b="0" i="0" dirty="0">
-                <a:solidFill>
-                  <a:srgbClr val="000000"/>
-                </a:solidFill>
-                <a:effectLst/>
-                <a:latin typeface="Helvetica Neue"/>
-              </a:rPr>
-              <a:t> (</a:t>
-            </a:r>
-            <a:r>
-              <a:rPr lang="ru-RU" b="0" i="0" dirty="0" err="1">
-                <a:solidFill>
-                  <a:srgbClr val="000000"/>
-                </a:solidFill>
-                <a:effectLst/>
-                <a:latin typeface="Helvetica Neue"/>
-              </a:rPr>
-              <a:t>DTOs</a:t>
-            </a:r>
-            <a:r>
-              <a:rPr lang="ru-RU" b="0" i="0" dirty="0">
-                <a:solidFill>
-                  <a:srgbClr val="000000"/>
-                </a:solidFill>
-                <a:effectLst/>
-                <a:latin typeface="Helvetica Neue"/>
-              </a:rPr>
-              <a:t>) регулярно применяются в этих приложениях. DTO-это просто объекты, которые содержат запрошенную информацию о другом объекте. Как правило, объем информации ограничен. Поскольку DTO являются отражением исходных объектов – </a:t>
-            </a:r>
-            <a:r>
-              <a:rPr lang="ru-RU" b="0" i="1" dirty="0" err="1">
-                <a:solidFill>
-                  <a:srgbClr val="000000"/>
-                </a:solidFill>
-                <a:effectLst/>
-                <a:latin typeface="Helvetica Neue"/>
-              </a:rPr>
-              <a:t>сопоставители</a:t>
-            </a:r>
-            <a:r>
-              <a:rPr lang="ru-RU" b="0" i="0" dirty="0">
-                <a:solidFill>
-                  <a:srgbClr val="000000"/>
-                </a:solidFill>
-                <a:effectLst/>
-                <a:latin typeface="Helvetica Neue"/>
-              </a:rPr>
-              <a:t> между этими классами играют ключевую роль в процессе преобразования.</a:t>
-            </a:r>
-            <a:endParaRPr lang="ru-RU" dirty="0"/>
-          </a:p>
-        </p:txBody>
-      </p:sp>
-    </p:spTree>
-    <p:extLst>
-      <p:ext uri="{BB962C8B-B14F-4D97-AF65-F5344CB8AC3E}">
-        <p14:creationId xmlns:p14="http://schemas.microsoft.com/office/powerpoint/2010/main" val="3006375653"/>
-      </p:ext>
-    </p:extLst>
-  </p:cSld>
-  <p:clrMapOvr>
-    <a:masterClrMapping/>
-  </p:clrMapOvr>
-</p:sld>
-</file>
-
-<file path=ppt/slides/slide14.xml><?xml version="1.0" encoding="utf-8"?>
-<p:sld xmlns:a="http://schemas.openxmlformats.org/drawingml/2006/main" xmlns:r="http://schemas.openxmlformats.org/officeDocument/2006/relationships" xmlns:p="http://schemas.openxmlformats.org/presentationml/2006/main">
-  <p:cSld>
-    <p:spTree>
-      <p:nvGrpSpPr>
-        <p:cNvPr id="1" name=""/>
-        <p:cNvGrpSpPr/>
-        <p:nvPr/>
-      </p:nvGrpSpPr>
-      <p:grpSpPr>
-        <a:xfrm>
-          <a:off x="0" y="0"/>
-          <a:ext cx="0" cy="0"/>
-          <a:chOff x="0" y="0"/>
-          <a:chExt cx="0" cy="0"/>
-        </a:xfrm>
-      </p:grpSpPr>
-      <p:sp>
-        <p:nvSpPr>
-          <p:cNvPr id="2" name="Заголовок 1">
-            <a:extLst>
-              <a:ext uri="{FF2B5EF4-FFF2-40B4-BE49-F238E27FC236}">
-                <a16:creationId xmlns:a16="http://schemas.microsoft.com/office/drawing/2014/main" id="{58E12946-FAB3-457B-8432-B4AD452468B5}"/>
-              </a:ext>
-            </a:extLst>
-          </p:cNvPr>
-          <p:cNvSpPr>
-            <a:spLocks noGrp="1"/>
-          </p:cNvSpPr>
-          <p:nvPr>
-            <p:ph type="title"/>
-          </p:nvPr>
-        </p:nvSpPr>
-        <p:spPr/>
-        <p:txBody>
-          <a:bodyPr/>
-          <a:lstStyle/>
-          <a:p>
-            <a:endParaRPr lang="ru-RU"/>
-          </a:p>
-        </p:txBody>
-      </p:sp>
-      <p:sp>
-        <p:nvSpPr>
-          <p:cNvPr id="3" name="Объект 2">
-            <a:extLst>
-              <a:ext uri="{FF2B5EF4-FFF2-40B4-BE49-F238E27FC236}">
-                <a16:creationId xmlns:a16="http://schemas.microsoft.com/office/drawing/2014/main" id="{386C29C6-7B17-42A7-8F39-181B24B6FABC}"/>
-              </a:ext>
-            </a:extLst>
-          </p:cNvPr>
-          <p:cNvSpPr>
-            <a:spLocks noGrp="1"/>
-          </p:cNvSpPr>
-          <p:nvPr>
-            <p:ph idx="1"/>
-          </p:nvPr>
-        </p:nvSpPr>
-        <p:spPr/>
-        <p:txBody>
-          <a:bodyPr>
-            <a:normAutofit fontScale="92500" lnSpcReduction="10000"/>
-          </a:bodyPr>
-          <a:lstStyle/>
-          <a:p>
-            <a:pPr algn="l"/>
-            <a:r>
-              <a:rPr lang="ru-RU" b="0" i="0" dirty="0">
-                <a:solidFill>
-                  <a:srgbClr val="000000"/>
-                </a:solidFill>
-                <a:effectLst/>
-                <a:latin typeface="-apple-system"/>
-              </a:rPr>
-              <a:t>Веб-сервисы Spring без проблем используют такие концепции Spring, как внедрение зависимостей и конфигурации. Spring-WS требует Spring 3.0 версии. При разработке сначала контракта мы начинаем с </a:t>
-            </a:r>
-            <a:r>
-              <a:rPr lang="ru-RU" b="1" i="0" dirty="0">
-                <a:solidFill>
-                  <a:srgbClr val="000000"/>
-                </a:solidFill>
-                <a:effectLst/>
-                <a:latin typeface="-apple-system"/>
-              </a:rPr>
-              <a:t>WSDL </a:t>
-            </a:r>
-            <a:r>
-              <a:rPr lang="ru-RU" b="1" i="0" dirty="0" err="1">
-                <a:solidFill>
-                  <a:srgbClr val="000000"/>
-                </a:solidFill>
-                <a:effectLst/>
-                <a:latin typeface="-apple-system"/>
-              </a:rPr>
-              <a:t>Contract</a:t>
-            </a:r>
-            <a:r>
-              <a:rPr lang="ru-RU" b="1" i="0" dirty="0">
-                <a:solidFill>
-                  <a:srgbClr val="000000"/>
-                </a:solidFill>
-                <a:effectLst/>
-                <a:latin typeface="-apple-system"/>
-              </a:rPr>
-              <a:t>,</a:t>
-            </a:r>
-            <a:r>
-              <a:rPr lang="ru-RU" b="0" i="0" dirty="0">
-                <a:solidFill>
-                  <a:srgbClr val="000000"/>
-                </a:solidFill>
-                <a:effectLst/>
-                <a:latin typeface="-apple-system"/>
-              </a:rPr>
-              <a:t> а затем будем использовать JAVA для реализации требуемого контракта.</a:t>
-            </a:r>
-          </a:p>
-          <a:p>
-            <a:pPr algn="l"/>
-            <a:r>
-              <a:rPr lang="ru-RU" b="0" i="0" dirty="0">
-                <a:solidFill>
-                  <a:srgbClr val="000000"/>
-                </a:solidFill>
-                <a:effectLst/>
-                <a:latin typeface="-apple-system"/>
-              </a:rPr>
-              <a:t>В отличие от подхода «последний контракт», когда интерфейсы JAVA генерируют контракт WSDL / XSD. Контракт на основе WSDL остается независимым от реализации JAVA в подходе контракт-первый. В случае, если нам требуется изменить интерфейсы JAVA, нет необходимости сообщать об изменениях, внесенных в существующий контракт WSDL, пользователям веб-служб. Spring-WS стремится обеспечить слабую связь между контрактом WSDL и его реализацией на основе JAVA.</a:t>
-            </a:r>
-          </a:p>
-          <a:p>
-            <a:endParaRPr lang="ru-RU" dirty="0"/>
-          </a:p>
-        </p:txBody>
-      </p:sp>
-    </p:spTree>
-    <p:extLst>
-      <p:ext uri="{BB962C8B-B14F-4D97-AF65-F5344CB8AC3E}">
-        <p14:creationId xmlns:p14="http://schemas.microsoft.com/office/powerpoint/2010/main" val="2693835780"/>
-      </p:ext>
-    </p:extLst>
-  </p:cSld>
-  <p:clrMapOvr>
-    <a:masterClrMapping/>
-  </p:clrMapOvr>
-</p:sld>
-</file>
-
 <file path=ppt/slides/slide2.xml><?xml version="1.0" encoding="utf-8"?>
 <p:sld xmlns:a="http://schemas.openxmlformats.org/drawingml/2006/main" xmlns:r="http://schemas.openxmlformats.org/officeDocument/2006/relationships" xmlns:p="http://schemas.openxmlformats.org/presentationml/2006/main">
   <p:cSld>
@@ -6822,89 +4200,6 @@
 </file>
 
 <file path=ppt/slides/slide6.xml><?xml version="1.0" encoding="utf-8"?>
-<p:sld xmlns:a="http://schemas.openxmlformats.org/drawingml/2006/main" xmlns:r="http://schemas.openxmlformats.org/officeDocument/2006/relationships" xmlns:p="http://schemas.openxmlformats.org/presentationml/2006/main">
-  <p:cSld>
-    <p:spTree>
-      <p:nvGrpSpPr>
-        <p:cNvPr id="1" name=""/>
-        <p:cNvGrpSpPr/>
-        <p:nvPr/>
-      </p:nvGrpSpPr>
-      <p:grpSpPr>
-        <a:xfrm>
-          <a:off x="0" y="0"/>
-          <a:ext cx="0" cy="0"/>
-          <a:chOff x="0" y="0"/>
-          <a:chExt cx="0" cy="0"/>
-        </a:xfrm>
-      </p:grpSpPr>
-      <p:sp>
-        <p:nvSpPr>
-          <p:cNvPr id="2" name="Заголовок 1">
-            <a:extLst>
-              <a:ext uri="{FF2B5EF4-FFF2-40B4-BE49-F238E27FC236}">
-                <a16:creationId xmlns:a16="http://schemas.microsoft.com/office/drawing/2014/main" id="{9BFD294A-517B-4C10-A9DC-AC7BEB490CBC}"/>
-              </a:ext>
-            </a:extLst>
-          </p:cNvPr>
-          <p:cNvSpPr>
-            <a:spLocks noGrp="1"/>
-          </p:cNvSpPr>
-          <p:nvPr>
-            <p:ph type="title"/>
-          </p:nvPr>
-        </p:nvSpPr>
-        <p:spPr/>
-        <p:txBody>
-          <a:bodyPr/>
-          <a:lstStyle/>
-          <a:p>
-            <a:r>
-              <a:rPr lang="ru-RU" dirty="0"/>
-              <a:t>Описание бизнес процесса</a:t>
-            </a:r>
-          </a:p>
-        </p:txBody>
-      </p:sp>
-      <p:sp>
-        <p:nvSpPr>
-          <p:cNvPr id="3" name="Объект 2">
-            <a:extLst>
-              <a:ext uri="{FF2B5EF4-FFF2-40B4-BE49-F238E27FC236}">
-                <a16:creationId xmlns:a16="http://schemas.microsoft.com/office/drawing/2014/main" id="{BEC731E9-7201-4D35-97C6-313D894616A9}"/>
-              </a:ext>
-            </a:extLst>
-          </p:cNvPr>
-          <p:cNvSpPr>
-            <a:spLocks noGrp="1"/>
-          </p:cNvSpPr>
-          <p:nvPr>
-            <p:ph idx="1"/>
-          </p:nvPr>
-        </p:nvSpPr>
-        <p:spPr/>
-        <p:txBody>
-          <a:bodyPr/>
-          <a:lstStyle/>
-          <a:p>
-            <a:endParaRPr lang="ru-RU"/>
-          </a:p>
-        </p:txBody>
-      </p:sp>
-    </p:spTree>
-    <p:extLst>
-      <p:ext uri="{BB962C8B-B14F-4D97-AF65-F5344CB8AC3E}">
-        <p14:creationId xmlns:p14="http://schemas.microsoft.com/office/powerpoint/2010/main" val="1338892248"/>
-      </p:ext>
-    </p:extLst>
-  </p:cSld>
-  <p:clrMapOvr>
-    <a:masterClrMapping/>
-  </p:clrMapOvr>
-</p:sld>
-</file>
-
-<file path=ppt/slides/slide7.xml><?xml version="1.0" encoding="utf-8"?>
 <p:sld xmlns:a="http://schemas.openxmlformats.org/drawingml/2006/main" xmlns:r="http://schemas.openxmlformats.org/officeDocument/2006/relationships" xmlns:p="http://schemas.openxmlformats.org/presentationml/2006/main">
   <p:cSld>
     <p:spTree>
@@ -7857,7 +5152,7 @@
 </p:sld>
 </file>
 
-<file path=ppt/slides/slide8.xml><?xml version="1.0" encoding="utf-8"?>
+<file path=ppt/slides/slide7.xml><?xml version="1.0" encoding="utf-8"?>
 <p:sld xmlns:a="http://schemas.openxmlformats.org/drawingml/2006/main" xmlns:r="http://schemas.openxmlformats.org/officeDocument/2006/relationships" xmlns:p="http://schemas.openxmlformats.org/presentationml/2006/main">
   <p:cSld>
     <p:spTree>
@@ -7944,86 +5239,6 @@
     <p:extLst>
       <p:ext uri="{BB962C8B-B14F-4D97-AF65-F5344CB8AC3E}">
         <p14:creationId xmlns:p14="http://schemas.microsoft.com/office/powerpoint/2010/main" val="315978693"/>
-      </p:ext>
-    </p:extLst>
-  </p:cSld>
-  <p:clrMapOvr>
-    <a:masterClrMapping/>
-  </p:clrMapOvr>
-</p:sld>
-</file>
-
-<file path=ppt/slides/slide9.xml><?xml version="1.0" encoding="utf-8"?>
-<p:sld xmlns:a="http://schemas.openxmlformats.org/drawingml/2006/main" xmlns:r="http://schemas.openxmlformats.org/officeDocument/2006/relationships" xmlns:p="http://schemas.openxmlformats.org/presentationml/2006/main">
-  <p:cSld>
-    <p:spTree>
-      <p:nvGrpSpPr>
-        <p:cNvPr id="1" name=""/>
-        <p:cNvGrpSpPr/>
-        <p:nvPr/>
-      </p:nvGrpSpPr>
-      <p:grpSpPr>
-        <a:xfrm>
-          <a:off x="0" y="0"/>
-          <a:ext cx="0" cy="0"/>
-          <a:chOff x="0" y="0"/>
-          <a:chExt cx="0" cy="0"/>
-        </a:xfrm>
-      </p:grpSpPr>
-      <p:sp>
-        <p:nvSpPr>
-          <p:cNvPr id="2" name="Заголовок 1">
-            <a:extLst>
-              <a:ext uri="{FF2B5EF4-FFF2-40B4-BE49-F238E27FC236}">
-                <a16:creationId xmlns:a16="http://schemas.microsoft.com/office/drawing/2014/main" id="{EF24B39D-B028-43C7-A06D-3EA69C6093D9}"/>
-              </a:ext>
-            </a:extLst>
-          </p:cNvPr>
-          <p:cNvSpPr>
-            <a:spLocks noGrp="1"/>
-          </p:cNvSpPr>
-          <p:nvPr>
-            <p:ph type="title"/>
-          </p:nvPr>
-        </p:nvSpPr>
-        <p:spPr/>
-        <p:txBody>
-          <a:bodyPr/>
-          <a:lstStyle/>
-          <a:p>
-            <a:endParaRPr lang="ru-RU"/>
-          </a:p>
-        </p:txBody>
-      </p:sp>
-      <p:sp>
-        <p:nvSpPr>
-          <p:cNvPr id="3" name="Объект 2">
-            <a:extLst>
-              <a:ext uri="{FF2B5EF4-FFF2-40B4-BE49-F238E27FC236}">
-                <a16:creationId xmlns:a16="http://schemas.microsoft.com/office/drawing/2014/main" id="{2F902E5A-CBB8-499E-BA6E-2A2832F90A5A}"/>
-              </a:ext>
-            </a:extLst>
-          </p:cNvPr>
-          <p:cNvSpPr>
-            <a:spLocks noGrp="1"/>
-          </p:cNvSpPr>
-          <p:nvPr>
-            <p:ph idx="1"/>
-          </p:nvPr>
-        </p:nvSpPr>
-        <p:spPr/>
-        <p:txBody>
-          <a:bodyPr/>
-          <a:lstStyle/>
-          <a:p>
-            <a:endParaRPr lang="ru-RU"/>
-          </a:p>
-        </p:txBody>
-      </p:sp>
-    </p:spTree>
-    <p:extLst>
-      <p:ext uri="{BB962C8B-B14F-4D97-AF65-F5344CB8AC3E}">
-        <p14:creationId xmlns:p14="http://schemas.microsoft.com/office/powerpoint/2010/main" val="3455034796"/>
       </p:ext>
     </p:extLst>
   </p:cSld>

--- a/Разработка cайта для магазина роллов и суши.pptx
+++ b/Разработка cайта для магазина роллов и суши.pptx
@@ -265,7 +265,7 @@
           <a:p>
             <a:fld id="{F7BFCE7A-43A2-4EF4-86AC-1369E0CE8FED}" type="datetimeFigureOut">
               <a:rPr lang="ru-RU" smtClean="0"/>
-              <a:t>26.11.2021</a:t>
+              <a:t>02.12.2021</a:t>
             </a:fld>
             <a:endParaRPr lang="ru-RU"/>
           </a:p>
@@ -463,7 +463,7 @@
           <a:p>
             <a:fld id="{F7BFCE7A-43A2-4EF4-86AC-1369E0CE8FED}" type="datetimeFigureOut">
               <a:rPr lang="ru-RU" smtClean="0"/>
-              <a:t>26.11.2021</a:t>
+              <a:t>02.12.2021</a:t>
             </a:fld>
             <a:endParaRPr lang="ru-RU"/>
           </a:p>
@@ -671,7 +671,7 @@
           <a:p>
             <a:fld id="{F7BFCE7A-43A2-4EF4-86AC-1369E0CE8FED}" type="datetimeFigureOut">
               <a:rPr lang="ru-RU" smtClean="0"/>
-              <a:t>26.11.2021</a:t>
+              <a:t>02.12.2021</a:t>
             </a:fld>
             <a:endParaRPr lang="ru-RU"/>
           </a:p>
@@ -869,7 +869,7 @@
           <a:p>
             <a:fld id="{F7BFCE7A-43A2-4EF4-86AC-1369E0CE8FED}" type="datetimeFigureOut">
               <a:rPr lang="ru-RU" smtClean="0"/>
-              <a:t>26.11.2021</a:t>
+              <a:t>02.12.2021</a:t>
             </a:fld>
             <a:endParaRPr lang="ru-RU"/>
           </a:p>
@@ -1144,7 +1144,7 @@
           <a:p>
             <a:fld id="{F7BFCE7A-43A2-4EF4-86AC-1369E0CE8FED}" type="datetimeFigureOut">
               <a:rPr lang="ru-RU" smtClean="0"/>
-              <a:t>26.11.2021</a:t>
+              <a:t>02.12.2021</a:t>
             </a:fld>
             <a:endParaRPr lang="ru-RU"/>
           </a:p>
@@ -1409,7 +1409,7 @@
           <a:p>
             <a:fld id="{F7BFCE7A-43A2-4EF4-86AC-1369E0CE8FED}" type="datetimeFigureOut">
               <a:rPr lang="ru-RU" smtClean="0"/>
-              <a:t>26.11.2021</a:t>
+              <a:t>02.12.2021</a:t>
             </a:fld>
             <a:endParaRPr lang="ru-RU"/>
           </a:p>
@@ -1821,7 +1821,7 @@
           <a:p>
             <a:fld id="{F7BFCE7A-43A2-4EF4-86AC-1369E0CE8FED}" type="datetimeFigureOut">
               <a:rPr lang="ru-RU" smtClean="0"/>
-              <a:t>26.11.2021</a:t>
+              <a:t>02.12.2021</a:t>
             </a:fld>
             <a:endParaRPr lang="ru-RU"/>
           </a:p>
@@ -1962,7 +1962,7 @@
           <a:p>
             <a:fld id="{F7BFCE7A-43A2-4EF4-86AC-1369E0CE8FED}" type="datetimeFigureOut">
               <a:rPr lang="ru-RU" smtClean="0"/>
-              <a:t>26.11.2021</a:t>
+              <a:t>02.12.2021</a:t>
             </a:fld>
             <a:endParaRPr lang="ru-RU"/>
           </a:p>
@@ -2075,7 +2075,7 @@
           <a:p>
             <a:fld id="{F7BFCE7A-43A2-4EF4-86AC-1369E0CE8FED}" type="datetimeFigureOut">
               <a:rPr lang="ru-RU" smtClean="0"/>
-              <a:t>26.11.2021</a:t>
+              <a:t>02.12.2021</a:t>
             </a:fld>
             <a:endParaRPr lang="ru-RU"/>
           </a:p>
@@ -2386,7 +2386,7 @@
           <a:p>
             <a:fld id="{F7BFCE7A-43A2-4EF4-86AC-1369E0CE8FED}" type="datetimeFigureOut">
               <a:rPr lang="ru-RU" smtClean="0"/>
-              <a:t>26.11.2021</a:t>
+              <a:t>02.12.2021</a:t>
             </a:fld>
             <a:endParaRPr lang="ru-RU"/>
           </a:p>
@@ -2674,7 +2674,7 @@
           <a:p>
             <a:fld id="{F7BFCE7A-43A2-4EF4-86AC-1369E0CE8FED}" type="datetimeFigureOut">
               <a:rPr lang="ru-RU" smtClean="0"/>
-              <a:t>26.11.2021</a:t>
+              <a:t>02.12.2021</a:t>
             </a:fld>
             <a:endParaRPr lang="ru-RU"/>
           </a:p>
@@ -2915,7 +2915,7 @@
           <a:p>
             <a:fld id="{F7BFCE7A-43A2-4EF4-86AC-1369E0CE8FED}" type="datetimeFigureOut">
               <a:rPr lang="ru-RU" smtClean="0"/>
-              <a:t>26.11.2021</a:t>
+              <a:t>02.12.2021</a:t>
             </a:fld>
             <a:endParaRPr lang="ru-RU"/>
           </a:p>
@@ -5207,10 +5207,10 @@
       </p:sp>
       <p:pic>
         <p:nvPicPr>
-          <p:cNvPr id="7" name="Рисунок 6">
-            <a:extLst>
-              <a:ext uri="{FF2B5EF4-FFF2-40B4-BE49-F238E27FC236}">
-                <a16:creationId xmlns:a16="http://schemas.microsoft.com/office/drawing/2014/main" id="{F0267B1A-5878-4370-BE45-1F11B182731A}"/>
+          <p:cNvPr id="4" name="Рисунок 3">
+            <a:extLst>
+              <a:ext uri="{FF2B5EF4-FFF2-40B4-BE49-F238E27FC236}">
+                <a16:creationId xmlns:a16="http://schemas.microsoft.com/office/drawing/2014/main" id="{AD356876-487B-4748-AC7D-AF96E7A0E939}"/>
               </a:ext>
             </a:extLst>
           </p:cNvPr>
@@ -5227,8 +5227,8 @@
         </p:blipFill>
         <p:spPr>
           <a:xfrm>
-            <a:off x="0" y="1146538"/>
-            <a:ext cx="12192000" cy="5406754"/>
+            <a:off x="0" y="1078626"/>
+            <a:ext cx="12192000" cy="5410200"/>
           </a:xfrm>
           <a:prstGeom prst="rect">
             <a:avLst/>

--- a/Разработка cайта для магазина роллов и суши.pptx
+++ b/Разработка cайта для магазина роллов и суши.pptx
@@ -12,6 +12,7 @@
     <p:sldId id="269" r:id="rId6"/>
     <p:sldId id="265" r:id="rId7"/>
     <p:sldId id="267" r:id="rId8"/>
+    <p:sldId id="270" r:id="rId9"/>
   </p:sldIdLst>
   <p:sldSz cx="12192000" cy="6858000"/>
   <p:notesSz cx="6858000" cy="9144000"/>
@@ -4137,13 +4138,13 @@
           <a:p>
             <a:r>
               <a:rPr lang="ru-RU" dirty="0"/>
-              <a:t>Разработать систему регистрации и авторизации пользователей.</a:t>
+              <a:t>Разработать систему регистрации и авторизации пользователей</a:t>
             </a:r>
           </a:p>
           <a:p>
             <a:r>
               <a:rPr lang="ru-RU" dirty="0"/>
-              <a:t>Разграничить права у пользователей.</a:t>
+              <a:t>Разграничить права у пользователей</a:t>
             </a:r>
           </a:p>
           <a:p>
@@ -4155,7 +4156,7 @@
           <a:p>
             <a:r>
               <a:rPr lang="ru-RU" dirty="0"/>
-              <a:t>Разработать меню с возможность добавления и удаления позиций.</a:t>
+              <a:t>Разработать меню с возможность добавления и удаления позиций</a:t>
             </a:r>
           </a:p>
           <a:p>
@@ -4167,17 +4168,17 @@
           <a:p>
             <a:r>
               <a:rPr lang="ru-RU" dirty="0"/>
-              <a:t>Разработать в корзине подсчёт суммы заказа и возможность удаления товаров из корзины, а также отправку заказа.</a:t>
+              <a:t>Разработать в корзине подсчёт суммы заказа и возможность удаления товаров из корзины, а также отправку заказа</a:t>
             </a:r>
           </a:p>
           <a:p>
             <a:r>
               <a:rPr lang="ru-RU" dirty="0"/>
-              <a:t>Разработать отдельный сервис для преобразования отправленного заказа в формат </a:t>
+              <a:t>Разработать сервис для преобразования отправленного заказа в формат </a:t>
             </a:r>
             <a:r>
               <a:rPr lang="en-US" dirty="0"/>
-              <a:t>json.</a:t>
+              <a:t>json</a:t>
             </a:r>
             <a:endParaRPr lang="ru-RU" dirty="0"/>
           </a:p>
@@ -4254,10 +4255,10 @@
       </p:sp>
       <p:pic>
         <p:nvPicPr>
-          <p:cNvPr id="1028" name="Picture 4" descr="MapStruct – Java bean mappings, the easy way!">
-            <a:extLst>
-              <a:ext uri="{FF2B5EF4-FFF2-40B4-BE49-F238E27FC236}">
-                <a16:creationId xmlns:a16="http://schemas.microsoft.com/office/drawing/2014/main" id="{1B936C7F-36DA-48C9-98CC-3C65FF4B0E87}"/>
+          <p:cNvPr id="1030" name="Picture 6" descr="Flyway (software) - Wikipedia">
+            <a:extLst>
+              <a:ext uri="{FF2B5EF4-FFF2-40B4-BE49-F238E27FC236}">
+                <a16:creationId xmlns:a16="http://schemas.microsoft.com/office/drawing/2014/main" id="{DB5D6F65-0480-4E3D-BD7D-E38925FAA1BD}"/>
               </a:ext>
             </a:extLst>
           </p:cNvPr>
@@ -4268,53 +4269,6 @@
         </p:nvPicPr>
         <p:blipFill>
           <a:blip r:embed="rId2">
-            <a:extLst>
-              <a:ext uri="{28A0092B-C50C-407E-A947-70E740481C1C}">
-                <a14:useLocalDpi xmlns:a14="http://schemas.microsoft.com/office/drawing/2010/main" val="0"/>
-              </a:ext>
-            </a:extLst>
-          </a:blip>
-          <a:srcRect/>
-          <a:stretch>
-            <a:fillRect/>
-          </a:stretch>
-        </p:blipFill>
-        <p:spPr bwMode="auto">
-          <a:xfrm>
-            <a:off x="5544792" y="4487797"/>
-            <a:ext cx="2958693" cy="815714"/>
-          </a:xfrm>
-          <a:prstGeom prst="rect">
-            <a:avLst/>
-          </a:prstGeom>
-          <a:noFill/>
-          <a:extLst>
-            <a:ext uri="{909E8E84-426E-40DD-AFC4-6F175D3DCCD1}">
-              <a14:hiddenFill xmlns:a14="http://schemas.microsoft.com/office/drawing/2010/main">
-                <a:solidFill>
-                  <a:srgbClr val="FFFFFF"/>
-                </a:solidFill>
-              </a14:hiddenFill>
-            </a:ext>
-          </a:extLst>
-        </p:spPr>
-      </p:pic>
-      <p:pic>
-        <p:nvPicPr>
-          <p:cNvPr id="1030" name="Picture 6" descr="Flyway (software) - Wikipedia">
-            <a:extLst>
-              <a:ext uri="{FF2B5EF4-FFF2-40B4-BE49-F238E27FC236}">
-                <a16:creationId xmlns:a16="http://schemas.microsoft.com/office/drawing/2014/main" id="{DB5D6F65-0480-4E3D-BD7D-E38925FAA1BD}"/>
-              </a:ext>
-            </a:extLst>
-          </p:cNvPr>
-          <p:cNvPicPr>
-            <a:picLocks noChangeAspect="1" noChangeArrowheads="1"/>
-          </p:cNvPicPr>
-          <p:nvPr/>
-        </p:nvPicPr>
-        <p:blipFill>
-          <a:blip r:embed="rId3">
             <a:extLst>
               <a:ext uri="{28A0092B-C50C-407E-A947-70E740481C1C}">
                 <a14:useLocalDpi xmlns:a14="http://schemas.microsoft.com/office/drawing/2010/main" val="0"/>
@@ -4361,7 +4315,7 @@
           <p:nvPr/>
         </p:nvPicPr>
         <p:blipFill>
-          <a:blip r:embed="rId4">
+          <a:blip r:embed="rId3">
             <a:extLst>
               <a:ext uri="{28A0092B-C50C-407E-A947-70E740481C1C}">
                 <a14:useLocalDpi xmlns:a14="http://schemas.microsoft.com/office/drawing/2010/main" val="0"/>
@@ -4408,7 +4362,7 @@
           <p:nvPr/>
         </p:nvPicPr>
         <p:blipFill>
-          <a:blip r:embed="rId5">
+          <a:blip r:embed="rId4">
             <a:extLst>
               <a:ext uri="{28A0092B-C50C-407E-A947-70E740481C1C}">
                 <a14:useLocalDpi xmlns:a14="http://schemas.microsoft.com/office/drawing/2010/main" val="0"/>
@@ -4455,7 +4409,7 @@
           <p:nvPr/>
         </p:nvPicPr>
         <p:blipFill>
-          <a:blip r:embed="rId6">
+          <a:blip r:embed="rId5">
             <a:extLst>
               <a:ext uri="{28A0092B-C50C-407E-A947-70E740481C1C}">
                 <a14:useLocalDpi xmlns:a14="http://schemas.microsoft.com/office/drawing/2010/main" val="0"/>
@@ -4469,7 +4423,7 @@
         </p:blipFill>
         <p:spPr bwMode="auto">
           <a:xfrm>
-            <a:off x="1803176" y="3420012"/>
+            <a:off x="2197519" y="5303511"/>
             <a:ext cx="1226017" cy="1226017"/>
           </a:xfrm>
           <a:prstGeom prst="rect">
@@ -4502,7 +4456,7 @@
           <p:nvPr/>
         </p:nvPicPr>
         <p:blipFill>
-          <a:blip r:embed="rId7">
+          <a:blip r:embed="rId6">
             <a:extLst>
               <a:ext uri="{28A0092B-C50C-407E-A947-70E740481C1C}">
                 <a14:useLocalDpi xmlns:a14="http://schemas.microsoft.com/office/drawing/2010/main" val="0"/>
@@ -4516,55 +4470,8 @@
         </p:blipFill>
         <p:spPr bwMode="auto">
           <a:xfrm>
-            <a:off x="5226205" y="5269764"/>
-            <a:ext cx="3469043" cy="1588236"/>
-          </a:xfrm>
-          <a:prstGeom prst="rect">
-            <a:avLst/>
-          </a:prstGeom>
-          <a:noFill/>
-          <a:extLst>
-            <a:ext uri="{909E8E84-426E-40DD-AFC4-6F175D3DCCD1}">
-              <a14:hiddenFill xmlns:a14="http://schemas.microsoft.com/office/drawing/2010/main">
-                <a:solidFill>
-                  <a:srgbClr val="FFFFFF"/>
-                </a:solidFill>
-              </a14:hiddenFill>
-            </a:ext>
-          </a:extLst>
-        </p:spPr>
-      </p:pic>
-      <p:pic>
-        <p:nvPicPr>
-          <p:cNvPr id="1040" name="Picture 16" descr="H2 Database Engine — Национальная библиотека им. Н. Э. Баумана">
-            <a:extLst>
-              <a:ext uri="{FF2B5EF4-FFF2-40B4-BE49-F238E27FC236}">
-                <a16:creationId xmlns:a16="http://schemas.microsoft.com/office/drawing/2014/main" id="{4DA96E11-6E55-426B-AEB2-B92BFDDEC2AD}"/>
-              </a:ext>
-            </a:extLst>
-          </p:cNvPr>
-          <p:cNvPicPr>
-            <a:picLocks noChangeAspect="1" noChangeArrowheads="1"/>
-          </p:cNvPicPr>
-          <p:nvPr/>
-        </p:nvPicPr>
-        <p:blipFill>
-          <a:blip r:embed="rId8">
-            <a:extLst>
-              <a:ext uri="{28A0092B-C50C-407E-A947-70E740481C1C}">
-                <a14:useLocalDpi xmlns:a14="http://schemas.microsoft.com/office/drawing/2010/main" val="0"/>
-              </a:ext>
-            </a:extLst>
-          </a:blip>
-          <a:srcRect/>
-          <a:stretch>
-            <a:fillRect/>
-          </a:stretch>
-        </p:blipFill>
-        <p:spPr bwMode="auto">
-          <a:xfrm>
-            <a:off x="3349528" y="3535640"/>
-            <a:ext cx="1552901" cy="850128"/>
+            <a:off x="3988395" y="4744573"/>
+            <a:ext cx="4083834" cy="1869706"/>
           </a:xfrm>
           <a:prstGeom prst="rect">
             <a:avLst/>
@@ -4596,7 +4503,7 @@
           <p:nvPr/>
         </p:nvPicPr>
         <p:blipFill>
-          <a:blip r:embed="rId9">
+          <a:blip r:embed="rId7">
             <a:extLst>
               <a:ext uri="{28A0092B-C50C-407E-A947-70E740481C1C}">
                 <a14:useLocalDpi xmlns:a14="http://schemas.microsoft.com/office/drawing/2010/main" val="0"/>
@@ -4643,7 +4550,7 @@
           <p:nvPr/>
         </p:nvPicPr>
         <p:blipFill>
-          <a:blip r:embed="rId10">
+          <a:blip r:embed="rId8">
             <a:extLst>
               <a:ext uri="{28A0092B-C50C-407E-A947-70E740481C1C}">
                 <a14:useLocalDpi xmlns:a14="http://schemas.microsoft.com/office/drawing/2010/main" val="0"/>
@@ -4657,7 +4564,7 @@
         </p:blipFill>
         <p:spPr bwMode="auto">
           <a:xfrm>
-            <a:off x="2220859" y="4912615"/>
+            <a:off x="2429301" y="3202945"/>
             <a:ext cx="2463451" cy="1721668"/>
           </a:xfrm>
           <a:prstGeom prst="rect">
@@ -4690,7 +4597,7 @@
           <p:nvPr/>
         </p:nvPicPr>
         <p:blipFill>
-          <a:blip r:embed="rId11">
+          <a:blip r:embed="rId9">
             <a:extLst>
               <a:ext uri="{28A0092B-C50C-407E-A947-70E740481C1C}">
                 <a14:useLocalDpi xmlns:a14="http://schemas.microsoft.com/office/drawing/2010/main" val="0"/>
@@ -4737,7 +4644,7 @@
           <p:nvPr/>
         </p:nvPicPr>
         <p:blipFill>
-          <a:blip r:embed="rId12">
+          <a:blip r:embed="rId10">
             <a:extLst>
               <a:ext uri="{28A0092B-C50C-407E-A947-70E740481C1C}">
                 <a14:useLocalDpi xmlns:a14="http://schemas.microsoft.com/office/drawing/2010/main" val="0"/>
@@ -4784,7 +4691,7 @@
           <p:nvPr/>
         </p:nvPicPr>
         <p:blipFill>
-          <a:blip r:embed="rId13">
+          <a:blip r:embed="rId11">
             <a:extLst>
               <a:ext uri="{28A0092B-C50C-407E-A947-70E740481C1C}">
                 <a14:useLocalDpi xmlns:a14="http://schemas.microsoft.com/office/drawing/2010/main" val="0"/>
@@ -4831,7 +4738,7 @@
           <p:nvPr/>
         </p:nvPicPr>
         <p:blipFill>
-          <a:blip r:embed="rId14">
+          <a:blip r:embed="rId12">
             <a:extLst>
               <a:ext uri="{28A0092B-C50C-407E-A947-70E740481C1C}">
                 <a14:useLocalDpi xmlns:a14="http://schemas.microsoft.com/office/drawing/2010/main" val="0"/>
@@ -4878,7 +4785,7 @@
           <p:nvPr/>
         </p:nvPicPr>
         <p:blipFill>
-          <a:blip r:embed="rId15">
+          <a:blip r:embed="rId13">
             <a:extLst>
               <a:ext uri="{28A0092B-C50C-407E-A947-70E740481C1C}">
                 <a14:useLocalDpi xmlns:a14="http://schemas.microsoft.com/office/drawing/2010/main" val="0"/>
@@ -4925,7 +4832,7 @@
           <p:nvPr/>
         </p:nvPicPr>
         <p:blipFill>
-          <a:blip r:embed="rId16">
+          <a:blip r:embed="rId14">
             <a:extLst>
               <a:ext uri="{28A0092B-C50C-407E-A947-70E740481C1C}">
                 <a14:useLocalDpi xmlns:a14="http://schemas.microsoft.com/office/drawing/2010/main" val="0"/>
@@ -4972,7 +4879,7 @@
           <p:nvPr/>
         </p:nvPicPr>
         <p:blipFill rotWithShape="1">
-          <a:blip r:embed="rId17">
+          <a:blip r:embed="rId15">
             <a:extLst>
               <a:ext uri="{28A0092B-C50C-407E-A947-70E740481C1C}">
                 <a14:useLocalDpi xmlns:a14="http://schemas.microsoft.com/office/drawing/2010/main" val="0"/>
@@ -5017,7 +4924,7 @@
           <p:nvPr/>
         </p:nvPicPr>
         <p:blipFill>
-          <a:blip r:embed="rId18">
+          <a:blip r:embed="rId16">
             <a:extLst>
               <a:ext uri="{28A0092B-C50C-407E-A947-70E740481C1C}">
                 <a14:useLocalDpi xmlns:a14="http://schemas.microsoft.com/office/drawing/2010/main" val="0"/>
@@ -5064,7 +4971,7 @@
           <p:nvPr/>
         </p:nvPicPr>
         <p:blipFill>
-          <a:blip r:embed="rId19"/>
+          <a:blip r:embed="rId17"/>
           <a:stretch>
             <a:fillRect/>
           </a:stretch>
@@ -5094,7 +5001,7 @@
           <p:nvPr/>
         </p:nvPicPr>
         <p:blipFill>
-          <a:blip r:embed="rId20"/>
+          <a:blip r:embed="rId18"/>
           <a:stretch>
             <a:fillRect/>
           </a:stretch>
@@ -5124,7 +5031,7 @@
           <p:nvPr/>
         </p:nvPicPr>
         <p:blipFill>
-          <a:blip r:embed="rId21"/>
+          <a:blip r:embed="rId19"/>
           <a:stretch>
             <a:fillRect/>
           </a:stretch>
@@ -5137,6 +5044,53 @@
           <a:prstGeom prst="rect">
             <a:avLst/>
           </a:prstGeom>
+        </p:spPr>
+      </p:pic>
+      <p:pic>
+        <p:nvPicPr>
+          <p:cNvPr id="1028" name="Picture 4" descr="MapStruct – Java bean mappings, the easy way!">
+            <a:extLst>
+              <a:ext uri="{FF2B5EF4-FFF2-40B4-BE49-F238E27FC236}">
+                <a16:creationId xmlns:a16="http://schemas.microsoft.com/office/drawing/2014/main" id="{1B936C7F-36DA-48C9-98CC-3C65FF4B0E87}"/>
+              </a:ext>
+            </a:extLst>
+          </p:cNvPr>
+          <p:cNvPicPr>
+            <a:picLocks noChangeAspect="1" noChangeArrowheads="1"/>
+          </p:cNvPicPr>
+          <p:nvPr/>
+        </p:nvPicPr>
+        <p:blipFill>
+          <a:blip r:embed="rId20">
+            <a:extLst>
+              <a:ext uri="{28A0092B-C50C-407E-A947-70E740481C1C}">
+                <a14:useLocalDpi xmlns:a14="http://schemas.microsoft.com/office/drawing/2010/main" val="0"/>
+              </a:ext>
+            </a:extLst>
+          </a:blip>
+          <a:srcRect/>
+          <a:stretch>
+            <a:fillRect/>
+          </a:stretch>
+        </p:blipFill>
+        <p:spPr bwMode="auto">
+          <a:xfrm>
+            <a:off x="5544792" y="4487797"/>
+            <a:ext cx="2958693" cy="815714"/>
+          </a:xfrm>
+          <a:prstGeom prst="rect">
+            <a:avLst/>
+          </a:prstGeom>
+          <a:noFill/>
+          <a:extLst>
+            <a:ext uri="{909E8E84-426E-40DD-AFC4-6F175D3DCCD1}">
+              <a14:hiddenFill xmlns:a14="http://schemas.microsoft.com/office/drawing/2010/main">
+                <a:solidFill>
+                  <a:srgbClr val="FFFFFF"/>
+                </a:solidFill>
+              </a14:hiddenFill>
+            </a:ext>
+          </a:extLst>
         </p:spPr>
       </p:pic>
     </p:spTree>
@@ -5239,6 +5193,114 @@
     <p:extLst>
       <p:ext uri="{BB962C8B-B14F-4D97-AF65-F5344CB8AC3E}">
         <p14:creationId xmlns:p14="http://schemas.microsoft.com/office/powerpoint/2010/main" val="315978693"/>
+      </p:ext>
+    </p:extLst>
+  </p:cSld>
+  <p:clrMapOvr>
+    <a:masterClrMapping/>
+  </p:clrMapOvr>
+</p:sld>
+</file>
+
+<file path=ppt/slides/slide8.xml><?xml version="1.0" encoding="utf-8"?>
+<p:sld xmlns:a="http://schemas.openxmlformats.org/drawingml/2006/main" xmlns:r="http://schemas.openxmlformats.org/officeDocument/2006/relationships" xmlns:p="http://schemas.openxmlformats.org/presentationml/2006/main">
+  <p:cSld>
+    <p:spTree>
+      <p:nvGrpSpPr>
+        <p:cNvPr id="1" name=""/>
+        <p:cNvGrpSpPr/>
+        <p:nvPr/>
+      </p:nvGrpSpPr>
+      <p:grpSpPr>
+        <a:xfrm>
+          <a:off x="0" y="0"/>
+          <a:ext cx="0" cy="0"/>
+          <a:chOff x="0" y="0"/>
+          <a:chExt cx="0" cy="0"/>
+        </a:xfrm>
+      </p:grpSpPr>
+      <p:sp>
+        <p:nvSpPr>
+          <p:cNvPr id="2" name="Заголовок 1">
+            <a:extLst>
+              <a:ext uri="{FF2B5EF4-FFF2-40B4-BE49-F238E27FC236}">
+                <a16:creationId xmlns:a16="http://schemas.microsoft.com/office/drawing/2014/main" id="{0C9370AF-B10D-416E-9240-65A4A1D27E63}"/>
+              </a:ext>
+            </a:extLst>
+          </p:cNvPr>
+          <p:cNvSpPr>
+            <a:spLocks noGrp="1"/>
+          </p:cNvSpPr>
+          <p:nvPr>
+            <p:ph type="title"/>
+          </p:nvPr>
+        </p:nvSpPr>
+        <p:spPr/>
+        <p:txBody>
+          <a:bodyPr/>
+          <a:lstStyle/>
+          <a:p>
+            <a:r>
+              <a:rPr lang="ru-RU" dirty="0"/>
+              <a:t>Дальнейшее развитие проекта</a:t>
+            </a:r>
+          </a:p>
+        </p:txBody>
+      </p:sp>
+      <p:sp>
+        <p:nvSpPr>
+          <p:cNvPr id="3" name="Объект 2">
+            <a:extLst>
+              <a:ext uri="{FF2B5EF4-FFF2-40B4-BE49-F238E27FC236}">
+                <a16:creationId xmlns:a16="http://schemas.microsoft.com/office/drawing/2014/main" id="{96D7991A-2F29-4C0E-96B2-C960ADBD3822}"/>
+              </a:ext>
+            </a:extLst>
+          </p:cNvPr>
+          <p:cNvSpPr>
+            <a:spLocks noGrp="1"/>
+          </p:cNvSpPr>
+          <p:nvPr>
+            <p:ph idx="1"/>
+          </p:nvPr>
+        </p:nvSpPr>
+        <p:spPr/>
+        <p:txBody>
+          <a:bodyPr/>
+          <a:lstStyle/>
+          <a:p>
+            <a:r>
+              <a:rPr lang="ru-RU" dirty="0"/>
+              <a:t>Сделать привлекательны </a:t>
+            </a:r>
+            <a:r>
+              <a:rPr lang="en-US" dirty="0"/>
+              <a:t>frontend</a:t>
+            </a:r>
+          </a:p>
+          <a:p>
+            <a:r>
+              <a:rPr lang="ru-RU" dirty="0"/>
+              <a:t>Подключить оплату на сайте </a:t>
+            </a:r>
+          </a:p>
+          <a:p>
+            <a:r>
+              <a:rPr lang="ru-RU" dirty="0"/>
+              <a:t>Создать отдельный сервис, телеграмм-бот, для оформления заказа</a:t>
+            </a:r>
+          </a:p>
+          <a:p>
+            <a:r>
+              <a:rPr lang="ru-RU" dirty="0"/>
+              <a:t>Разместить на хостинге</a:t>
+            </a:r>
+          </a:p>
+        </p:txBody>
+      </p:sp>
+    </p:spTree>
+    <p:extLst>
+      <p:ext uri="{BB962C8B-B14F-4D97-AF65-F5344CB8AC3E}">
+        <p14:creationId xmlns:p14="http://schemas.microsoft.com/office/powerpoint/2010/main" val="4212529444"/>
       </p:ext>
     </p:extLst>
   </p:cSld>

--- a/Разработка cайта для магазина роллов и суши.pptx
+++ b/Разработка cайта для магазина роллов и суши.pptx
@@ -11,8 +11,9 @@
     <p:sldId id="259" r:id="rId5"/>
     <p:sldId id="269" r:id="rId6"/>
     <p:sldId id="265" r:id="rId7"/>
-    <p:sldId id="267" r:id="rId8"/>
-    <p:sldId id="270" r:id="rId9"/>
+    <p:sldId id="271" r:id="rId8"/>
+    <p:sldId id="267" r:id="rId9"/>
+    <p:sldId id="270" r:id="rId10"/>
   </p:sldIdLst>
   <p:sldSz cx="12192000" cy="6858000"/>
   <p:notesSz cx="6858000" cy="9144000"/>
@@ -266,7 +267,7 @@
           <a:p>
             <a:fld id="{F7BFCE7A-43A2-4EF4-86AC-1369E0CE8FED}" type="datetimeFigureOut">
               <a:rPr lang="ru-RU" smtClean="0"/>
-              <a:t>02.12.2021</a:t>
+              <a:t>06.12.2021</a:t>
             </a:fld>
             <a:endParaRPr lang="ru-RU"/>
           </a:p>
@@ -464,7 +465,7 @@
           <a:p>
             <a:fld id="{F7BFCE7A-43A2-4EF4-86AC-1369E0CE8FED}" type="datetimeFigureOut">
               <a:rPr lang="ru-RU" smtClean="0"/>
-              <a:t>02.12.2021</a:t>
+              <a:t>06.12.2021</a:t>
             </a:fld>
             <a:endParaRPr lang="ru-RU"/>
           </a:p>
@@ -672,7 +673,7 @@
           <a:p>
             <a:fld id="{F7BFCE7A-43A2-4EF4-86AC-1369E0CE8FED}" type="datetimeFigureOut">
               <a:rPr lang="ru-RU" smtClean="0"/>
-              <a:t>02.12.2021</a:t>
+              <a:t>06.12.2021</a:t>
             </a:fld>
             <a:endParaRPr lang="ru-RU"/>
           </a:p>
@@ -870,7 +871,7 @@
           <a:p>
             <a:fld id="{F7BFCE7A-43A2-4EF4-86AC-1369E0CE8FED}" type="datetimeFigureOut">
               <a:rPr lang="ru-RU" smtClean="0"/>
-              <a:t>02.12.2021</a:t>
+              <a:t>06.12.2021</a:t>
             </a:fld>
             <a:endParaRPr lang="ru-RU"/>
           </a:p>
@@ -1145,7 +1146,7 @@
           <a:p>
             <a:fld id="{F7BFCE7A-43A2-4EF4-86AC-1369E0CE8FED}" type="datetimeFigureOut">
               <a:rPr lang="ru-RU" smtClean="0"/>
-              <a:t>02.12.2021</a:t>
+              <a:t>06.12.2021</a:t>
             </a:fld>
             <a:endParaRPr lang="ru-RU"/>
           </a:p>
@@ -1410,7 +1411,7 @@
           <a:p>
             <a:fld id="{F7BFCE7A-43A2-4EF4-86AC-1369E0CE8FED}" type="datetimeFigureOut">
               <a:rPr lang="ru-RU" smtClean="0"/>
-              <a:t>02.12.2021</a:t>
+              <a:t>06.12.2021</a:t>
             </a:fld>
             <a:endParaRPr lang="ru-RU"/>
           </a:p>
@@ -1822,7 +1823,7 @@
           <a:p>
             <a:fld id="{F7BFCE7A-43A2-4EF4-86AC-1369E0CE8FED}" type="datetimeFigureOut">
               <a:rPr lang="ru-RU" smtClean="0"/>
-              <a:t>02.12.2021</a:t>
+              <a:t>06.12.2021</a:t>
             </a:fld>
             <a:endParaRPr lang="ru-RU"/>
           </a:p>
@@ -1963,7 +1964,7 @@
           <a:p>
             <a:fld id="{F7BFCE7A-43A2-4EF4-86AC-1369E0CE8FED}" type="datetimeFigureOut">
               <a:rPr lang="ru-RU" smtClean="0"/>
-              <a:t>02.12.2021</a:t>
+              <a:t>06.12.2021</a:t>
             </a:fld>
             <a:endParaRPr lang="ru-RU"/>
           </a:p>
@@ -2076,7 +2077,7 @@
           <a:p>
             <a:fld id="{F7BFCE7A-43A2-4EF4-86AC-1369E0CE8FED}" type="datetimeFigureOut">
               <a:rPr lang="ru-RU" smtClean="0"/>
-              <a:t>02.12.2021</a:t>
+              <a:t>06.12.2021</a:t>
             </a:fld>
             <a:endParaRPr lang="ru-RU"/>
           </a:p>
@@ -2387,7 +2388,7 @@
           <a:p>
             <a:fld id="{F7BFCE7A-43A2-4EF4-86AC-1369E0CE8FED}" type="datetimeFigureOut">
               <a:rPr lang="ru-RU" smtClean="0"/>
-              <a:t>02.12.2021</a:t>
+              <a:t>06.12.2021</a:t>
             </a:fld>
             <a:endParaRPr lang="ru-RU"/>
           </a:p>
@@ -2675,7 +2676,7 @@
           <a:p>
             <a:fld id="{F7BFCE7A-43A2-4EF4-86AC-1369E0CE8FED}" type="datetimeFigureOut">
               <a:rPr lang="ru-RU" smtClean="0"/>
-              <a:t>02.12.2021</a:t>
+              <a:t>06.12.2021</a:t>
             </a:fld>
             <a:endParaRPr lang="ru-RU"/>
           </a:p>
@@ -2916,7 +2917,7 @@
           <a:p>
             <a:fld id="{F7BFCE7A-43A2-4EF4-86AC-1369E0CE8FED}" type="datetimeFigureOut">
               <a:rPr lang="ru-RU" smtClean="0"/>
-              <a:t>02.12.2021</a:t>
+              <a:t>06.12.2021</a:t>
             </a:fld>
             <a:endParaRPr lang="ru-RU"/>
           </a:p>
@@ -3493,12 +3494,12 @@
         </p:spPr>
         <p:txBody>
           <a:bodyPr>
-            <a:normAutofit fontScale="90000"/>
+            <a:noAutofit/>
           </a:bodyPr>
           <a:lstStyle/>
           <a:p>
             <a:r>
-              <a:rPr lang="ru-RU" dirty="0"/>
+              <a:rPr lang="ru-RU" sz="4800" b="1" dirty="0"/>
               <a:t>О себе</a:t>
             </a:r>
           </a:p>
@@ -3743,20 +3744,22 @@
         </p:nvSpPr>
         <p:spPr/>
         <p:txBody>
-          <a:bodyPr/>
+          <a:bodyPr>
+            <a:normAutofit/>
+          </a:bodyPr>
           <a:lstStyle/>
           <a:p>
             <a:pPr algn="ctr"/>
             <a:r>
-              <a:rPr lang="ru-RU" dirty="0"/>
+              <a:rPr lang="ru-RU" sz="4800" b="1" dirty="0"/>
               <a:t>Мотивация стать </a:t>
             </a:r>
             <a:r>
-              <a:rPr lang="en-US" dirty="0"/>
+              <a:rPr lang="en-US" sz="4800" b="1" dirty="0"/>
               <a:t>Java </a:t>
             </a:r>
             <a:r>
-              <a:rPr lang="ru-RU" dirty="0"/>
+              <a:rPr lang="ru-RU" sz="4800" b="1" dirty="0"/>
               <a:t>разработчиком</a:t>
             </a:r>
           </a:p>
@@ -3909,12 +3912,13 @@
         </p:spPr>
         <p:txBody>
           <a:bodyPr>
-            <a:normAutofit fontScale="90000"/>
+            <a:noAutofit/>
           </a:bodyPr>
           <a:lstStyle/>
           <a:p>
-            <a:r>
-              <a:rPr lang="ru-RU" dirty="0"/>
+            <a:pPr algn="ctr"/>
+            <a:r>
+              <a:rPr lang="ru-RU" sz="4800" b="1" dirty="0"/>
               <a:t>Цели и задачи</a:t>
             </a:r>
           </a:p>
@@ -4006,9 +4010,12 @@
           <a:p>
             <a:r>
               <a:rPr lang="ru-RU" dirty="0"/>
-              <a:t>Разработать веб-интерфейс</a:t>
-            </a:r>
-            <a:endParaRPr lang="en-US" dirty="0"/>
+              <a:t>Разработать </a:t>
+            </a:r>
+            <a:r>
+              <a:rPr lang="en-US" dirty="0"/>
+              <a:t>frontend</a:t>
+            </a:r>
           </a:p>
           <a:p>
             <a:r>
@@ -4030,7 +4037,15 @@
             </a:pPr>
             <a:r>
               <a:rPr lang="ru-RU" dirty="0"/>
-              <a:t>Актуальность: в качестве учебного проекта разработка сайта является хорошим вариантом для получения практических навыков для разработки бэкенда веб-приложений на языке </a:t>
+              <a:t>Актуальность: в качестве учебного проекта разработка сайта является хорошим вариантом для получения практических навыков для разработки </a:t>
+            </a:r>
+            <a:r>
+              <a:rPr lang="en-US" dirty="0"/>
+              <a:t>backend</a:t>
+            </a:r>
+            <a:r>
+              <a:rPr lang="ru-RU" dirty="0"/>
+              <a:t> веб-приложений на языке </a:t>
             </a:r>
             <a:r>
               <a:rPr lang="en-US" dirty="0"/>
@@ -4038,11 +4053,11 @@
             </a:r>
             <a:r>
               <a:rPr lang="ru-RU" dirty="0"/>
-              <a:t>, а также его интеграции с БД и </a:t>
-            </a:r>
-            <a:r>
-              <a:rPr lang="ru-RU" dirty="0" err="1"/>
-              <a:t>фронтендом</a:t>
+              <a:t>, а также настройки его взаимодействия с БД и </a:t>
+            </a:r>
+            <a:r>
+              <a:rPr lang="en-US" dirty="0"/>
+              <a:t>frontend</a:t>
             </a:r>
             <a:r>
               <a:rPr lang="ru-RU" dirty="0"/>
@@ -4103,12 +4118,15 @@
         </p:nvSpPr>
         <p:spPr/>
         <p:txBody>
-          <a:bodyPr/>
-          <a:lstStyle/>
-          <a:p>
-            <a:r>
-              <a:rPr lang="ru-RU" dirty="0"/>
-              <a:t>Техническое задание</a:t>
+          <a:bodyPr>
+            <a:normAutofit/>
+          </a:bodyPr>
+          <a:lstStyle/>
+          <a:p>
+            <a:pPr algn="ctr"/>
+            <a:r>
+              <a:rPr lang="ru-RU" sz="4800" b="1" dirty="0"/>
+              <a:t>Функциональность приложения</a:t>
             </a:r>
           </a:p>
         </p:txBody>
@@ -4138,49 +4156,58 @@
           <a:p>
             <a:r>
               <a:rPr lang="ru-RU" dirty="0"/>
-              <a:t>Разработать систему регистрации и авторизации пользователей</a:t>
+              <a:t>Система регистрации и авторизации пользователей</a:t>
             </a:r>
           </a:p>
           <a:p>
             <a:r>
               <a:rPr lang="ru-RU" dirty="0"/>
-              <a:t>Разграничить права у пользователей</a:t>
+              <a:t>Разграничение прав у пользователей</a:t>
             </a:r>
           </a:p>
           <a:p>
             <a:r>
               <a:rPr lang="ru-RU" dirty="0"/>
-              <a:t>Разработать возможность редактирования карточки пользователя самим пользователем.</a:t>
+              <a:t>Возможность редактирования карточки пользователя самим пользователем</a:t>
             </a:r>
           </a:p>
           <a:p>
             <a:r>
               <a:rPr lang="ru-RU" dirty="0"/>
-              <a:t>Разработать меню с возможность добавления и удаления позиций</a:t>
+              <a:t>Меню с возможность добавления и удаления позиций администратором</a:t>
             </a:r>
           </a:p>
           <a:p>
             <a:r>
               <a:rPr lang="ru-RU" dirty="0"/>
-              <a:t>Разработать возможность добавления товаров в корзину из меню, в том числе реализовать подсчет количества добавленных товаров одинакового наименования</a:t>
+              <a:t>Возможность добавления товаров в корзину из меню</a:t>
             </a:r>
           </a:p>
           <a:p>
             <a:r>
               <a:rPr lang="ru-RU" dirty="0"/>
-              <a:t>Разработать в корзине подсчёт суммы заказа и возможность удаления товаров из корзины, а также отправку заказа</a:t>
+              <a:t>Подсчет количества добавленных товаров одинакового наименования</a:t>
             </a:r>
           </a:p>
           <a:p>
             <a:r>
               <a:rPr lang="ru-RU" dirty="0"/>
-              <a:t>Разработать сервис для преобразования отправленного заказа в формат </a:t>
+              <a:t>Подсчёт суммы заказа в корзине и возможность удаления товаров из корзины, а также отправку заказа</a:t>
+            </a:r>
+          </a:p>
+          <a:p>
+            <a:r>
+              <a:rPr lang="ru-RU" dirty="0"/>
+              <a:t>Преобразования отправленного заказа в формат </a:t>
             </a:r>
             <a:r>
               <a:rPr lang="en-US" dirty="0"/>
               <a:t>json</a:t>
             </a:r>
-            <a:endParaRPr lang="ru-RU" dirty="0"/>
+            <a:r>
+              <a:rPr lang="ru-RU" dirty="0"/>
+              <a:t> для дальнейшей обработки</a:t>
+            </a:r>
           </a:p>
           <a:p>
             <a:endParaRPr lang="ru-RU" dirty="0"/>
@@ -5125,10 +5152,83 @@
       </p:grpSpPr>
       <p:sp>
         <p:nvSpPr>
+          <p:cNvPr id="10" name="Прямоугольник: скругленные углы 9">
+            <a:extLst>
+              <a:ext uri="{FF2B5EF4-FFF2-40B4-BE49-F238E27FC236}">
+                <a16:creationId xmlns:a16="http://schemas.microsoft.com/office/drawing/2014/main" id="{53D0C1AF-9C0D-4D71-912B-DCFE78AF8220}"/>
+              </a:ext>
+            </a:extLst>
+          </p:cNvPr>
+          <p:cNvSpPr/>
+          <p:nvPr/>
+        </p:nvSpPr>
+        <p:spPr>
+          <a:xfrm>
+            <a:off x="93178" y="952903"/>
+            <a:ext cx="11916075" cy="2421991"/>
+          </a:xfrm>
+          <a:prstGeom prst="roundRect">
+            <a:avLst/>
+          </a:prstGeom>
+        </p:spPr>
+        <p:style>
+          <a:lnRef idx="2">
+            <a:schemeClr val="accent1">
+              <a:shade val="50000"/>
+            </a:schemeClr>
+          </a:lnRef>
+          <a:fillRef idx="1">
+            <a:schemeClr val="accent1"/>
+          </a:fillRef>
+          <a:effectRef idx="0">
+            <a:schemeClr val="accent1"/>
+          </a:effectRef>
+          <a:fontRef idx="minor">
+            <a:schemeClr val="lt1"/>
+          </a:fontRef>
+        </p:style>
+        <p:txBody>
+          <a:bodyPr rtlCol="0" anchor="ctr"/>
+          <a:lstStyle/>
+          <a:p>
+            <a:pPr algn="ctr"/>
+            <a:r>
+              <a:rPr lang="ru-RU" sz="2400" dirty="0"/>
+              <a:t>НАВИГАЦИЯ САЙТА</a:t>
+            </a:r>
+          </a:p>
+          <a:p>
+            <a:pPr algn="ctr"/>
+            <a:endParaRPr lang="ru-RU" dirty="0"/>
+          </a:p>
+          <a:p>
+            <a:pPr algn="ctr"/>
+            <a:endParaRPr lang="ru-RU" dirty="0"/>
+          </a:p>
+          <a:p>
+            <a:pPr algn="ctr"/>
+            <a:endParaRPr lang="ru-RU" dirty="0"/>
+          </a:p>
+          <a:p>
+            <a:pPr algn="ctr"/>
+            <a:endParaRPr lang="ru-RU" dirty="0"/>
+          </a:p>
+          <a:p>
+            <a:pPr algn="ctr"/>
+            <a:endParaRPr lang="ru-RU" dirty="0"/>
+          </a:p>
+          <a:p>
+            <a:pPr algn="ctr"/>
+            <a:endParaRPr lang="ru-RU" dirty="0"/>
+          </a:p>
+        </p:txBody>
+      </p:sp>
+      <p:sp>
+        <p:nvSpPr>
           <p:cNvPr id="2" name="Заголовок 1">
             <a:extLst>
               <a:ext uri="{FF2B5EF4-FFF2-40B4-BE49-F238E27FC236}">
-                <a16:creationId xmlns:a16="http://schemas.microsoft.com/office/drawing/2014/main" id="{3D557613-C8BF-43EB-A337-90AD9CEC660B}"/>
+                <a16:creationId xmlns:a16="http://schemas.microsoft.com/office/drawing/2014/main" id="{81049F0B-118E-4F5E-B745-C75C46A7AAF2}"/>
               </a:ext>
             </a:extLst>
           </p:cNvPr>
@@ -5141,8 +5241,8 @@
         </p:nvSpPr>
         <p:spPr>
           <a:xfrm>
-            <a:off x="838200" y="304708"/>
-            <a:ext cx="10515600" cy="578304"/>
+            <a:off x="838200" y="153132"/>
+            <a:ext cx="10515600" cy="669425"/>
           </a:xfrm>
         </p:spPr>
         <p:txBody>
@@ -5153,46 +5253,2166 @@
           <a:p>
             <a:pPr algn="ctr"/>
             <a:r>
-              <a:rPr lang="ru-RU" dirty="0"/>
-              <a:t>Структура базы данных</a:t>
-            </a:r>
-          </a:p>
-        </p:txBody>
-      </p:sp>
-      <p:pic>
-        <p:nvPicPr>
-          <p:cNvPr id="4" name="Рисунок 3">
-            <a:extLst>
-              <a:ext uri="{FF2B5EF4-FFF2-40B4-BE49-F238E27FC236}">
-                <a16:creationId xmlns:a16="http://schemas.microsoft.com/office/drawing/2014/main" id="{AD356876-487B-4748-AC7D-AF96E7A0E939}"/>
-              </a:ext>
-            </a:extLst>
-          </p:cNvPr>
-          <p:cNvPicPr>
-            <a:picLocks noChangeAspect="1"/>
-          </p:cNvPicPr>
+              <a:rPr lang="ru-RU" b="1" dirty="0"/>
+              <a:t>Структура сайта</a:t>
+            </a:r>
+          </a:p>
+        </p:txBody>
+      </p:sp>
+      <p:sp>
+        <p:nvSpPr>
+          <p:cNvPr id="5" name="TextBox 4">
+            <a:extLst>
+              <a:ext uri="{FF2B5EF4-FFF2-40B4-BE49-F238E27FC236}">
+                <a16:creationId xmlns:a16="http://schemas.microsoft.com/office/drawing/2014/main" id="{F0BEE4AB-4A2C-4F6B-992E-A301A15CCB1D}"/>
+              </a:ext>
+            </a:extLst>
+          </p:cNvPr>
+          <p:cNvSpPr txBox="1"/>
           <p:nvPr/>
-        </p:nvPicPr>
-        <p:blipFill>
-          <a:blip r:embed="rId2"/>
-          <a:stretch>
-            <a:fillRect/>
-          </a:stretch>
-        </p:blipFill>
-        <p:spPr>
-          <a:xfrm>
-            <a:off x="0" y="1078626"/>
-            <a:ext cx="12192000" cy="5410200"/>
+        </p:nvSpPr>
+        <p:spPr>
+          <a:xfrm>
+            <a:off x="411275" y="1570640"/>
+            <a:ext cx="1891862" cy="369332"/>
           </a:xfrm>
           <a:prstGeom prst="rect">
             <a:avLst/>
           </a:prstGeom>
-        </p:spPr>
-      </p:pic>
+          <a:solidFill>
+            <a:srgbClr val="FFC000"/>
+          </a:solidFill>
+          <a:ln>
+            <a:solidFill>
+              <a:schemeClr val="accent1"/>
+            </a:solidFill>
+          </a:ln>
+        </p:spPr>
+        <p:txBody>
+          <a:bodyPr wrap="square" rtlCol="0">
+            <a:spAutoFit/>
+          </a:bodyPr>
+          <a:lstStyle/>
+          <a:p>
+            <a:r>
+              <a:rPr lang="ru-RU" dirty="0"/>
+              <a:t>Главная страница</a:t>
+            </a:r>
+          </a:p>
+        </p:txBody>
+      </p:sp>
+      <p:sp>
+        <p:nvSpPr>
+          <p:cNvPr id="6" name="TextBox 5">
+            <a:extLst>
+              <a:ext uri="{FF2B5EF4-FFF2-40B4-BE49-F238E27FC236}">
+                <a16:creationId xmlns:a16="http://schemas.microsoft.com/office/drawing/2014/main" id="{2C46FF06-D0DD-4C05-8E19-204CFEF59650}"/>
+              </a:ext>
+            </a:extLst>
+          </p:cNvPr>
+          <p:cNvSpPr txBox="1"/>
+          <p:nvPr/>
+        </p:nvSpPr>
+        <p:spPr>
+          <a:xfrm>
+            <a:off x="2911304" y="1570640"/>
+            <a:ext cx="813831" cy="369332"/>
+          </a:xfrm>
+          <a:prstGeom prst="rect">
+            <a:avLst/>
+          </a:prstGeom>
+          <a:solidFill>
+            <a:srgbClr val="FFC000"/>
+          </a:solidFill>
+          <a:ln>
+            <a:solidFill>
+              <a:schemeClr val="accent1"/>
+            </a:solidFill>
+          </a:ln>
+        </p:spPr>
+        <p:txBody>
+          <a:bodyPr wrap="square" rtlCol="0">
+            <a:spAutoFit/>
+          </a:bodyPr>
+          <a:lstStyle/>
+          <a:p>
+            <a:r>
+              <a:rPr lang="ru-RU" dirty="0"/>
+              <a:t>Меню</a:t>
+            </a:r>
+          </a:p>
+        </p:txBody>
+      </p:sp>
+      <p:sp>
+        <p:nvSpPr>
+          <p:cNvPr id="7" name="TextBox 6">
+            <a:extLst>
+              <a:ext uri="{FF2B5EF4-FFF2-40B4-BE49-F238E27FC236}">
+                <a16:creationId xmlns:a16="http://schemas.microsoft.com/office/drawing/2014/main" id="{F575E3F4-7021-4AAE-B11B-E355AD771AE9}"/>
+              </a:ext>
+            </a:extLst>
+          </p:cNvPr>
+          <p:cNvSpPr txBox="1"/>
+          <p:nvPr/>
+        </p:nvSpPr>
+        <p:spPr>
+          <a:xfrm>
+            <a:off x="7164065" y="1566988"/>
+            <a:ext cx="1190821" cy="369332"/>
+          </a:xfrm>
+          <a:prstGeom prst="rect">
+            <a:avLst/>
+          </a:prstGeom>
+          <a:solidFill>
+            <a:srgbClr val="FFC000"/>
+          </a:solidFill>
+          <a:ln>
+            <a:solidFill>
+              <a:schemeClr val="accent1"/>
+            </a:solidFill>
+          </a:ln>
+        </p:spPr>
+        <p:txBody>
+          <a:bodyPr wrap="square" rtlCol="0">
+            <a:spAutoFit/>
+          </a:bodyPr>
+          <a:lstStyle/>
+          <a:p>
+            <a:r>
+              <a:rPr lang="ru-RU" dirty="0"/>
+              <a:t>Корзина</a:t>
+            </a:r>
+          </a:p>
+        </p:txBody>
+      </p:sp>
+      <p:sp>
+        <p:nvSpPr>
+          <p:cNvPr id="8" name="TextBox 7">
+            <a:extLst>
+              <a:ext uri="{FF2B5EF4-FFF2-40B4-BE49-F238E27FC236}">
+                <a16:creationId xmlns:a16="http://schemas.microsoft.com/office/drawing/2014/main" id="{8BAE03D2-58F9-43AD-B528-CE7E76D90C0A}"/>
+              </a:ext>
+            </a:extLst>
+          </p:cNvPr>
+          <p:cNvSpPr txBox="1"/>
+          <p:nvPr/>
+        </p:nvSpPr>
+        <p:spPr>
+          <a:xfrm>
+            <a:off x="4984421" y="1565182"/>
+            <a:ext cx="1603353" cy="369332"/>
+          </a:xfrm>
+          <a:prstGeom prst="rect">
+            <a:avLst/>
+          </a:prstGeom>
+          <a:solidFill>
+            <a:srgbClr val="FFC000"/>
+          </a:solidFill>
+          <a:ln>
+            <a:solidFill>
+              <a:schemeClr val="accent1"/>
+            </a:solidFill>
+          </a:ln>
+        </p:spPr>
+        <p:txBody>
+          <a:bodyPr wrap="square" rtlCol="0">
+            <a:spAutoFit/>
+          </a:bodyPr>
+          <a:lstStyle/>
+          <a:p>
+            <a:r>
+              <a:rPr lang="ru-RU" dirty="0"/>
+              <a:t>Пользователи</a:t>
+            </a:r>
+          </a:p>
+        </p:txBody>
+      </p:sp>
+      <p:sp>
+        <p:nvSpPr>
+          <p:cNvPr id="9" name="TextBox 8">
+            <a:extLst>
+              <a:ext uri="{FF2B5EF4-FFF2-40B4-BE49-F238E27FC236}">
+                <a16:creationId xmlns:a16="http://schemas.microsoft.com/office/drawing/2014/main" id="{1BE4864D-3637-4FE0-AC3F-D000DAE0980B}"/>
+              </a:ext>
+            </a:extLst>
+          </p:cNvPr>
+          <p:cNvSpPr txBox="1"/>
+          <p:nvPr/>
+        </p:nvSpPr>
+        <p:spPr>
+          <a:xfrm>
+            <a:off x="9137455" y="1119226"/>
+            <a:ext cx="2548233" cy="369332"/>
+          </a:xfrm>
+          <a:prstGeom prst="rect">
+            <a:avLst/>
+          </a:prstGeom>
+          <a:solidFill>
+            <a:srgbClr val="FFC000"/>
+          </a:solidFill>
+          <a:ln>
+            <a:solidFill>
+              <a:schemeClr val="accent1"/>
+            </a:solidFill>
+          </a:ln>
+        </p:spPr>
+        <p:txBody>
+          <a:bodyPr wrap="square" rtlCol="0">
+            <a:spAutoFit/>
+          </a:bodyPr>
+          <a:lstStyle/>
+          <a:p>
+            <a:r>
+              <a:rPr lang="ru-RU" dirty="0"/>
+              <a:t>Профиль пользователя</a:t>
+            </a:r>
+          </a:p>
+        </p:txBody>
+      </p:sp>
+      <p:sp>
+        <p:nvSpPr>
+          <p:cNvPr id="11" name="TextBox 10">
+            <a:extLst>
+              <a:ext uri="{FF2B5EF4-FFF2-40B4-BE49-F238E27FC236}">
+                <a16:creationId xmlns:a16="http://schemas.microsoft.com/office/drawing/2014/main" id="{8AC3743A-6C05-4562-99AE-4FBD6A7A5737}"/>
+              </a:ext>
+            </a:extLst>
+          </p:cNvPr>
+          <p:cNvSpPr txBox="1"/>
+          <p:nvPr/>
+        </p:nvSpPr>
+        <p:spPr>
+          <a:xfrm>
+            <a:off x="9175334" y="1755224"/>
+            <a:ext cx="2510354" cy="369332"/>
+          </a:xfrm>
+          <a:prstGeom prst="rect">
+            <a:avLst/>
+          </a:prstGeom>
+          <a:solidFill>
+            <a:srgbClr val="FFC000"/>
+          </a:solidFill>
+          <a:ln>
+            <a:solidFill>
+              <a:schemeClr val="accent1"/>
+            </a:solidFill>
+          </a:ln>
+        </p:spPr>
+        <p:txBody>
+          <a:bodyPr wrap="square" rtlCol="0">
+            <a:spAutoFit/>
+          </a:bodyPr>
+          <a:lstStyle/>
+          <a:p>
+            <a:r>
+              <a:rPr lang="ru-RU" dirty="0"/>
+              <a:t>Авторизация</a:t>
+            </a:r>
+          </a:p>
+        </p:txBody>
+      </p:sp>
+      <p:sp>
+        <p:nvSpPr>
+          <p:cNvPr id="12" name="TextBox 11">
+            <a:extLst>
+              <a:ext uri="{FF2B5EF4-FFF2-40B4-BE49-F238E27FC236}">
+                <a16:creationId xmlns:a16="http://schemas.microsoft.com/office/drawing/2014/main" id="{8F4A9FA5-99B3-4D9F-B37B-0EBCE462F929}"/>
+              </a:ext>
+            </a:extLst>
+          </p:cNvPr>
+          <p:cNvSpPr txBox="1"/>
+          <p:nvPr/>
+        </p:nvSpPr>
+        <p:spPr>
+          <a:xfrm>
+            <a:off x="9175336" y="2351355"/>
+            <a:ext cx="2548233" cy="369332"/>
+          </a:xfrm>
+          <a:prstGeom prst="rect">
+            <a:avLst/>
+          </a:prstGeom>
+          <a:solidFill>
+            <a:srgbClr val="FFC000"/>
+          </a:solidFill>
+          <a:ln>
+            <a:solidFill>
+              <a:schemeClr val="accent1"/>
+            </a:solidFill>
+          </a:ln>
+        </p:spPr>
+        <p:txBody>
+          <a:bodyPr wrap="square" rtlCol="0">
+            <a:spAutoFit/>
+          </a:bodyPr>
+          <a:lstStyle/>
+          <a:p>
+            <a:r>
+              <a:rPr lang="ru-RU" dirty="0"/>
+              <a:t>Регистрация</a:t>
+            </a:r>
+          </a:p>
+        </p:txBody>
+      </p:sp>
+      <p:sp>
+        <p:nvSpPr>
+          <p:cNvPr id="13" name="TextBox 12">
+            <a:extLst>
+              <a:ext uri="{FF2B5EF4-FFF2-40B4-BE49-F238E27FC236}">
+                <a16:creationId xmlns:a16="http://schemas.microsoft.com/office/drawing/2014/main" id="{9AE3E198-DC23-4175-8326-4CC0A904EE68}"/>
+              </a:ext>
+            </a:extLst>
+          </p:cNvPr>
+          <p:cNvSpPr txBox="1"/>
+          <p:nvPr/>
+        </p:nvSpPr>
+        <p:spPr>
+          <a:xfrm>
+            <a:off x="187915" y="3641560"/>
+            <a:ext cx="2120468" cy="369332"/>
+          </a:xfrm>
+          <a:prstGeom prst="rect">
+            <a:avLst/>
+          </a:prstGeom>
+          <a:noFill/>
+          <a:ln>
+            <a:noFill/>
+          </a:ln>
+        </p:spPr>
+        <p:txBody>
+          <a:bodyPr wrap="square" rtlCol="0">
+            <a:spAutoFit/>
+          </a:bodyPr>
+          <a:lstStyle/>
+          <a:p>
+            <a:r>
+              <a:rPr lang="ru-RU" dirty="0"/>
+              <a:t>Название магазина</a:t>
+            </a:r>
+          </a:p>
+        </p:txBody>
+      </p:sp>
+      <p:sp>
+        <p:nvSpPr>
+          <p:cNvPr id="14" name="TextBox 13">
+            <a:extLst>
+              <a:ext uri="{FF2B5EF4-FFF2-40B4-BE49-F238E27FC236}">
+                <a16:creationId xmlns:a16="http://schemas.microsoft.com/office/drawing/2014/main" id="{9DC13F17-7F84-4BEB-9C0F-5A08E38E7757}"/>
+              </a:ext>
+            </a:extLst>
+          </p:cNvPr>
+          <p:cNvSpPr txBox="1"/>
+          <p:nvPr/>
+        </p:nvSpPr>
+        <p:spPr>
+          <a:xfrm>
+            <a:off x="156165" y="4338270"/>
+            <a:ext cx="2661481" cy="369332"/>
+          </a:xfrm>
+          <a:prstGeom prst="rect">
+            <a:avLst/>
+          </a:prstGeom>
+          <a:noFill/>
+          <a:ln>
+            <a:noFill/>
+          </a:ln>
+        </p:spPr>
+        <p:txBody>
+          <a:bodyPr wrap="square" rtlCol="0">
+            <a:spAutoFit/>
+          </a:bodyPr>
+          <a:lstStyle/>
+          <a:p>
+            <a:r>
+              <a:rPr lang="ru-RU" dirty="0"/>
+              <a:t>Сгенерированный </a:t>
+            </a:r>
+            <a:r>
+              <a:rPr lang="en-US" dirty="0"/>
+              <a:t>UUID</a:t>
+            </a:r>
+            <a:endParaRPr lang="ru-RU" dirty="0"/>
+          </a:p>
+        </p:txBody>
+      </p:sp>
+      <p:sp>
+        <p:nvSpPr>
+          <p:cNvPr id="15" name="TextBox 14">
+            <a:extLst>
+              <a:ext uri="{FF2B5EF4-FFF2-40B4-BE49-F238E27FC236}">
+                <a16:creationId xmlns:a16="http://schemas.microsoft.com/office/drawing/2014/main" id="{12A80998-8203-4EFB-9468-B7E43B19E000}"/>
+              </a:ext>
+            </a:extLst>
+          </p:cNvPr>
+          <p:cNvSpPr txBox="1"/>
+          <p:nvPr/>
+        </p:nvSpPr>
+        <p:spPr>
+          <a:xfrm>
+            <a:off x="2911304" y="3651988"/>
+            <a:ext cx="813831" cy="369332"/>
+          </a:xfrm>
+          <a:prstGeom prst="rect">
+            <a:avLst/>
+          </a:prstGeom>
+          <a:solidFill>
+            <a:schemeClr val="bg1"/>
+          </a:solidFill>
+          <a:ln>
+            <a:noFill/>
+          </a:ln>
+        </p:spPr>
+        <p:txBody>
+          <a:bodyPr wrap="square" rtlCol="0">
+            <a:spAutoFit/>
+          </a:bodyPr>
+          <a:lstStyle/>
+          <a:p>
+            <a:r>
+              <a:rPr lang="ru-RU" dirty="0"/>
+              <a:t>Меню</a:t>
+            </a:r>
+          </a:p>
+        </p:txBody>
+      </p:sp>
+      <p:sp>
+        <p:nvSpPr>
+          <p:cNvPr id="16" name="TextBox 15">
+            <a:extLst>
+              <a:ext uri="{FF2B5EF4-FFF2-40B4-BE49-F238E27FC236}">
+                <a16:creationId xmlns:a16="http://schemas.microsoft.com/office/drawing/2014/main" id="{8125B9C8-4CF3-4EBB-B81F-77FE03501EAF}"/>
+              </a:ext>
+            </a:extLst>
+          </p:cNvPr>
+          <p:cNvSpPr txBox="1"/>
+          <p:nvPr/>
+        </p:nvSpPr>
+        <p:spPr>
+          <a:xfrm>
+            <a:off x="2717381" y="4500381"/>
+            <a:ext cx="1875192" cy="646331"/>
+          </a:xfrm>
+          <a:prstGeom prst="rect">
+            <a:avLst/>
+          </a:prstGeom>
+          <a:solidFill>
+            <a:srgbClr val="FFC000"/>
+          </a:solidFill>
+          <a:ln>
+            <a:solidFill>
+              <a:schemeClr val="tx1"/>
+            </a:solidFill>
+          </a:ln>
+        </p:spPr>
+        <p:txBody>
+          <a:bodyPr wrap="square" rtlCol="0">
+            <a:spAutoFit/>
+          </a:bodyPr>
+          <a:lstStyle/>
+          <a:p>
+            <a:r>
+              <a:rPr lang="ru-RU" dirty="0"/>
+              <a:t>Добавление продукта в меню</a:t>
+            </a:r>
+          </a:p>
+        </p:txBody>
+      </p:sp>
+      <p:sp>
+        <p:nvSpPr>
+          <p:cNvPr id="17" name="TextBox 16">
+            <a:extLst>
+              <a:ext uri="{FF2B5EF4-FFF2-40B4-BE49-F238E27FC236}">
+                <a16:creationId xmlns:a16="http://schemas.microsoft.com/office/drawing/2014/main" id="{34621E4A-35AF-4DB6-8647-E499DE4C0F21}"/>
+              </a:ext>
+            </a:extLst>
+          </p:cNvPr>
+          <p:cNvSpPr txBox="1"/>
+          <p:nvPr/>
+        </p:nvSpPr>
+        <p:spPr>
+          <a:xfrm>
+            <a:off x="4744876" y="3373176"/>
+            <a:ext cx="1732119" cy="646331"/>
+          </a:xfrm>
+          <a:prstGeom prst="rect">
+            <a:avLst/>
+          </a:prstGeom>
+          <a:noFill/>
+          <a:ln>
+            <a:noFill/>
+          </a:ln>
+        </p:spPr>
+        <p:txBody>
+          <a:bodyPr wrap="square" rtlCol="0">
+            <a:spAutoFit/>
+          </a:bodyPr>
+          <a:lstStyle/>
+          <a:p>
+            <a:r>
+              <a:rPr lang="ru-RU" dirty="0"/>
+              <a:t>Список пользователей</a:t>
+            </a:r>
+          </a:p>
+        </p:txBody>
+      </p:sp>
+      <p:sp>
+        <p:nvSpPr>
+          <p:cNvPr id="18" name="TextBox 17">
+            <a:extLst>
+              <a:ext uri="{FF2B5EF4-FFF2-40B4-BE49-F238E27FC236}">
+                <a16:creationId xmlns:a16="http://schemas.microsoft.com/office/drawing/2014/main" id="{935961D0-3478-40E1-A883-9542DF53FB5A}"/>
+              </a:ext>
+            </a:extLst>
+          </p:cNvPr>
+          <p:cNvSpPr txBox="1"/>
+          <p:nvPr/>
+        </p:nvSpPr>
+        <p:spPr>
+          <a:xfrm>
+            <a:off x="4749407" y="4425102"/>
+            <a:ext cx="1732119" cy="1200329"/>
+          </a:xfrm>
+          <a:prstGeom prst="rect">
+            <a:avLst/>
+          </a:prstGeom>
+          <a:solidFill>
+            <a:srgbClr val="FFC000"/>
+          </a:solidFill>
+          <a:ln>
+            <a:solidFill>
+              <a:schemeClr val="accent1"/>
+            </a:solidFill>
+          </a:ln>
+        </p:spPr>
+        <p:txBody>
+          <a:bodyPr wrap="square" rtlCol="0">
+            <a:spAutoFit/>
+          </a:bodyPr>
+          <a:lstStyle/>
+          <a:p>
+            <a:r>
+              <a:rPr lang="ru-RU" dirty="0"/>
+              <a:t>Страница регистрации</a:t>
+            </a:r>
+          </a:p>
+          <a:p>
+            <a:r>
+              <a:rPr lang="ru-RU" dirty="0"/>
+              <a:t>нового пользователя</a:t>
+            </a:r>
+          </a:p>
+        </p:txBody>
+      </p:sp>
+      <p:sp>
+        <p:nvSpPr>
+          <p:cNvPr id="19" name="TextBox 18">
+            <a:extLst>
+              <a:ext uri="{FF2B5EF4-FFF2-40B4-BE49-F238E27FC236}">
+                <a16:creationId xmlns:a16="http://schemas.microsoft.com/office/drawing/2014/main" id="{32B31AEC-CAEA-4239-BCBA-F529503C06BC}"/>
+              </a:ext>
+            </a:extLst>
+          </p:cNvPr>
+          <p:cNvSpPr txBox="1"/>
+          <p:nvPr/>
+        </p:nvSpPr>
+        <p:spPr>
+          <a:xfrm>
+            <a:off x="6929878" y="4323696"/>
+            <a:ext cx="1797012" cy="369332"/>
+          </a:xfrm>
+          <a:prstGeom prst="rect">
+            <a:avLst/>
+          </a:prstGeom>
+          <a:noFill/>
+          <a:ln>
+            <a:noFill/>
+          </a:ln>
+        </p:spPr>
+        <p:txBody>
+          <a:bodyPr wrap="square" rtlCol="0">
+            <a:spAutoFit/>
+          </a:bodyPr>
+          <a:lstStyle/>
+          <a:p>
+            <a:r>
+              <a:rPr lang="ru-RU" dirty="0"/>
+              <a:t>Общая сумма</a:t>
+            </a:r>
+          </a:p>
+        </p:txBody>
+      </p:sp>
+      <p:sp>
+        <p:nvSpPr>
+          <p:cNvPr id="20" name="TextBox 19">
+            <a:extLst>
+              <a:ext uri="{FF2B5EF4-FFF2-40B4-BE49-F238E27FC236}">
+                <a16:creationId xmlns:a16="http://schemas.microsoft.com/office/drawing/2014/main" id="{0A193970-4CDF-4368-B274-17C74FCE4D08}"/>
+              </a:ext>
+            </a:extLst>
+          </p:cNvPr>
+          <p:cNvSpPr txBox="1"/>
+          <p:nvPr/>
+        </p:nvSpPr>
+        <p:spPr>
+          <a:xfrm>
+            <a:off x="6958157" y="5017969"/>
+            <a:ext cx="1732119" cy="646331"/>
+          </a:xfrm>
+          <a:prstGeom prst="rect">
+            <a:avLst/>
+          </a:prstGeom>
+          <a:noFill/>
+          <a:ln>
+            <a:noFill/>
+          </a:ln>
+        </p:spPr>
+        <p:txBody>
+          <a:bodyPr wrap="square" rtlCol="0">
+            <a:spAutoFit/>
+          </a:bodyPr>
+          <a:lstStyle/>
+          <a:p>
+            <a:r>
+              <a:rPr lang="ru-RU" dirty="0"/>
+              <a:t>Список товаров в корзине</a:t>
+            </a:r>
+          </a:p>
+        </p:txBody>
+      </p:sp>
+      <p:sp>
+        <p:nvSpPr>
+          <p:cNvPr id="21" name="TextBox 20">
+            <a:extLst>
+              <a:ext uri="{FF2B5EF4-FFF2-40B4-BE49-F238E27FC236}">
+                <a16:creationId xmlns:a16="http://schemas.microsoft.com/office/drawing/2014/main" id="{D12084CA-6B56-4549-AADC-2FFEC7F0E9A1}"/>
+              </a:ext>
+            </a:extLst>
+          </p:cNvPr>
+          <p:cNvSpPr txBox="1"/>
+          <p:nvPr/>
+        </p:nvSpPr>
+        <p:spPr>
+          <a:xfrm>
+            <a:off x="6968378" y="6273500"/>
+            <a:ext cx="1797012" cy="369332"/>
+          </a:xfrm>
+          <a:prstGeom prst="rect">
+            <a:avLst/>
+          </a:prstGeom>
+          <a:solidFill>
+            <a:schemeClr val="accent4"/>
+          </a:solidFill>
+          <a:ln>
+            <a:solidFill>
+              <a:schemeClr val="tx1"/>
+            </a:solidFill>
+          </a:ln>
+        </p:spPr>
+        <p:txBody>
+          <a:bodyPr wrap="square" rtlCol="0">
+            <a:spAutoFit/>
+          </a:bodyPr>
+          <a:lstStyle/>
+          <a:p>
+            <a:r>
+              <a:rPr lang="ru-RU" dirty="0"/>
+              <a:t>Отправка заказа</a:t>
+            </a:r>
+          </a:p>
+        </p:txBody>
+      </p:sp>
+      <p:sp>
+        <p:nvSpPr>
+          <p:cNvPr id="22" name="TextBox 21">
+            <a:extLst>
+              <a:ext uri="{FF2B5EF4-FFF2-40B4-BE49-F238E27FC236}">
+                <a16:creationId xmlns:a16="http://schemas.microsoft.com/office/drawing/2014/main" id="{81E52960-D364-417E-9CDE-AF071E04312C}"/>
+              </a:ext>
+            </a:extLst>
+          </p:cNvPr>
+          <p:cNvSpPr txBox="1"/>
+          <p:nvPr/>
+        </p:nvSpPr>
+        <p:spPr>
+          <a:xfrm>
+            <a:off x="9175336" y="2887010"/>
+            <a:ext cx="2548233" cy="369332"/>
+          </a:xfrm>
+          <a:prstGeom prst="rect">
+            <a:avLst/>
+          </a:prstGeom>
+          <a:solidFill>
+            <a:srgbClr val="FFC000"/>
+          </a:solidFill>
+          <a:ln>
+            <a:solidFill>
+              <a:schemeClr val="accent1"/>
+            </a:solidFill>
+          </a:ln>
+        </p:spPr>
+        <p:txBody>
+          <a:bodyPr wrap="square" rtlCol="0">
+            <a:spAutoFit/>
+          </a:bodyPr>
+          <a:lstStyle/>
+          <a:p>
+            <a:r>
+              <a:rPr lang="ru-RU" dirty="0"/>
+              <a:t>Выход</a:t>
+            </a:r>
+          </a:p>
+        </p:txBody>
+      </p:sp>
+      <p:sp>
+        <p:nvSpPr>
+          <p:cNvPr id="23" name="TextBox 22">
+            <a:extLst>
+              <a:ext uri="{FF2B5EF4-FFF2-40B4-BE49-F238E27FC236}">
+                <a16:creationId xmlns:a16="http://schemas.microsoft.com/office/drawing/2014/main" id="{06DC653C-2DFB-46E5-B042-15151C72406D}"/>
+              </a:ext>
+            </a:extLst>
+          </p:cNvPr>
+          <p:cNvSpPr txBox="1"/>
+          <p:nvPr/>
+        </p:nvSpPr>
+        <p:spPr>
+          <a:xfrm>
+            <a:off x="9064831" y="3641560"/>
+            <a:ext cx="2548233" cy="369332"/>
+          </a:xfrm>
+          <a:prstGeom prst="rect">
+            <a:avLst/>
+          </a:prstGeom>
+          <a:noFill/>
+          <a:ln>
+            <a:noFill/>
+          </a:ln>
+        </p:spPr>
+        <p:txBody>
+          <a:bodyPr wrap="square" rtlCol="0">
+            <a:spAutoFit/>
+          </a:bodyPr>
+          <a:lstStyle/>
+          <a:p>
+            <a:r>
+              <a:rPr lang="ru-RU" dirty="0"/>
+              <a:t>Профиль пользователя</a:t>
+            </a:r>
+          </a:p>
+        </p:txBody>
+      </p:sp>
+      <p:sp>
+        <p:nvSpPr>
+          <p:cNvPr id="24" name="TextBox 23">
+            <a:extLst>
+              <a:ext uri="{FF2B5EF4-FFF2-40B4-BE49-F238E27FC236}">
+                <a16:creationId xmlns:a16="http://schemas.microsoft.com/office/drawing/2014/main" id="{592624C8-4403-4FC9-8C7B-ECB2BC0F09B2}"/>
+              </a:ext>
+            </a:extLst>
+          </p:cNvPr>
+          <p:cNvSpPr txBox="1"/>
+          <p:nvPr/>
+        </p:nvSpPr>
+        <p:spPr>
+          <a:xfrm>
+            <a:off x="5190879" y="6131139"/>
+            <a:ext cx="1370390" cy="369332"/>
+          </a:xfrm>
+          <a:prstGeom prst="rect">
+            <a:avLst/>
+          </a:prstGeom>
+          <a:solidFill>
+            <a:schemeClr val="accent4"/>
+          </a:solidFill>
+          <a:ln>
+            <a:solidFill>
+              <a:schemeClr val="tx1"/>
+            </a:solidFill>
+          </a:ln>
+        </p:spPr>
+        <p:txBody>
+          <a:bodyPr wrap="square" rtlCol="0">
+            <a:spAutoFit/>
+          </a:bodyPr>
+          <a:lstStyle/>
+          <a:p>
+            <a:r>
+              <a:rPr lang="ru-RU" dirty="0"/>
+              <a:t>Сохранение</a:t>
+            </a:r>
+          </a:p>
+        </p:txBody>
+      </p:sp>
+      <p:sp>
+        <p:nvSpPr>
+          <p:cNvPr id="25" name="TextBox 24">
+            <a:extLst>
+              <a:ext uri="{FF2B5EF4-FFF2-40B4-BE49-F238E27FC236}">
+                <a16:creationId xmlns:a16="http://schemas.microsoft.com/office/drawing/2014/main" id="{D374C45C-CBC4-4043-A938-CE0C7A3971F6}"/>
+              </a:ext>
+            </a:extLst>
+          </p:cNvPr>
+          <p:cNvSpPr txBox="1"/>
+          <p:nvPr/>
+        </p:nvSpPr>
+        <p:spPr>
+          <a:xfrm>
+            <a:off x="9399418" y="4760408"/>
+            <a:ext cx="2548233" cy="369332"/>
+          </a:xfrm>
+          <a:prstGeom prst="rect">
+            <a:avLst/>
+          </a:prstGeom>
+          <a:noFill/>
+          <a:ln>
+            <a:noFill/>
+          </a:ln>
+        </p:spPr>
+        <p:txBody>
+          <a:bodyPr wrap="square" rtlCol="0">
+            <a:spAutoFit/>
+          </a:bodyPr>
+          <a:lstStyle/>
+          <a:p>
+            <a:r>
+              <a:rPr lang="ru-RU" dirty="0"/>
+              <a:t>Форма авторизации</a:t>
+            </a:r>
+          </a:p>
+        </p:txBody>
+      </p:sp>
+      <p:sp>
+        <p:nvSpPr>
+          <p:cNvPr id="26" name="TextBox 25">
+            <a:extLst>
+              <a:ext uri="{FF2B5EF4-FFF2-40B4-BE49-F238E27FC236}">
+                <a16:creationId xmlns:a16="http://schemas.microsoft.com/office/drawing/2014/main" id="{2F093D25-7741-4B92-9C5D-128A54A31875}"/>
+              </a:ext>
+            </a:extLst>
+          </p:cNvPr>
+          <p:cNvSpPr txBox="1"/>
+          <p:nvPr/>
+        </p:nvSpPr>
+        <p:spPr>
+          <a:xfrm>
+            <a:off x="9361745" y="5115978"/>
+            <a:ext cx="950782" cy="369332"/>
+          </a:xfrm>
+          <a:prstGeom prst="rect">
+            <a:avLst/>
+          </a:prstGeom>
+          <a:solidFill>
+            <a:srgbClr val="FFC000"/>
+          </a:solidFill>
+          <a:ln>
+            <a:solidFill>
+              <a:schemeClr val="tx1"/>
+            </a:solidFill>
+          </a:ln>
+        </p:spPr>
+        <p:txBody>
+          <a:bodyPr wrap="square" rtlCol="0">
+            <a:spAutoFit/>
+          </a:bodyPr>
+          <a:lstStyle/>
+          <a:p>
+            <a:r>
+              <a:rPr lang="ru-RU" dirty="0"/>
+              <a:t>Вход</a:t>
+            </a:r>
+          </a:p>
+        </p:txBody>
+      </p:sp>
+      <p:cxnSp>
+        <p:nvCxnSpPr>
+          <p:cNvPr id="30" name="Соединитель: уступ 29">
+            <a:extLst>
+              <a:ext uri="{FF2B5EF4-FFF2-40B4-BE49-F238E27FC236}">
+                <a16:creationId xmlns:a16="http://schemas.microsoft.com/office/drawing/2014/main" id="{B1121A89-0C02-4D1E-AB8E-C7581138CF37}"/>
+              </a:ext>
+            </a:extLst>
+          </p:cNvPr>
+          <p:cNvCxnSpPr>
+            <a:cxnSpLocks/>
+          </p:cNvCxnSpPr>
+          <p:nvPr/>
+        </p:nvCxnSpPr>
+        <p:spPr>
+          <a:xfrm rot="10800000" flipV="1">
+            <a:off x="213477" y="1755305"/>
+            <a:ext cx="211569" cy="2228139"/>
+          </a:xfrm>
+          <a:prstGeom prst="bentConnector2">
+            <a:avLst/>
+          </a:prstGeom>
+          <a:ln w="25400">
+            <a:solidFill>
+              <a:schemeClr val="tx1"/>
+            </a:solidFill>
+          </a:ln>
+        </p:spPr>
+        <p:style>
+          <a:lnRef idx="1">
+            <a:schemeClr val="accent1"/>
+          </a:lnRef>
+          <a:fillRef idx="0">
+            <a:schemeClr val="accent1"/>
+          </a:fillRef>
+          <a:effectRef idx="0">
+            <a:schemeClr val="accent1"/>
+          </a:effectRef>
+          <a:fontRef idx="minor">
+            <a:schemeClr val="tx1"/>
+          </a:fontRef>
+        </p:style>
+      </p:cxnSp>
+      <p:cxnSp>
+        <p:nvCxnSpPr>
+          <p:cNvPr id="35" name="Прямая соединительная линия 34">
+            <a:extLst>
+              <a:ext uri="{FF2B5EF4-FFF2-40B4-BE49-F238E27FC236}">
+                <a16:creationId xmlns:a16="http://schemas.microsoft.com/office/drawing/2014/main" id="{07948E44-FDEA-4F12-A64B-654EC7438A06}"/>
+              </a:ext>
+            </a:extLst>
+          </p:cNvPr>
+          <p:cNvCxnSpPr/>
+          <p:nvPr/>
+        </p:nvCxnSpPr>
+        <p:spPr>
+          <a:xfrm>
+            <a:off x="213478" y="3974908"/>
+            <a:ext cx="0" cy="705995"/>
+          </a:xfrm>
+          <a:prstGeom prst="line">
+            <a:avLst/>
+          </a:prstGeom>
+          <a:ln w="25400">
+            <a:solidFill>
+              <a:schemeClr val="tx1"/>
+            </a:solidFill>
+          </a:ln>
+        </p:spPr>
+        <p:style>
+          <a:lnRef idx="1">
+            <a:schemeClr val="accent1"/>
+          </a:lnRef>
+          <a:fillRef idx="0">
+            <a:schemeClr val="accent1"/>
+          </a:fillRef>
+          <a:effectRef idx="0">
+            <a:schemeClr val="accent1"/>
+          </a:effectRef>
+          <a:fontRef idx="minor">
+            <a:schemeClr val="tx1"/>
+          </a:fontRef>
+        </p:style>
+      </p:cxnSp>
+      <p:cxnSp>
+        <p:nvCxnSpPr>
+          <p:cNvPr id="36" name="Прямая соединительная линия 35">
+            <a:extLst>
+              <a:ext uri="{FF2B5EF4-FFF2-40B4-BE49-F238E27FC236}">
+                <a16:creationId xmlns:a16="http://schemas.microsoft.com/office/drawing/2014/main" id="{6225097C-6EC9-4FB0-A649-706C13278505}"/>
+              </a:ext>
+            </a:extLst>
+          </p:cNvPr>
+          <p:cNvCxnSpPr>
+            <a:cxnSpLocks/>
+          </p:cNvCxnSpPr>
+          <p:nvPr/>
+        </p:nvCxnSpPr>
+        <p:spPr>
+          <a:xfrm>
+            <a:off x="200776" y="4680903"/>
+            <a:ext cx="2364624" cy="0"/>
+          </a:xfrm>
+          <a:prstGeom prst="line">
+            <a:avLst/>
+          </a:prstGeom>
+          <a:ln w="25400">
+            <a:solidFill>
+              <a:schemeClr val="tx1"/>
+            </a:solidFill>
+          </a:ln>
+        </p:spPr>
+        <p:style>
+          <a:lnRef idx="1">
+            <a:schemeClr val="accent1"/>
+          </a:lnRef>
+          <a:fillRef idx="0">
+            <a:schemeClr val="accent1"/>
+          </a:fillRef>
+          <a:effectRef idx="0">
+            <a:schemeClr val="accent1"/>
+          </a:effectRef>
+          <a:fontRef idx="minor">
+            <a:schemeClr val="tx1"/>
+          </a:fontRef>
+        </p:style>
+      </p:cxnSp>
+      <p:cxnSp>
+        <p:nvCxnSpPr>
+          <p:cNvPr id="40" name="Прямая соединительная линия 39">
+            <a:extLst>
+              <a:ext uri="{FF2B5EF4-FFF2-40B4-BE49-F238E27FC236}">
+                <a16:creationId xmlns:a16="http://schemas.microsoft.com/office/drawing/2014/main" id="{37D2608B-629D-431E-AD1D-91D464A39CBA}"/>
+              </a:ext>
+            </a:extLst>
+          </p:cNvPr>
+          <p:cNvCxnSpPr>
+            <a:cxnSpLocks/>
+          </p:cNvCxnSpPr>
+          <p:nvPr/>
+        </p:nvCxnSpPr>
+        <p:spPr>
+          <a:xfrm>
+            <a:off x="213476" y="3974908"/>
+            <a:ext cx="2056647" cy="0"/>
+          </a:xfrm>
+          <a:prstGeom prst="line">
+            <a:avLst/>
+          </a:prstGeom>
+          <a:ln w="25400">
+            <a:solidFill>
+              <a:schemeClr val="tx1"/>
+            </a:solidFill>
+          </a:ln>
+        </p:spPr>
+        <p:style>
+          <a:lnRef idx="1">
+            <a:schemeClr val="accent1"/>
+          </a:lnRef>
+          <a:fillRef idx="0">
+            <a:schemeClr val="accent1"/>
+          </a:fillRef>
+          <a:effectRef idx="0">
+            <a:schemeClr val="accent1"/>
+          </a:effectRef>
+          <a:fontRef idx="minor">
+            <a:schemeClr val="tx1"/>
+          </a:fontRef>
+        </p:style>
+      </p:cxnSp>
+      <p:cxnSp>
+        <p:nvCxnSpPr>
+          <p:cNvPr id="46" name="Соединитель: уступ 45">
+            <a:extLst>
+              <a:ext uri="{FF2B5EF4-FFF2-40B4-BE49-F238E27FC236}">
+                <a16:creationId xmlns:a16="http://schemas.microsoft.com/office/drawing/2014/main" id="{FB7D48F8-6C28-437D-8E9D-3125EC26238F}"/>
+              </a:ext>
+            </a:extLst>
+          </p:cNvPr>
+          <p:cNvCxnSpPr>
+            <a:cxnSpLocks/>
+          </p:cNvCxnSpPr>
+          <p:nvPr/>
+        </p:nvCxnSpPr>
+        <p:spPr>
+          <a:xfrm rot="10800000" flipV="1">
+            <a:off x="2703664" y="1729825"/>
+            <a:ext cx="211569" cy="2228139"/>
+          </a:xfrm>
+          <a:prstGeom prst="bentConnector2">
+            <a:avLst/>
+          </a:prstGeom>
+          <a:ln w="25400">
+            <a:solidFill>
+              <a:schemeClr val="tx1"/>
+            </a:solidFill>
+          </a:ln>
+        </p:spPr>
+        <p:style>
+          <a:lnRef idx="1">
+            <a:schemeClr val="accent1"/>
+          </a:lnRef>
+          <a:fillRef idx="0">
+            <a:schemeClr val="accent1"/>
+          </a:fillRef>
+          <a:effectRef idx="0">
+            <a:schemeClr val="accent1"/>
+          </a:effectRef>
+          <a:fontRef idx="minor">
+            <a:schemeClr val="tx1"/>
+          </a:fontRef>
+        </p:style>
+      </p:cxnSp>
+      <p:cxnSp>
+        <p:nvCxnSpPr>
+          <p:cNvPr id="47" name="Прямая соединительная линия 46">
+            <a:extLst>
+              <a:ext uri="{FF2B5EF4-FFF2-40B4-BE49-F238E27FC236}">
+                <a16:creationId xmlns:a16="http://schemas.microsoft.com/office/drawing/2014/main" id="{D5431125-34DA-4377-8027-51C687A1E73F}"/>
+              </a:ext>
+            </a:extLst>
+          </p:cNvPr>
+          <p:cNvCxnSpPr>
+            <a:cxnSpLocks/>
+          </p:cNvCxnSpPr>
+          <p:nvPr/>
+        </p:nvCxnSpPr>
+        <p:spPr>
+          <a:xfrm>
+            <a:off x="2696409" y="3986231"/>
+            <a:ext cx="1285874" cy="0"/>
+          </a:xfrm>
+          <a:prstGeom prst="line">
+            <a:avLst/>
+          </a:prstGeom>
+          <a:ln w="25400">
+            <a:solidFill>
+              <a:schemeClr val="tx1"/>
+            </a:solidFill>
+          </a:ln>
+        </p:spPr>
+        <p:style>
+          <a:lnRef idx="1">
+            <a:schemeClr val="accent1"/>
+          </a:lnRef>
+          <a:fillRef idx="0">
+            <a:schemeClr val="accent1"/>
+          </a:fillRef>
+          <a:effectRef idx="0">
+            <a:schemeClr val="accent1"/>
+          </a:effectRef>
+          <a:fontRef idx="minor">
+            <a:schemeClr val="tx1"/>
+          </a:fontRef>
+        </p:style>
+      </p:cxnSp>
+      <p:cxnSp>
+        <p:nvCxnSpPr>
+          <p:cNvPr id="51" name="Прямая соединительная линия 50">
+            <a:extLst>
+              <a:ext uri="{FF2B5EF4-FFF2-40B4-BE49-F238E27FC236}">
+                <a16:creationId xmlns:a16="http://schemas.microsoft.com/office/drawing/2014/main" id="{31CCB876-3CA9-480A-ACEC-77955DCCF522}"/>
+              </a:ext>
+            </a:extLst>
+          </p:cNvPr>
+          <p:cNvCxnSpPr>
+            <a:cxnSpLocks/>
+          </p:cNvCxnSpPr>
+          <p:nvPr/>
+        </p:nvCxnSpPr>
+        <p:spPr>
+          <a:xfrm>
+            <a:off x="2703663" y="3914711"/>
+            <a:ext cx="0" cy="792891"/>
+          </a:xfrm>
+          <a:prstGeom prst="line">
+            <a:avLst/>
+          </a:prstGeom>
+          <a:ln w="25400">
+            <a:solidFill>
+              <a:schemeClr val="tx1"/>
+            </a:solidFill>
+          </a:ln>
+        </p:spPr>
+        <p:style>
+          <a:lnRef idx="1">
+            <a:schemeClr val="accent1"/>
+          </a:lnRef>
+          <a:fillRef idx="0">
+            <a:schemeClr val="accent1"/>
+          </a:fillRef>
+          <a:effectRef idx="0">
+            <a:schemeClr val="accent1"/>
+          </a:effectRef>
+          <a:fontRef idx="minor">
+            <a:schemeClr val="tx1"/>
+          </a:fontRef>
+        </p:style>
+      </p:cxnSp>
+      <p:cxnSp>
+        <p:nvCxnSpPr>
+          <p:cNvPr id="53" name="Прямая соединительная линия 52">
+            <a:extLst>
+              <a:ext uri="{FF2B5EF4-FFF2-40B4-BE49-F238E27FC236}">
+                <a16:creationId xmlns:a16="http://schemas.microsoft.com/office/drawing/2014/main" id="{CD413242-3D59-49C3-BCE2-6F806F28E75C}"/>
+              </a:ext>
+            </a:extLst>
+          </p:cNvPr>
+          <p:cNvCxnSpPr>
+            <a:cxnSpLocks/>
+          </p:cNvCxnSpPr>
+          <p:nvPr/>
+        </p:nvCxnSpPr>
+        <p:spPr>
+          <a:xfrm>
+            <a:off x="2698788" y="5138963"/>
+            <a:ext cx="1893785" cy="2608"/>
+          </a:xfrm>
+          <a:prstGeom prst="line">
+            <a:avLst/>
+          </a:prstGeom>
+          <a:ln w="25400">
+            <a:solidFill>
+              <a:schemeClr val="tx1"/>
+            </a:solidFill>
+          </a:ln>
+        </p:spPr>
+        <p:style>
+          <a:lnRef idx="1">
+            <a:schemeClr val="accent1"/>
+          </a:lnRef>
+          <a:fillRef idx="0">
+            <a:schemeClr val="accent1"/>
+          </a:fillRef>
+          <a:effectRef idx="0">
+            <a:schemeClr val="accent1"/>
+          </a:effectRef>
+          <a:fontRef idx="minor">
+            <a:schemeClr val="tx1"/>
+          </a:fontRef>
+        </p:style>
+      </p:cxnSp>
+      <p:cxnSp>
+        <p:nvCxnSpPr>
+          <p:cNvPr id="58" name="Соединитель: уступ 57">
+            <a:extLst>
+              <a:ext uri="{FF2B5EF4-FFF2-40B4-BE49-F238E27FC236}">
+                <a16:creationId xmlns:a16="http://schemas.microsoft.com/office/drawing/2014/main" id="{3E877C57-2F71-4D2D-AC8C-6DBFD0FE5095}"/>
+              </a:ext>
+            </a:extLst>
+          </p:cNvPr>
+          <p:cNvCxnSpPr>
+            <a:cxnSpLocks/>
+            <a:endCxn id="18" idx="1"/>
+          </p:cNvCxnSpPr>
+          <p:nvPr/>
+        </p:nvCxnSpPr>
+        <p:spPr>
+          <a:xfrm rot="5400000">
+            <a:off x="3224445" y="3274810"/>
+            <a:ext cx="3275419" cy="225494"/>
+          </a:xfrm>
+          <a:prstGeom prst="bentConnector4">
+            <a:avLst>
+              <a:gd name="adj1" fmla="val -303"/>
+              <a:gd name="adj2" fmla="val 94663"/>
+            </a:avLst>
+          </a:prstGeom>
+          <a:ln w="25400">
+            <a:solidFill>
+              <a:schemeClr val="tx1"/>
+            </a:solidFill>
+          </a:ln>
+        </p:spPr>
+        <p:style>
+          <a:lnRef idx="1">
+            <a:schemeClr val="accent1"/>
+          </a:lnRef>
+          <a:fillRef idx="0">
+            <a:schemeClr val="accent1"/>
+          </a:fillRef>
+          <a:effectRef idx="0">
+            <a:schemeClr val="accent1"/>
+          </a:effectRef>
+          <a:fontRef idx="minor">
+            <a:schemeClr val="tx1"/>
+          </a:fontRef>
+        </p:style>
+      </p:cxnSp>
+      <p:cxnSp>
+        <p:nvCxnSpPr>
+          <p:cNvPr id="59" name="Прямая соединительная линия 58">
+            <a:extLst>
+              <a:ext uri="{FF2B5EF4-FFF2-40B4-BE49-F238E27FC236}">
+                <a16:creationId xmlns:a16="http://schemas.microsoft.com/office/drawing/2014/main" id="{402089D7-5DC2-4163-B850-4AFB3D881F5E}"/>
+              </a:ext>
+            </a:extLst>
+          </p:cNvPr>
+          <p:cNvCxnSpPr>
+            <a:cxnSpLocks/>
+          </p:cNvCxnSpPr>
+          <p:nvPr/>
+        </p:nvCxnSpPr>
+        <p:spPr>
+          <a:xfrm>
+            <a:off x="4744576" y="3967509"/>
+            <a:ext cx="1732419" cy="0"/>
+          </a:xfrm>
+          <a:prstGeom prst="line">
+            <a:avLst/>
+          </a:prstGeom>
+          <a:ln w="25400">
+            <a:solidFill>
+              <a:schemeClr val="tx1"/>
+            </a:solidFill>
+          </a:ln>
+        </p:spPr>
+        <p:style>
+          <a:lnRef idx="1">
+            <a:schemeClr val="accent1"/>
+          </a:lnRef>
+          <a:fillRef idx="0">
+            <a:schemeClr val="accent1"/>
+          </a:fillRef>
+          <a:effectRef idx="0">
+            <a:schemeClr val="accent1"/>
+          </a:effectRef>
+          <a:fontRef idx="minor">
+            <a:schemeClr val="tx1"/>
+          </a:fontRef>
+        </p:style>
+      </p:cxnSp>
+      <p:cxnSp>
+        <p:nvCxnSpPr>
+          <p:cNvPr id="66" name="Соединитель: уступ 65">
+            <a:extLst>
+              <a:ext uri="{FF2B5EF4-FFF2-40B4-BE49-F238E27FC236}">
+                <a16:creationId xmlns:a16="http://schemas.microsoft.com/office/drawing/2014/main" id="{C2372C08-DE3E-4FD6-BA9A-EE87DAB97E40}"/>
+              </a:ext>
+            </a:extLst>
+          </p:cNvPr>
+          <p:cNvCxnSpPr>
+            <a:cxnSpLocks/>
+          </p:cNvCxnSpPr>
+          <p:nvPr/>
+        </p:nvCxnSpPr>
+        <p:spPr>
+          <a:xfrm rot="5400000">
+            <a:off x="4600813" y="4104114"/>
+            <a:ext cx="4904695" cy="190005"/>
+          </a:xfrm>
+          <a:prstGeom prst="bentConnector3">
+            <a:avLst>
+              <a:gd name="adj1" fmla="val -43"/>
+            </a:avLst>
+          </a:prstGeom>
+          <a:ln w="25400">
+            <a:solidFill>
+              <a:schemeClr val="tx1"/>
+            </a:solidFill>
+          </a:ln>
+        </p:spPr>
+        <p:style>
+          <a:lnRef idx="1">
+            <a:schemeClr val="accent1"/>
+          </a:lnRef>
+          <a:fillRef idx="0">
+            <a:schemeClr val="accent1"/>
+          </a:fillRef>
+          <a:effectRef idx="0">
+            <a:schemeClr val="accent1"/>
+          </a:effectRef>
+          <a:fontRef idx="minor">
+            <a:schemeClr val="tx1"/>
+          </a:fontRef>
+        </p:style>
+      </p:cxnSp>
+      <p:sp>
+        <p:nvSpPr>
+          <p:cNvPr id="67" name="TextBox 66">
+            <a:extLst>
+              <a:ext uri="{FF2B5EF4-FFF2-40B4-BE49-F238E27FC236}">
+                <a16:creationId xmlns:a16="http://schemas.microsoft.com/office/drawing/2014/main" id="{E37DE06E-E178-4520-B85B-9B5CDE816D69}"/>
+              </a:ext>
+            </a:extLst>
+          </p:cNvPr>
+          <p:cNvSpPr txBox="1"/>
+          <p:nvPr/>
+        </p:nvSpPr>
+        <p:spPr>
+          <a:xfrm>
+            <a:off x="6934143" y="3598177"/>
+            <a:ext cx="2120468" cy="369332"/>
+          </a:xfrm>
+          <a:prstGeom prst="rect">
+            <a:avLst/>
+          </a:prstGeom>
+          <a:noFill/>
+          <a:ln>
+            <a:noFill/>
+          </a:ln>
+        </p:spPr>
+        <p:txBody>
+          <a:bodyPr wrap="square" rtlCol="0">
+            <a:spAutoFit/>
+          </a:bodyPr>
+          <a:lstStyle/>
+          <a:p>
+            <a:r>
+              <a:rPr lang="ru-RU" dirty="0"/>
+              <a:t>Название корзины</a:t>
+            </a:r>
+          </a:p>
+        </p:txBody>
+      </p:sp>
+      <p:cxnSp>
+        <p:nvCxnSpPr>
+          <p:cNvPr id="69" name="Прямая соединительная линия 68">
+            <a:extLst>
+              <a:ext uri="{FF2B5EF4-FFF2-40B4-BE49-F238E27FC236}">
+                <a16:creationId xmlns:a16="http://schemas.microsoft.com/office/drawing/2014/main" id="{7D60854E-5422-49E8-91EE-54760E88DAF7}"/>
+              </a:ext>
+            </a:extLst>
+          </p:cNvPr>
+          <p:cNvCxnSpPr>
+            <a:cxnSpLocks/>
+          </p:cNvCxnSpPr>
+          <p:nvPr/>
+        </p:nvCxnSpPr>
+        <p:spPr>
+          <a:xfrm>
+            <a:off x="6968378" y="3974908"/>
+            <a:ext cx="1886864" cy="0"/>
+          </a:xfrm>
+          <a:prstGeom prst="line">
+            <a:avLst/>
+          </a:prstGeom>
+          <a:ln w="25400">
+            <a:solidFill>
+              <a:schemeClr val="tx1"/>
+            </a:solidFill>
+          </a:ln>
+        </p:spPr>
+        <p:style>
+          <a:lnRef idx="1">
+            <a:schemeClr val="accent1"/>
+          </a:lnRef>
+          <a:fillRef idx="0">
+            <a:schemeClr val="accent1"/>
+          </a:fillRef>
+          <a:effectRef idx="0">
+            <a:schemeClr val="accent1"/>
+          </a:effectRef>
+          <a:fontRef idx="minor">
+            <a:schemeClr val="tx1"/>
+          </a:fontRef>
+        </p:style>
+      </p:cxnSp>
+      <p:cxnSp>
+        <p:nvCxnSpPr>
+          <p:cNvPr id="70" name="Прямая соединительная линия 69">
+            <a:extLst>
+              <a:ext uri="{FF2B5EF4-FFF2-40B4-BE49-F238E27FC236}">
+                <a16:creationId xmlns:a16="http://schemas.microsoft.com/office/drawing/2014/main" id="{7C9C7767-5BEA-45B2-9587-23C9075BCE49}"/>
+              </a:ext>
+            </a:extLst>
+          </p:cNvPr>
+          <p:cNvCxnSpPr>
+            <a:cxnSpLocks/>
+          </p:cNvCxnSpPr>
+          <p:nvPr/>
+        </p:nvCxnSpPr>
+        <p:spPr>
+          <a:xfrm>
+            <a:off x="6958753" y="4705348"/>
+            <a:ext cx="1797012" cy="0"/>
+          </a:xfrm>
+          <a:prstGeom prst="line">
+            <a:avLst/>
+          </a:prstGeom>
+          <a:ln w="25400">
+            <a:solidFill>
+              <a:schemeClr val="tx1"/>
+            </a:solidFill>
+          </a:ln>
+        </p:spPr>
+        <p:style>
+          <a:lnRef idx="1">
+            <a:schemeClr val="accent1"/>
+          </a:lnRef>
+          <a:fillRef idx="0">
+            <a:schemeClr val="accent1"/>
+          </a:fillRef>
+          <a:effectRef idx="0">
+            <a:schemeClr val="accent1"/>
+          </a:effectRef>
+          <a:fontRef idx="minor">
+            <a:schemeClr val="tx1"/>
+          </a:fontRef>
+        </p:style>
+      </p:cxnSp>
+      <p:cxnSp>
+        <p:nvCxnSpPr>
+          <p:cNvPr id="71" name="Прямая соединительная линия 70">
+            <a:extLst>
+              <a:ext uri="{FF2B5EF4-FFF2-40B4-BE49-F238E27FC236}">
+                <a16:creationId xmlns:a16="http://schemas.microsoft.com/office/drawing/2014/main" id="{3AFE17DD-2BE2-4215-800E-C74C5DCAE095}"/>
+              </a:ext>
+            </a:extLst>
+          </p:cNvPr>
+          <p:cNvCxnSpPr>
+            <a:cxnSpLocks/>
+          </p:cNvCxnSpPr>
+          <p:nvPr/>
+        </p:nvCxnSpPr>
+        <p:spPr>
+          <a:xfrm>
+            <a:off x="6954585" y="5667871"/>
+            <a:ext cx="1797012" cy="0"/>
+          </a:xfrm>
+          <a:prstGeom prst="line">
+            <a:avLst/>
+          </a:prstGeom>
+          <a:ln w="25400">
+            <a:solidFill>
+              <a:schemeClr val="tx1"/>
+            </a:solidFill>
+          </a:ln>
+        </p:spPr>
+        <p:style>
+          <a:lnRef idx="1">
+            <a:schemeClr val="accent1"/>
+          </a:lnRef>
+          <a:fillRef idx="0">
+            <a:schemeClr val="accent1"/>
+          </a:fillRef>
+          <a:effectRef idx="0">
+            <a:schemeClr val="accent1"/>
+          </a:effectRef>
+          <a:fontRef idx="minor">
+            <a:schemeClr val="tx1"/>
+          </a:fontRef>
+        </p:style>
+      </p:cxnSp>
+      <p:cxnSp>
+        <p:nvCxnSpPr>
+          <p:cNvPr id="72" name="Прямая соединительная линия 71">
+            <a:extLst>
+              <a:ext uri="{FF2B5EF4-FFF2-40B4-BE49-F238E27FC236}">
+                <a16:creationId xmlns:a16="http://schemas.microsoft.com/office/drawing/2014/main" id="{0EBDF97E-8E62-4233-BFF6-A548D20BF1C6}"/>
+              </a:ext>
+            </a:extLst>
+          </p:cNvPr>
+          <p:cNvCxnSpPr>
+            <a:cxnSpLocks/>
+          </p:cNvCxnSpPr>
+          <p:nvPr/>
+        </p:nvCxnSpPr>
+        <p:spPr>
+          <a:xfrm>
+            <a:off x="6958157" y="6639143"/>
+            <a:ext cx="1797012" cy="0"/>
+          </a:xfrm>
+          <a:prstGeom prst="line">
+            <a:avLst/>
+          </a:prstGeom>
+          <a:ln w="25400">
+            <a:solidFill>
+              <a:schemeClr val="tx1"/>
+            </a:solidFill>
+          </a:ln>
+        </p:spPr>
+        <p:style>
+          <a:lnRef idx="1">
+            <a:schemeClr val="accent1"/>
+          </a:lnRef>
+          <a:fillRef idx="0">
+            <a:schemeClr val="accent1"/>
+          </a:fillRef>
+          <a:effectRef idx="0">
+            <a:schemeClr val="accent1"/>
+          </a:effectRef>
+          <a:fontRef idx="minor">
+            <a:schemeClr val="tx1"/>
+          </a:fontRef>
+        </p:style>
+      </p:cxnSp>
+      <p:sp>
+        <p:nvSpPr>
+          <p:cNvPr id="77" name="TextBox 76">
+            <a:extLst>
+              <a:ext uri="{FF2B5EF4-FFF2-40B4-BE49-F238E27FC236}">
+                <a16:creationId xmlns:a16="http://schemas.microsoft.com/office/drawing/2014/main" id="{C4F1A119-0099-4445-B138-EBB75F83CE77}"/>
+              </a:ext>
+            </a:extLst>
+          </p:cNvPr>
+          <p:cNvSpPr txBox="1"/>
+          <p:nvPr/>
+        </p:nvSpPr>
+        <p:spPr>
+          <a:xfrm>
+            <a:off x="5073736" y="3967605"/>
+            <a:ext cx="1406832" cy="369332"/>
+          </a:xfrm>
+          <a:prstGeom prst="rect">
+            <a:avLst/>
+          </a:prstGeom>
+          <a:solidFill>
+            <a:schemeClr val="accent4"/>
+          </a:solidFill>
+          <a:ln>
+            <a:solidFill>
+              <a:schemeClr val="tx1"/>
+            </a:solidFill>
+          </a:ln>
+        </p:spPr>
+        <p:txBody>
+          <a:bodyPr wrap="square" rtlCol="0">
+            <a:spAutoFit/>
+          </a:bodyPr>
+          <a:lstStyle/>
+          <a:p>
+            <a:r>
+              <a:rPr lang="ru-RU" dirty="0"/>
+              <a:t>Удаление</a:t>
+            </a:r>
+          </a:p>
+        </p:txBody>
+      </p:sp>
+      <p:sp>
+        <p:nvSpPr>
+          <p:cNvPr id="78" name="TextBox 77">
+            <a:extLst>
+              <a:ext uri="{FF2B5EF4-FFF2-40B4-BE49-F238E27FC236}">
+                <a16:creationId xmlns:a16="http://schemas.microsoft.com/office/drawing/2014/main" id="{8308BE7E-393B-4F38-9C89-D09278884A92}"/>
+              </a:ext>
+            </a:extLst>
+          </p:cNvPr>
+          <p:cNvSpPr txBox="1"/>
+          <p:nvPr/>
+        </p:nvSpPr>
+        <p:spPr>
+          <a:xfrm>
+            <a:off x="7344765" y="5671443"/>
+            <a:ext cx="1406832" cy="369332"/>
+          </a:xfrm>
+          <a:prstGeom prst="rect">
+            <a:avLst/>
+          </a:prstGeom>
+          <a:solidFill>
+            <a:schemeClr val="accent4"/>
+          </a:solidFill>
+          <a:ln>
+            <a:solidFill>
+              <a:schemeClr val="tx1"/>
+            </a:solidFill>
+          </a:ln>
+        </p:spPr>
+        <p:txBody>
+          <a:bodyPr wrap="square" rtlCol="0">
+            <a:spAutoFit/>
+          </a:bodyPr>
+          <a:lstStyle/>
+          <a:p>
+            <a:r>
+              <a:rPr lang="ru-RU" dirty="0"/>
+              <a:t>Удаление</a:t>
+            </a:r>
+          </a:p>
+        </p:txBody>
+      </p:sp>
+      <p:cxnSp>
+        <p:nvCxnSpPr>
+          <p:cNvPr id="79" name="Прямая соединительная линия 78">
+            <a:extLst>
+              <a:ext uri="{FF2B5EF4-FFF2-40B4-BE49-F238E27FC236}">
+                <a16:creationId xmlns:a16="http://schemas.microsoft.com/office/drawing/2014/main" id="{621566E1-3258-4FE4-AF87-2AFCB01B1CCF}"/>
+              </a:ext>
+            </a:extLst>
+          </p:cNvPr>
+          <p:cNvCxnSpPr>
+            <a:cxnSpLocks/>
+          </p:cNvCxnSpPr>
+          <p:nvPr/>
+        </p:nvCxnSpPr>
+        <p:spPr>
+          <a:xfrm>
+            <a:off x="6805060" y="2542347"/>
+            <a:ext cx="2370274" cy="0"/>
+          </a:xfrm>
+          <a:prstGeom prst="line">
+            <a:avLst/>
+          </a:prstGeom>
+          <a:ln w="25400">
+            <a:solidFill>
+              <a:srgbClr val="FF0000"/>
+            </a:solidFill>
+            <a:prstDash val="dash"/>
+          </a:ln>
+        </p:spPr>
+        <p:style>
+          <a:lnRef idx="1">
+            <a:schemeClr val="accent1"/>
+          </a:lnRef>
+          <a:fillRef idx="0">
+            <a:schemeClr val="accent1"/>
+          </a:fillRef>
+          <a:effectRef idx="0">
+            <a:schemeClr val="accent1"/>
+          </a:effectRef>
+          <a:fontRef idx="minor">
+            <a:schemeClr val="tx1"/>
+          </a:fontRef>
+        </p:style>
+      </p:cxnSp>
+      <p:cxnSp>
+        <p:nvCxnSpPr>
+          <p:cNvPr id="81" name="Прямая соединительная линия 80">
+            <a:extLst>
+              <a:ext uri="{FF2B5EF4-FFF2-40B4-BE49-F238E27FC236}">
+                <a16:creationId xmlns:a16="http://schemas.microsoft.com/office/drawing/2014/main" id="{0202D0EA-DF74-4E3A-8029-71860D1CD8C5}"/>
+              </a:ext>
+            </a:extLst>
+          </p:cNvPr>
+          <p:cNvCxnSpPr>
+            <a:cxnSpLocks/>
+          </p:cNvCxnSpPr>
+          <p:nvPr/>
+        </p:nvCxnSpPr>
+        <p:spPr>
+          <a:xfrm flipV="1">
+            <a:off x="6805060" y="2559426"/>
+            <a:ext cx="0" cy="2356885"/>
+          </a:xfrm>
+          <a:prstGeom prst="line">
+            <a:avLst/>
+          </a:prstGeom>
+          <a:ln w="25400">
+            <a:solidFill>
+              <a:srgbClr val="FF0000"/>
+            </a:solidFill>
+            <a:prstDash val="dash"/>
+          </a:ln>
+        </p:spPr>
+        <p:style>
+          <a:lnRef idx="1">
+            <a:schemeClr val="accent1"/>
+          </a:lnRef>
+          <a:fillRef idx="0">
+            <a:schemeClr val="accent1"/>
+          </a:fillRef>
+          <a:effectRef idx="0">
+            <a:schemeClr val="accent1"/>
+          </a:effectRef>
+          <a:fontRef idx="minor">
+            <a:schemeClr val="tx1"/>
+          </a:fontRef>
+        </p:style>
+      </p:cxnSp>
+      <p:cxnSp>
+        <p:nvCxnSpPr>
+          <p:cNvPr id="84" name="Прямая соединительная линия 83">
+            <a:extLst>
+              <a:ext uri="{FF2B5EF4-FFF2-40B4-BE49-F238E27FC236}">
+                <a16:creationId xmlns:a16="http://schemas.microsoft.com/office/drawing/2014/main" id="{3E24471D-62EB-4FD7-A8FC-A17E9D61420F}"/>
+              </a:ext>
+            </a:extLst>
+          </p:cNvPr>
+          <p:cNvCxnSpPr>
+            <a:cxnSpLocks/>
+          </p:cNvCxnSpPr>
+          <p:nvPr/>
+        </p:nvCxnSpPr>
+        <p:spPr>
+          <a:xfrm>
+            <a:off x="6476995" y="4916311"/>
+            <a:ext cx="328065" cy="0"/>
+          </a:xfrm>
+          <a:prstGeom prst="line">
+            <a:avLst/>
+          </a:prstGeom>
+          <a:ln w="25400">
+            <a:solidFill>
+              <a:srgbClr val="FF0000"/>
+            </a:solidFill>
+            <a:prstDash val="dash"/>
+          </a:ln>
+        </p:spPr>
+        <p:style>
+          <a:lnRef idx="1">
+            <a:schemeClr val="accent1"/>
+          </a:lnRef>
+          <a:fillRef idx="0">
+            <a:schemeClr val="accent1"/>
+          </a:fillRef>
+          <a:effectRef idx="0">
+            <a:schemeClr val="accent1"/>
+          </a:effectRef>
+          <a:fontRef idx="minor">
+            <a:schemeClr val="tx1"/>
+          </a:fontRef>
+        </p:style>
+      </p:cxnSp>
+      <p:cxnSp>
+        <p:nvCxnSpPr>
+          <p:cNvPr id="86" name="Соединитель: уступ 85">
+            <a:extLst>
+              <a:ext uri="{FF2B5EF4-FFF2-40B4-BE49-F238E27FC236}">
+                <a16:creationId xmlns:a16="http://schemas.microsoft.com/office/drawing/2014/main" id="{D6BF0286-C4AA-4DF7-9A89-D1B7D7E8B187}"/>
+              </a:ext>
+            </a:extLst>
+          </p:cNvPr>
+          <p:cNvCxnSpPr>
+            <a:cxnSpLocks/>
+            <a:stCxn id="9" idx="1"/>
+          </p:cNvCxnSpPr>
+          <p:nvPr/>
+        </p:nvCxnSpPr>
+        <p:spPr>
+          <a:xfrm rot="10800000" flipV="1">
+            <a:off x="9016779" y="1303891"/>
+            <a:ext cx="120676" cy="2670715"/>
+          </a:xfrm>
+          <a:prstGeom prst="bentConnector2">
+            <a:avLst/>
+          </a:prstGeom>
+          <a:ln w="25400">
+            <a:solidFill>
+              <a:schemeClr val="tx1"/>
+            </a:solidFill>
+          </a:ln>
+        </p:spPr>
+        <p:style>
+          <a:lnRef idx="1">
+            <a:schemeClr val="accent1"/>
+          </a:lnRef>
+          <a:fillRef idx="0">
+            <a:schemeClr val="accent1"/>
+          </a:fillRef>
+          <a:effectRef idx="0">
+            <a:schemeClr val="accent1"/>
+          </a:effectRef>
+          <a:fontRef idx="minor">
+            <a:schemeClr val="tx1"/>
+          </a:fontRef>
+        </p:style>
+      </p:cxnSp>
+      <p:cxnSp>
+        <p:nvCxnSpPr>
+          <p:cNvPr id="91" name="Прямая соединительная линия 90">
+            <a:extLst>
+              <a:ext uri="{FF2B5EF4-FFF2-40B4-BE49-F238E27FC236}">
+                <a16:creationId xmlns:a16="http://schemas.microsoft.com/office/drawing/2014/main" id="{56D8CE76-6F81-4ED4-AC45-EA8CC50B2F2A}"/>
+              </a:ext>
+            </a:extLst>
+          </p:cNvPr>
+          <p:cNvCxnSpPr>
+            <a:cxnSpLocks/>
+          </p:cNvCxnSpPr>
+          <p:nvPr/>
+        </p:nvCxnSpPr>
+        <p:spPr>
+          <a:xfrm>
+            <a:off x="9016779" y="3974908"/>
+            <a:ext cx="2460846" cy="0"/>
+          </a:xfrm>
+          <a:prstGeom prst="line">
+            <a:avLst/>
+          </a:prstGeom>
+          <a:ln w="25400">
+            <a:solidFill>
+              <a:schemeClr val="tx1"/>
+            </a:solidFill>
+          </a:ln>
+        </p:spPr>
+        <p:style>
+          <a:lnRef idx="1">
+            <a:schemeClr val="accent1"/>
+          </a:lnRef>
+          <a:fillRef idx="0">
+            <a:schemeClr val="accent1"/>
+          </a:fillRef>
+          <a:effectRef idx="0">
+            <a:schemeClr val="accent1"/>
+          </a:effectRef>
+          <a:fontRef idx="minor">
+            <a:schemeClr val="tx1"/>
+          </a:fontRef>
+        </p:style>
+      </p:cxnSp>
+      <p:sp>
+        <p:nvSpPr>
+          <p:cNvPr id="95" name="TextBox 94">
+            <a:extLst>
+              <a:ext uri="{FF2B5EF4-FFF2-40B4-BE49-F238E27FC236}">
+                <a16:creationId xmlns:a16="http://schemas.microsoft.com/office/drawing/2014/main" id="{A082C6ED-E5B5-4D3B-A4A7-825C03C4CD0F}"/>
+              </a:ext>
+            </a:extLst>
+          </p:cNvPr>
+          <p:cNvSpPr txBox="1"/>
+          <p:nvPr/>
+        </p:nvSpPr>
+        <p:spPr>
+          <a:xfrm>
+            <a:off x="4484527" y="5792287"/>
+            <a:ext cx="2548233" cy="369332"/>
+          </a:xfrm>
+          <a:prstGeom prst="rect">
+            <a:avLst/>
+          </a:prstGeom>
+          <a:noFill/>
+          <a:ln>
+            <a:noFill/>
+          </a:ln>
+        </p:spPr>
+        <p:txBody>
+          <a:bodyPr wrap="square" rtlCol="0">
+            <a:spAutoFit/>
+          </a:bodyPr>
+          <a:lstStyle/>
+          <a:p>
+            <a:r>
+              <a:rPr lang="ru-RU" dirty="0"/>
+              <a:t>Форма регистрации</a:t>
+            </a:r>
+          </a:p>
+        </p:txBody>
+      </p:sp>
+      <p:cxnSp>
+        <p:nvCxnSpPr>
+          <p:cNvPr id="102" name="Прямая соединительная линия 101">
+            <a:extLst>
+              <a:ext uri="{FF2B5EF4-FFF2-40B4-BE49-F238E27FC236}">
+                <a16:creationId xmlns:a16="http://schemas.microsoft.com/office/drawing/2014/main" id="{075EE523-47CE-4E09-911D-44FE48C673BC}"/>
+              </a:ext>
+            </a:extLst>
+          </p:cNvPr>
+          <p:cNvCxnSpPr>
+            <a:cxnSpLocks/>
+          </p:cNvCxnSpPr>
+          <p:nvPr/>
+        </p:nvCxnSpPr>
+        <p:spPr>
+          <a:xfrm>
+            <a:off x="4536012" y="6143095"/>
+            <a:ext cx="2051762" cy="0"/>
+          </a:xfrm>
+          <a:prstGeom prst="line">
+            <a:avLst/>
+          </a:prstGeom>
+          <a:ln w="25400">
+            <a:solidFill>
+              <a:schemeClr val="tx1"/>
+            </a:solidFill>
+          </a:ln>
+        </p:spPr>
+        <p:style>
+          <a:lnRef idx="1">
+            <a:schemeClr val="accent1"/>
+          </a:lnRef>
+          <a:fillRef idx="0">
+            <a:schemeClr val="accent1"/>
+          </a:fillRef>
+          <a:effectRef idx="0">
+            <a:schemeClr val="accent1"/>
+          </a:effectRef>
+          <a:fontRef idx="minor">
+            <a:schemeClr val="tx1"/>
+          </a:fontRef>
+        </p:style>
+      </p:cxnSp>
+      <p:sp>
+        <p:nvSpPr>
+          <p:cNvPr id="103" name="TextBox 102">
+            <a:extLst>
+              <a:ext uri="{FF2B5EF4-FFF2-40B4-BE49-F238E27FC236}">
+                <a16:creationId xmlns:a16="http://schemas.microsoft.com/office/drawing/2014/main" id="{F02A3E6F-5A18-45DC-9B55-18A6DAC68B94}"/>
+              </a:ext>
+            </a:extLst>
+          </p:cNvPr>
+          <p:cNvSpPr txBox="1"/>
+          <p:nvPr/>
+        </p:nvSpPr>
+        <p:spPr>
+          <a:xfrm>
+            <a:off x="3077695" y="3985592"/>
+            <a:ext cx="1406832" cy="369332"/>
+          </a:xfrm>
+          <a:prstGeom prst="rect">
+            <a:avLst/>
+          </a:prstGeom>
+          <a:solidFill>
+            <a:schemeClr val="accent4"/>
+          </a:solidFill>
+          <a:ln>
+            <a:solidFill>
+              <a:schemeClr val="tx1"/>
+            </a:solidFill>
+          </a:ln>
+        </p:spPr>
+        <p:txBody>
+          <a:bodyPr wrap="square" rtlCol="0">
+            <a:spAutoFit/>
+          </a:bodyPr>
+          <a:lstStyle/>
+          <a:p>
+            <a:r>
+              <a:rPr lang="ru-RU" dirty="0"/>
+              <a:t>Удаление</a:t>
+            </a:r>
+          </a:p>
+        </p:txBody>
+      </p:sp>
+      <p:cxnSp>
+        <p:nvCxnSpPr>
+          <p:cNvPr id="105" name="Соединитель: уступ 104">
+            <a:extLst>
+              <a:ext uri="{FF2B5EF4-FFF2-40B4-BE49-F238E27FC236}">
+                <a16:creationId xmlns:a16="http://schemas.microsoft.com/office/drawing/2014/main" id="{6031F568-77B7-4111-86EF-DB1B17B1DCA4}"/>
+              </a:ext>
+            </a:extLst>
+          </p:cNvPr>
+          <p:cNvCxnSpPr>
+            <a:cxnSpLocks/>
+          </p:cNvCxnSpPr>
+          <p:nvPr/>
+        </p:nvCxnSpPr>
+        <p:spPr>
+          <a:xfrm rot="5400000">
+            <a:off x="4242885" y="5641406"/>
+            <a:ext cx="801963" cy="201418"/>
+          </a:xfrm>
+          <a:prstGeom prst="bentConnector3">
+            <a:avLst>
+              <a:gd name="adj1" fmla="val 1898"/>
+            </a:avLst>
+          </a:prstGeom>
+          <a:ln w="25400">
+            <a:solidFill>
+              <a:schemeClr val="tx1"/>
+            </a:solidFill>
+          </a:ln>
+        </p:spPr>
+        <p:style>
+          <a:lnRef idx="1">
+            <a:schemeClr val="accent1"/>
+          </a:lnRef>
+          <a:fillRef idx="0">
+            <a:schemeClr val="accent1"/>
+          </a:fillRef>
+          <a:effectRef idx="0">
+            <a:schemeClr val="accent1"/>
+          </a:effectRef>
+          <a:fontRef idx="minor">
+            <a:schemeClr val="tx1"/>
+          </a:fontRef>
+        </p:style>
+      </p:cxnSp>
+      <p:cxnSp>
+        <p:nvCxnSpPr>
+          <p:cNvPr id="113" name="Соединитель: уступ 112">
+            <a:extLst>
+              <a:ext uri="{FF2B5EF4-FFF2-40B4-BE49-F238E27FC236}">
+                <a16:creationId xmlns:a16="http://schemas.microsoft.com/office/drawing/2014/main" id="{79D5854A-8B18-4AF7-A4FF-71E4F4AD0E91}"/>
+              </a:ext>
+            </a:extLst>
+          </p:cNvPr>
+          <p:cNvCxnSpPr>
+            <a:cxnSpLocks/>
+            <a:stCxn id="11" idx="3"/>
+          </p:cNvCxnSpPr>
+          <p:nvPr/>
+        </p:nvCxnSpPr>
+        <p:spPr>
+          <a:xfrm>
+            <a:off x="11685688" y="1939890"/>
+            <a:ext cx="130982" cy="3176088"/>
+          </a:xfrm>
+          <a:prstGeom prst="bentConnector2">
+            <a:avLst/>
+          </a:prstGeom>
+          <a:ln w="25400">
+            <a:solidFill>
+              <a:schemeClr val="tx1"/>
+            </a:solidFill>
+          </a:ln>
+        </p:spPr>
+        <p:style>
+          <a:lnRef idx="1">
+            <a:schemeClr val="accent1"/>
+          </a:lnRef>
+          <a:fillRef idx="0">
+            <a:schemeClr val="accent1"/>
+          </a:fillRef>
+          <a:effectRef idx="0">
+            <a:schemeClr val="accent1"/>
+          </a:effectRef>
+          <a:fontRef idx="minor">
+            <a:schemeClr val="tx1"/>
+          </a:fontRef>
+        </p:style>
+      </p:cxnSp>
+      <p:cxnSp>
+        <p:nvCxnSpPr>
+          <p:cNvPr id="117" name="Прямая соединительная линия 116">
+            <a:extLst>
+              <a:ext uri="{FF2B5EF4-FFF2-40B4-BE49-F238E27FC236}">
+                <a16:creationId xmlns:a16="http://schemas.microsoft.com/office/drawing/2014/main" id="{B5213A73-DECC-41A8-931C-6E746AED1F76}"/>
+              </a:ext>
+            </a:extLst>
+          </p:cNvPr>
+          <p:cNvCxnSpPr>
+            <a:cxnSpLocks/>
+          </p:cNvCxnSpPr>
+          <p:nvPr/>
+        </p:nvCxnSpPr>
+        <p:spPr>
+          <a:xfrm>
+            <a:off x="9366038" y="5130041"/>
+            <a:ext cx="2460846" cy="0"/>
+          </a:xfrm>
+          <a:prstGeom prst="line">
+            <a:avLst/>
+          </a:prstGeom>
+          <a:ln w="25400">
+            <a:solidFill>
+              <a:schemeClr val="tx1"/>
+            </a:solidFill>
+          </a:ln>
+        </p:spPr>
+        <p:style>
+          <a:lnRef idx="1">
+            <a:schemeClr val="accent1"/>
+          </a:lnRef>
+          <a:fillRef idx="0">
+            <a:schemeClr val="accent1"/>
+          </a:fillRef>
+          <a:effectRef idx="0">
+            <a:schemeClr val="accent1"/>
+          </a:effectRef>
+          <a:fontRef idx="minor">
+            <a:schemeClr val="tx1"/>
+          </a:fontRef>
+        </p:style>
+      </p:cxnSp>
+      <p:sp>
+        <p:nvSpPr>
+          <p:cNvPr id="128" name="TextBox 127">
+            <a:extLst>
+              <a:ext uri="{FF2B5EF4-FFF2-40B4-BE49-F238E27FC236}">
+                <a16:creationId xmlns:a16="http://schemas.microsoft.com/office/drawing/2014/main" id="{F0AB8DDB-1872-4BE2-808B-23272BD05439}"/>
+              </a:ext>
+            </a:extLst>
+          </p:cNvPr>
+          <p:cNvSpPr txBox="1"/>
+          <p:nvPr/>
+        </p:nvSpPr>
+        <p:spPr>
+          <a:xfrm>
+            <a:off x="10106961" y="3974607"/>
+            <a:ext cx="1370390" cy="369332"/>
+          </a:xfrm>
+          <a:prstGeom prst="rect">
+            <a:avLst/>
+          </a:prstGeom>
+          <a:solidFill>
+            <a:schemeClr val="accent4"/>
+          </a:solidFill>
+          <a:ln>
+            <a:solidFill>
+              <a:schemeClr val="tx1"/>
+            </a:solidFill>
+          </a:ln>
+        </p:spPr>
+        <p:txBody>
+          <a:bodyPr wrap="square" rtlCol="0">
+            <a:spAutoFit/>
+          </a:bodyPr>
+          <a:lstStyle/>
+          <a:p>
+            <a:r>
+              <a:rPr lang="ru-RU" dirty="0"/>
+              <a:t>Сохранение</a:t>
+            </a:r>
+          </a:p>
+        </p:txBody>
+      </p:sp>
     </p:spTree>
     <p:extLst>
       <p:ext uri="{BB962C8B-B14F-4D97-AF65-F5344CB8AC3E}">
-        <p14:creationId xmlns:p14="http://schemas.microsoft.com/office/powerpoint/2010/main" val="315978693"/>
+        <p14:creationId xmlns:p14="http://schemas.microsoft.com/office/powerpoint/2010/main" val="3299509136"/>
       </p:ext>
     </p:extLst>
   </p:cSld>
@@ -5224,7 +7444,7 @@
           <p:cNvPr id="2" name="Заголовок 1">
             <a:extLst>
               <a:ext uri="{FF2B5EF4-FFF2-40B4-BE49-F238E27FC236}">
-                <a16:creationId xmlns:a16="http://schemas.microsoft.com/office/drawing/2014/main" id="{0C9370AF-B10D-416E-9240-65A4A1D27E63}"/>
+                <a16:creationId xmlns:a16="http://schemas.microsoft.com/office/drawing/2014/main" id="{3D557613-C8BF-43EB-A337-90AD9CEC660B}"/>
               </a:ext>
             </a:extLst>
           </p:cNvPr>
@@ -5235,13 +7455,110 @@
             <p:ph type="title"/>
           </p:nvPr>
         </p:nvSpPr>
+        <p:spPr>
+          <a:xfrm>
+            <a:off x="838200" y="304708"/>
+            <a:ext cx="10515600" cy="578304"/>
+          </a:xfrm>
+        </p:spPr>
+        <p:txBody>
+          <a:bodyPr>
+            <a:normAutofit fontScale="90000"/>
+          </a:bodyPr>
+          <a:lstStyle/>
+          <a:p>
+            <a:pPr algn="ctr"/>
+            <a:r>
+              <a:rPr lang="ru-RU" b="1" dirty="0"/>
+              <a:t>Структура базы данных</a:t>
+            </a:r>
+          </a:p>
+        </p:txBody>
+      </p:sp>
+      <p:pic>
+        <p:nvPicPr>
+          <p:cNvPr id="4" name="Рисунок 3">
+            <a:extLst>
+              <a:ext uri="{FF2B5EF4-FFF2-40B4-BE49-F238E27FC236}">
+                <a16:creationId xmlns:a16="http://schemas.microsoft.com/office/drawing/2014/main" id="{AD356876-487B-4748-AC7D-AF96E7A0E939}"/>
+              </a:ext>
+            </a:extLst>
+          </p:cNvPr>
+          <p:cNvPicPr>
+            <a:picLocks noChangeAspect="1"/>
+          </p:cNvPicPr>
+          <p:nvPr/>
+        </p:nvPicPr>
+        <p:blipFill>
+          <a:blip r:embed="rId2"/>
+          <a:stretch>
+            <a:fillRect/>
+          </a:stretch>
+        </p:blipFill>
+        <p:spPr>
+          <a:xfrm>
+            <a:off x="0" y="1078626"/>
+            <a:ext cx="12192000" cy="5410200"/>
+          </a:xfrm>
+          <a:prstGeom prst="rect">
+            <a:avLst/>
+          </a:prstGeom>
+        </p:spPr>
+      </p:pic>
+    </p:spTree>
+    <p:extLst>
+      <p:ext uri="{BB962C8B-B14F-4D97-AF65-F5344CB8AC3E}">
+        <p14:creationId xmlns:p14="http://schemas.microsoft.com/office/powerpoint/2010/main" val="315978693"/>
+      </p:ext>
+    </p:extLst>
+  </p:cSld>
+  <p:clrMapOvr>
+    <a:masterClrMapping/>
+  </p:clrMapOvr>
+</p:sld>
+</file>
+
+<file path=ppt/slides/slide9.xml><?xml version="1.0" encoding="utf-8"?>
+<p:sld xmlns:a="http://schemas.openxmlformats.org/drawingml/2006/main" xmlns:r="http://schemas.openxmlformats.org/officeDocument/2006/relationships" xmlns:p="http://schemas.openxmlformats.org/presentationml/2006/main">
+  <p:cSld>
+    <p:spTree>
+      <p:nvGrpSpPr>
+        <p:cNvPr id="1" name=""/>
+        <p:cNvGrpSpPr/>
+        <p:nvPr/>
+      </p:nvGrpSpPr>
+      <p:grpSpPr>
+        <a:xfrm>
+          <a:off x="0" y="0"/>
+          <a:ext cx="0" cy="0"/>
+          <a:chOff x="0" y="0"/>
+          <a:chExt cx="0" cy="0"/>
+        </a:xfrm>
+      </p:grpSpPr>
+      <p:sp>
+        <p:nvSpPr>
+          <p:cNvPr id="2" name="Заголовок 1">
+            <a:extLst>
+              <a:ext uri="{FF2B5EF4-FFF2-40B4-BE49-F238E27FC236}">
+                <a16:creationId xmlns:a16="http://schemas.microsoft.com/office/drawing/2014/main" id="{0C9370AF-B10D-416E-9240-65A4A1D27E63}"/>
+              </a:ext>
+            </a:extLst>
+          </p:cNvPr>
+          <p:cNvSpPr>
+            <a:spLocks noGrp="1"/>
+          </p:cNvSpPr>
+          <p:nvPr>
+            <p:ph type="title"/>
+          </p:nvPr>
+        </p:nvSpPr>
         <p:spPr/>
         <p:txBody>
           <a:bodyPr/>
           <a:lstStyle/>
           <a:p>
-            <a:r>
-              <a:rPr lang="ru-RU" dirty="0"/>
+            <a:pPr algn="ctr"/>
+            <a:r>
+              <a:rPr lang="ru-RU" b="1" dirty="0"/>
               <a:t>Дальнейшее развитие проекта</a:t>
             </a:r>
           </a:p>
@@ -5276,6 +7593,14 @@
               <a:rPr lang="en-US" dirty="0"/>
               <a:t>frontend</a:t>
             </a:r>
+            <a:endParaRPr lang="ru-RU" dirty="0"/>
+          </a:p>
+          <a:p>
+            <a:r>
+              <a:rPr lang="ru-RU" dirty="0"/>
+              <a:t>Оптимизировать для работы на мобильных устройствах</a:t>
+            </a:r>
+            <a:endParaRPr lang="en-US" dirty="0"/>
           </a:p>
           <a:p>
             <a:r>

--- a/Разработка cайта для магазина роллов и суши.pptx
+++ b/Разработка cайта для магазина роллов и суши.pptx
@@ -4309,7 +4309,7 @@
         </p:blipFill>
         <p:spPr bwMode="auto">
           <a:xfrm>
-            <a:off x="3402457" y="1546712"/>
+            <a:off x="3402457" y="1515180"/>
             <a:ext cx="1544004" cy="1470160"/>
           </a:xfrm>
           <a:prstGeom prst="rect">
@@ -4356,7 +4356,7 @@
         </p:blipFill>
         <p:spPr bwMode="auto">
           <a:xfrm>
-            <a:off x="301228" y="1337462"/>
+            <a:off x="301228" y="1211336"/>
             <a:ext cx="996588" cy="1825076"/>
           </a:xfrm>
           <a:prstGeom prst="rect">
@@ -4403,7 +4403,7 @@
         </p:blipFill>
         <p:spPr bwMode="auto">
           <a:xfrm>
-            <a:off x="301228" y="5473179"/>
+            <a:off x="301228" y="5394349"/>
             <a:ext cx="1168915" cy="1168915"/>
           </a:xfrm>
           <a:prstGeom prst="rect">
@@ -4450,7 +4450,7 @@
         </p:blipFill>
         <p:spPr bwMode="auto">
           <a:xfrm>
-            <a:off x="2197519" y="5303511"/>
+            <a:off x="2197519" y="5335043"/>
             <a:ext cx="1226017" cy="1226017"/>
           </a:xfrm>
           <a:prstGeom prst="rect">
@@ -4497,7 +4497,7 @@
         </p:blipFill>
         <p:spPr bwMode="auto">
           <a:xfrm>
-            <a:off x="3988395" y="4744573"/>
+            <a:off x="3988395" y="5036239"/>
             <a:ext cx="4083834" cy="1869706"/>
           </a:xfrm>
           <a:prstGeom prst="rect">
@@ -4591,7 +4591,7 @@
         </p:blipFill>
         <p:spPr bwMode="auto">
           <a:xfrm>
-            <a:off x="2429301" y="3202945"/>
+            <a:off x="2445067" y="3226594"/>
             <a:ext cx="2463451" cy="1721668"/>
           </a:xfrm>
           <a:prstGeom prst="rect">
@@ -4779,7 +4779,7 @@
         </p:blipFill>
         <p:spPr bwMode="auto">
           <a:xfrm>
-            <a:off x="1571534" y="1378032"/>
+            <a:off x="1571534" y="1362266"/>
             <a:ext cx="1569633" cy="1569633"/>
           </a:xfrm>
           <a:prstGeom prst="rect">
@@ -4873,7 +4873,7 @@
         </p:blipFill>
         <p:spPr bwMode="auto">
           <a:xfrm>
-            <a:off x="9281455" y="2498117"/>
+            <a:off x="9219946" y="3106457"/>
             <a:ext cx="2489765" cy="825654"/>
           </a:xfrm>
           <a:prstGeom prst="rect">
@@ -4893,10 +4893,10 @@
       </p:pic>
       <p:pic>
         <p:nvPicPr>
-          <p:cNvPr id="1066" name="Picture 42" descr="Introduction To Spring Boot MVC | Articles | webcodein">
-            <a:extLst>
-              <a:ext uri="{FF2B5EF4-FFF2-40B4-BE49-F238E27FC236}">
-                <a16:creationId xmlns:a16="http://schemas.microsoft.com/office/drawing/2014/main" id="{AB24859B-B637-4DE3-9A8C-75A663AF9E74}"/>
+          <p:cNvPr id="1068" name="Picture 44" descr="Spring Integration | Dariawan">
+            <a:extLst>
+              <a:ext uri="{FF2B5EF4-FFF2-40B4-BE49-F238E27FC236}">
+                <a16:creationId xmlns:a16="http://schemas.microsoft.com/office/drawing/2014/main" id="{52883272-B95C-460C-AB76-2C4829AAA4F9}"/>
               </a:ext>
             </a:extLst>
           </p:cNvPr>
@@ -4905,7 +4905,7 @@
           </p:cNvPicPr>
           <p:nvPr/>
         </p:nvPicPr>
-        <p:blipFill rotWithShape="1">
+        <p:blipFill>
           <a:blip r:embed="rId15">
             <a:extLst>
               <a:ext uri="{28A0092B-C50C-407E-A947-70E740481C1C}">
@@ -4913,13 +4913,15 @@
               </a:ext>
             </a:extLst>
           </a:blip>
-          <a:srcRect l="8457" t="17061" r="5834" b="17088"/>
-          <a:stretch/>
+          <a:srcRect/>
+          <a:stretch>
+            <a:fillRect/>
+          </a:stretch>
         </p:blipFill>
         <p:spPr bwMode="auto">
           <a:xfrm>
-            <a:off x="9208167" y="5523508"/>
-            <a:ext cx="2637307" cy="978625"/>
+            <a:off x="9107216" y="4196976"/>
+            <a:ext cx="2649238" cy="878539"/>
           </a:xfrm>
           <a:prstGeom prst="rect">
             <a:avLst/>
@@ -4938,57 +4940,40 @@
       </p:pic>
       <p:pic>
         <p:nvPicPr>
-          <p:cNvPr id="1068" name="Picture 44" descr="Spring Integration | Dariawan">
-            <a:extLst>
-              <a:ext uri="{FF2B5EF4-FFF2-40B4-BE49-F238E27FC236}">
-                <a16:creationId xmlns:a16="http://schemas.microsoft.com/office/drawing/2014/main" id="{52883272-B95C-460C-AB76-2C4829AAA4F9}"/>
+          <p:cNvPr id="10" name="Рисунок 9">
+            <a:extLst>
+              <a:ext uri="{FF2B5EF4-FFF2-40B4-BE49-F238E27FC236}">
+                <a16:creationId xmlns:a16="http://schemas.microsoft.com/office/drawing/2014/main" id="{03278DC5-84CD-45FA-8996-A7F1FF9E63E9}"/>
               </a:ext>
             </a:extLst>
           </p:cNvPr>
           <p:cNvPicPr>
-            <a:picLocks noChangeAspect="1" noChangeArrowheads="1"/>
+            <a:picLocks noChangeAspect="1"/>
           </p:cNvPicPr>
           <p:nvPr/>
         </p:nvPicPr>
         <p:blipFill>
-          <a:blip r:embed="rId16">
-            <a:extLst>
-              <a:ext uri="{28A0092B-C50C-407E-A947-70E740481C1C}">
-                <a14:useLocalDpi xmlns:a14="http://schemas.microsoft.com/office/drawing/2010/main" val="0"/>
-              </a:ext>
-            </a:extLst>
-          </a:blip>
-          <a:srcRect/>
+          <a:blip r:embed="rId16"/>
           <a:stretch>
             <a:fillRect/>
           </a:stretch>
         </p:blipFill>
-        <p:spPr bwMode="auto">
-          <a:xfrm>
-            <a:off x="8971049" y="3389111"/>
-            <a:ext cx="2649238" cy="878539"/>
+        <p:spPr>
+          <a:xfrm>
+            <a:off x="9107718" y="1546712"/>
+            <a:ext cx="2707415" cy="1136352"/>
           </a:xfrm>
           <a:prstGeom prst="rect">
             <a:avLst/>
           </a:prstGeom>
-          <a:noFill/>
-          <a:extLst>
-            <a:ext uri="{909E8E84-426E-40DD-AFC4-6F175D3DCCD1}">
-              <a14:hiddenFill xmlns:a14="http://schemas.microsoft.com/office/drawing/2010/main">
-                <a:solidFill>
-                  <a:srgbClr val="FFFFFF"/>
-                </a:solidFill>
-              </a14:hiddenFill>
-            </a:ext>
-          </a:extLst>
         </p:spPr>
       </p:pic>
       <p:pic>
         <p:nvPicPr>
-          <p:cNvPr id="10" name="Рисунок 9">
-            <a:extLst>
-              <a:ext uri="{FF2B5EF4-FFF2-40B4-BE49-F238E27FC236}">
-                <a16:creationId xmlns:a16="http://schemas.microsoft.com/office/drawing/2014/main" id="{03278DC5-84CD-45FA-8996-A7F1FF9E63E9}"/>
+          <p:cNvPr id="12" name="Рисунок 11">
+            <a:extLst>
+              <a:ext uri="{FF2B5EF4-FFF2-40B4-BE49-F238E27FC236}">
+                <a16:creationId xmlns:a16="http://schemas.microsoft.com/office/drawing/2014/main" id="{3D6B18B9-A81B-48A7-B70A-54342D33C24B}"/>
               </a:ext>
             </a:extLst>
           </p:cNvPr>
@@ -5005,8 +4990,8 @@
         </p:blipFill>
         <p:spPr>
           <a:xfrm>
-            <a:off x="9107216" y="1252141"/>
-            <a:ext cx="2707415" cy="1136352"/>
+            <a:off x="8889179" y="5303511"/>
+            <a:ext cx="3143488" cy="1155049"/>
           </a:xfrm>
           <a:prstGeom prst="rect">
             <a:avLst/>
@@ -5015,10 +5000,10 @@
       </p:pic>
       <p:pic>
         <p:nvPicPr>
-          <p:cNvPr id="12" name="Рисунок 11">
-            <a:extLst>
-              <a:ext uri="{FF2B5EF4-FFF2-40B4-BE49-F238E27FC236}">
-                <a16:creationId xmlns:a16="http://schemas.microsoft.com/office/drawing/2014/main" id="{3D6B18B9-A81B-48A7-B70A-54342D33C24B}"/>
+          <p:cNvPr id="8" name="Рисунок 7">
+            <a:extLst>
+              <a:ext uri="{FF2B5EF4-FFF2-40B4-BE49-F238E27FC236}">
+                <a16:creationId xmlns:a16="http://schemas.microsoft.com/office/drawing/2014/main" id="{F3A346E9-4478-47F5-AE88-77B5C65777A0}"/>
               </a:ext>
             </a:extLst>
           </p:cNvPr>
@@ -5035,37 +5020,7 @@
         </p:blipFill>
         <p:spPr>
           <a:xfrm>
-            <a:off x="8932400" y="4318130"/>
-            <a:ext cx="3143488" cy="1155049"/>
-          </a:xfrm>
-          <a:prstGeom prst="rect">
-            <a:avLst/>
-          </a:prstGeom>
-        </p:spPr>
-      </p:pic>
-      <p:pic>
-        <p:nvPicPr>
-          <p:cNvPr id="8" name="Рисунок 7">
-            <a:extLst>
-              <a:ext uri="{FF2B5EF4-FFF2-40B4-BE49-F238E27FC236}">
-                <a16:creationId xmlns:a16="http://schemas.microsoft.com/office/drawing/2014/main" id="{F3A346E9-4478-47F5-AE88-77B5C65777A0}"/>
-              </a:ext>
-            </a:extLst>
-          </p:cNvPr>
-          <p:cNvPicPr>
-            <a:picLocks noChangeAspect="1"/>
-          </p:cNvPicPr>
-          <p:nvPr/>
-        </p:nvPicPr>
-        <p:blipFill>
-          <a:blip r:embed="rId19"/>
-          <a:stretch>
-            <a:fillRect/>
-          </a:stretch>
-        </p:blipFill>
-        <p:spPr>
-          <a:xfrm>
-            <a:off x="220913" y="3463404"/>
+            <a:off x="220913" y="3360925"/>
             <a:ext cx="1463687" cy="1857504"/>
           </a:xfrm>
           <a:prstGeom prst="rect">
@@ -5088,7 +5043,7 @@
           <p:nvPr/>
         </p:nvPicPr>
         <p:blipFill>
-          <a:blip r:embed="rId20">
+          <a:blip r:embed="rId19">
             <a:extLst>
               <a:ext uri="{28A0092B-C50C-407E-A947-70E740481C1C}">
                 <a14:useLocalDpi xmlns:a14="http://schemas.microsoft.com/office/drawing/2010/main" val="0"/>
